--- a/module-2/module-2.pptx
+++ b/module-2/module-2.pptx
@@ -11,12 +11,13 @@
     <p:sldId id="263" r:id="rId6"/>
     <p:sldId id="260" r:id="rId7"/>
     <p:sldId id="257" r:id="rId8"/>
-    <p:sldId id="258" r:id="rId9"/>
-    <p:sldId id="259" r:id="rId10"/>
-    <p:sldId id="265" r:id="rId11"/>
-    <p:sldId id="266" r:id="rId12"/>
-    <p:sldId id="267" r:id="rId13"/>
-    <p:sldId id="264" r:id="rId14"/>
+    <p:sldId id="272" r:id="rId9"/>
+    <p:sldId id="258" r:id="rId10"/>
+    <p:sldId id="259" r:id="rId11"/>
+    <p:sldId id="265" r:id="rId12"/>
+    <p:sldId id="266" r:id="rId13"/>
+    <p:sldId id="267" r:id="rId14"/>
+    <p:sldId id="264" r:id="rId15"/>
   </p:sldIdLst>
   <p:sldSz cx="12192000" cy="6858000"/>
   <p:notesSz cx="6858000" cy="9144000"/>
@@ -3323,6 +3324,2777 @@
       </p:sp>
       <p:pic>
         <p:nvPicPr>
+          <p:cNvPr id="8" name="Picture 7" descr="A computer screen shot of a code&#10;&#10;Description automatically generated"/>
+          <p:cNvPicPr>
+            <a:picLocks noChangeAspect="1"/>
+          </p:cNvPicPr>
+          <p:nvPr/>
+        </p:nvPicPr>
+        <p:blipFill rotWithShape="1">
+          <a:blip r:embed="rId1"/>
+          <a:srcRect t="1111" r="2045" b="1667"/>
+          <a:stretch>
+            <a:fillRect/>
+          </a:stretch>
+        </p:blipFill>
+        <p:spPr>
+          <a:xfrm>
+            <a:off x="454883" y="991115"/>
+            <a:ext cx="5433233" cy="5411091"/>
+          </a:xfrm>
+          <a:prstGeom prst="rect">
+            <a:avLst/>
+          </a:prstGeom>
+        </p:spPr>
+      </p:pic>
+      <p:graphicFrame>
+        <p:nvGraphicFramePr>
+          <p:cNvPr id="9" name="Table 8"/>
+          <p:cNvGraphicFramePr>
+            <a:graphicFrameLocks noGrp="1"/>
+          </p:cNvGraphicFramePr>
+          <p:nvPr/>
+        </p:nvGraphicFramePr>
+        <p:xfrm>
+          <a:off x="6492240" y="650240"/>
+          <a:ext cx="4778572" cy="3510294"/>
+        </p:xfrm>
+        <a:graphic>
+          <a:graphicData uri="http://schemas.openxmlformats.org/drawingml/2006/table">
+            <a:tbl>
+              <a:tblPr firstRow="1" bandRow="1">
+                <a:tableStyleId>{5C22544A-7EE6-4342-B048-85BDC9FD1C3A}</a:tableStyleId>
+              </a:tblPr>
+              <a:tblGrid>
+                <a:gridCol w="2362285"/>
+                <a:gridCol w="2416287"/>
+              </a:tblGrid>
+              <a:tr h="939375">
+                <a:tc>
+                  <a:txBody>
+                    <a:bodyPr/>
+                    <a:lstStyle/>
+                    <a:p>
+                      <a:pPr marL="0" algn="ctr" defTabSz="914400" rtl="0" eaLnBrk="1" latinLnBrk="0" hangingPunct="1"/>
+                      <a:r>
+                        <a:rPr lang="en-US" sz="2800" b="1" kern="1200" dirty="0">
+                          <a:solidFill>
+                            <a:schemeClr val="tx1"/>
+                          </a:solidFill>
+                          <a:latin typeface="+mn-lt"/>
+                          <a:ea typeface="+mn-ea"/>
+                          <a:cs typeface="+mn-cs"/>
+                        </a:rPr>
+                        <a:t>Iteration</a:t>
+                      </a:r>
+                      <a:endParaRPr lang="en-US" sz="2800" b="1" kern="1200" dirty="0">
+                        <a:solidFill>
+                          <a:schemeClr val="tx1"/>
+                        </a:solidFill>
+                        <a:latin typeface="+mn-lt"/>
+                        <a:ea typeface="+mn-ea"/>
+                        <a:cs typeface="+mn-cs"/>
+                      </a:endParaRPr>
+                    </a:p>
+                  </a:txBody>
+                  <a:tcPr anchor="ctr">
+                    <a:lnL w="0">
+                      <a:noFill/>
+                    </a:lnL>
+                    <a:lnR w="12700">
+                      <a:solidFill>
+                        <a:schemeClr val="tx1"/>
+                      </a:solidFill>
+                    </a:lnR>
+                    <a:lnT w="0">
+                      <a:noFill/>
+                    </a:lnT>
+                    <a:lnB w="12700">
+                      <a:solidFill>
+                        <a:schemeClr val="tx1"/>
+                      </a:solidFill>
+                    </a:lnB>
+                    <a:noFill/>
+                  </a:tcPr>
+                </a:tc>
+                <a:tc>
+                  <a:txBody>
+                    <a:bodyPr/>
+                    <a:lstStyle/>
+                    <a:p>
+                      <a:pPr algn="ctr"/>
+                      <a:r>
+                        <a:rPr lang="en-US" sz="3600" dirty="0"/>
+                        <a:t>n</a:t>
+                      </a:r>
+                      <a:endParaRPr lang="en-US" sz="3600" dirty="0"/>
+                    </a:p>
+                  </a:txBody>
+                  <a:tcPr anchor="ctr">
+                    <a:lnL w="12700">
+                      <a:solidFill>
+                        <a:schemeClr val="tx1"/>
+                      </a:solidFill>
+                    </a:lnL>
+                    <a:lnR w="0">
+                      <a:noFill/>
+                    </a:lnR>
+                    <a:lnT w="0">
+                      <a:noFill/>
+                    </a:lnT>
+                    <a:lnB w="12700">
+                      <a:solidFill>
+                        <a:schemeClr val="tx1"/>
+                      </a:solidFill>
+                    </a:lnB>
+                    <a:noFill/>
+                  </a:tcPr>
+                </a:tc>
+              </a:tr>
+              <a:tr h="856973">
+                <a:tc>
+                  <a:txBody>
+                    <a:bodyPr/>
+                    <a:lstStyle/>
+                    <a:p>
+                      <a:pPr algn="ctr"/>
+                      <a:endParaRPr lang="en-US" sz="3200" dirty="0"/>
+                    </a:p>
+                  </a:txBody>
+                  <a:tcPr anchor="ctr">
+                    <a:lnL w="0">
+                      <a:noFill/>
+                    </a:lnL>
+                    <a:lnR w="12700">
+                      <a:solidFill>
+                        <a:schemeClr val="tx1"/>
+                      </a:solidFill>
+                    </a:lnR>
+                    <a:lnT w="12700">
+                      <a:solidFill>
+                        <a:schemeClr val="tx1"/>
+                      </a:solidFill>
+                    </a:lnT>
+                    <a:lnB w="12700">
+                      <a:solidFill>
+                        <a:schemeClr val="tx1"/>
+                      </a:solidFill>
+                    </a:lnB>
+                    <a:noFill/>
+                  </a:tcPr>
+                </a:tc>
+                <a:tc>
+                  <a:txBody>
+                    <a:bodyPr/>
+                    <a:lstStyle/>
+                    <a:p>
+                      <a:pPr algn="ctr"/>
+                      <a:endParaRPr lang="en-US" sz="3200" dirty="0"/>
+                    </a:p>
+                  </a:txBody>
+                  <a:tcPr anchor="ctr">
+                    <a:lnL w="12700">
+                      <a:solidFill>
+                        <a:schemeClr val="tx1"/>
+                      </a:solidFill>
+                    </a:lnL>
+                    <a:lnR w="0">
+                      <a:noFill/>
+                    </a:lnR>
+                    <a:lnT w="12700">
+                      <a:solidFill>
+                        <a:schemeClr val="tx1"/>
+                      </a:solidFill>
+                    </a:lnT>
+                    <a:lnB w="12700">
+                      <a:solidFill>
+                        <a:schemeClr val="tx1"/>
+                      </a:solidFill>
+                    </a:lnB>
+                    <a:noFill/>
+                  </a:tcPr>
+                </a:tc>
+              </a:tr>
+              <a:tr h="856973">
+                <a:tc>
+                  <a:txBody>
+                    <a:bodyPr/>
+                    <a:lstStyle/>
+                    <a:p>
+                      <a:pPr algn="ctr"/>
+                      <a:endParaRPr lang="en-US" sz="3200" dirty="0"/>
+                    </a:p>
+                  </a:txBody>
+                  <a:tcPr anchor="ctr">
+                    <a:lnL w="0">
+                      <a:noFill/>
+                    </a:lnL>
+                    <a:lnR w="12700">
+                      <a:solidFill>
+                        <a:schemeClr val="tx1"/>
+                      </a:solidFill>
+                    </a:lnR>
+                    <a:lnT w="12700">
+                      <a:solidFill>
+                        <a:schemeClr val="tx1"/>
+                      </a:solidFill>
+                    </a:lnT>
+                    <a:lnB w="12700">
+                      <a:solidFill>
+                        <a:schemeClr val="tx1"/>
+                      </a:solidFill>
+                    </a:lnB>
+                    <a:noFill/>
+                  </a:tcPr>
+                </a:tc>
+                <a:tc>
+                  <a:txBody>
+                    <a:bodyPr/>
+                    <a:lstStyle/>
+                    <a:p>
+                      <a:pPr algn="ctr"/>
+                      <a:endParaRPr lang="en-US" sz="3200" dirty="0"/>
+                    </a:p>
+                  </a:txBody>
+                  <a:tcPr anchor="ctr">
+                    <a:lnL w="12700">
+                      <a:solidFill>
+                        <a:schemeClr val="tx1"/>
+                      </a:solidFill>
+                    </a:lnL>
+                    <a:lnR w="0">
+                      <a:noFill/>
+                    </a:lnR>
+                    <a:lnT w="12700">
+                      <a:solidFill>
+                        <a:schemeClr val="tx1"/>
+                      </a:solidFill>
+                    </a:lnT>
+                    <a:lnB w="12700">
+                      <a:solidFill>
+                        <a:schemeClr val="tx1"/>
+                      </a:solidFill>
+                    </a:lnB>
+                    <a:noFill/>
+                  </a:tcPr>
+                </a:tc>
+              </a:tr>
+              <a:tr h="856973">
+                <a:tc>
+                  <a:txBody>
+                    <a:bodyPr/>
+                    <a:lstStyle/>
+                    <a:p>
+                      <a:pPr algn="ctr"/>
+                      <a:endParaRPr lang="en-US" sz="3200" dirty="0"/>
+                    </a:p>
+                  </a:txBody>
+                  <a:tcPr anchor="ctr">
+                    <a:lnL w="0">
+                      <a:noFill/>
+                    </a:lnL>
+                    <a:lnR w="12700">
+                      <a:solidFill>
+                        <a:schemeClr val="tx1"/>
+                      </a:solidFill>
+                    </a:lnR>
+                    <a:lnT w="12700">
+                      <a:solidFill>
+                        <a:schemeClr val="tx1"/>
+                      </a:solidFill>
+                    </a:lnT>
+                    <a:lnB w="0">
+                      <a:noFill/>
+                    </a:lnB>
+                    <a:noFill/>
+                  </a:tcPr>
+                </a:tc>
+                <a:tc>
+                  <a:txBody>
+                    <a:bodyPr/>
+                    <a:lstStyle/>
+                    <a:p>
+                      <a:pPr algn="ctr"/>
+                      <a:endParaRPr lang="en-US" sz="3200" dirty="0"/>
+                    </a:p>
+                  </a:txBody>
+                  <a:tcPr anchor="ctr">
+                    <a:lnL w="12700">
+                      <a:solidFill>
+                        <a:schemeClr val="tx1"/>
+                      </a:solidFill>
+                    </a:lnL>
+                    <a:lnR w="0">
+                      <a:noFill/>
+                    </a:lnR>
+                    <a:lnT w="12700">
+                      <a:solidFill>
+                        <a:schemeClr val="tx1"/>
+                      </a:solidFill>
+                    </a:lnT>
+                    <a:lnB w="0">
+                      <a:noFill/>
+                    </a:lnB>
+                    <a:noFill/>
+                  </a:tcPr>
+                </a:tc>
+              </a:tr>
+            </a:tbl>
+          </a:graphicData>
+        </a:graphic>
+      </p:graphicFrame>
+      <p:sp>
+        <p:nvSpPr>
+          <p:cNvPr id="10" name="TextBox 9"/>
+          <p:cNvSpPr txBox="1"/>
+          <p:nvPr/>
+        </p:nvSpPr>
+        <p:spPr>
+          <a:xfrm>
+            <a:off x="7473524" y="2601282"/>
+            <a:ext cx="531284" cy="584775"/>
+          </a:xfrm>
+          <a:prstGeom prst="rect">
+            <a:avLst/>
+          </a:prstGeom>
+          <a:noFill/>
+        </p:spPr>
+        <p:txBody>
+          <a:bodyPr rot="0" spcFirstLastPara="0" vertOverflow="overflow" horzOverflow="overflow" vert="horz" wrap="square" lIns="91440" tIns="45720" rIns="91440" bIns="45720" numCol="1" spcCol="0" rtlCol="0" fromWordArt="0" anchor="ctr" anchorCtr="0" forceAA="0" compatLnSpc="1">
+            <a:spAutoFit/>
+          </a:bodyPr>
+          <a:lstStyle/>
+          <a:p>
+            <a:pPr algn="ctr"/>
+            <a:r>
+              <a:rPr lang="en-US" sz="3200" dirty="0"/>
+              <a:t>2</a:t>
+            </a:r>
+            <a:endParaRPr lang="en-US" sz="3200" dirty="0"/>
+          </a:p>
+        </p:txBody>
+      </p:sp>
+      <p:sp>
+        <p:nvSpPr>
+          <p:cNvPr id="11" name="TextBox 10"/>
+          <p:cNvSpPr txBox="1"/>
+          <p:nvPr/>
+        </p:nvSpPr>
+        <p:spPr>
+          <a:xfrm>
+            <a:off x="7473523" y="1715428"/>
+            <a:ext cx="531284" cy="584775"/>
+          </a:xfrm>
+          <a:prstGeom prst="rect">
+            <a:avLst/>
+          </a:prstGeom>
+          <a:noFill/>
+        </p:spPr>
+        <p:txBody>
+          <a:bodyPr rot="0" spcFirstLastPara="0" vertOverflow="overflow" horzOverflow="overflow" vert="horz" wrap="square" lIns="91440" tIns="45720" rIns="91440" bIns="45720" numCol="1" spcCol="0" rtlCol="0" fromWordArt="0" anchor="ctr" anchorCtr="0" forceAA="0" compatLnSpc="1">
+            <a:spAutoFit/>
+          </a:bodyPr>
+          <a:lstStyle/>
+          <a:p>
+            <a:pPr algn="ctr"/>
+            <a:r>
+              <a:rPr lang="en-US" sz="3200" dirty="0"/>
+              <a:t>1</a:t>
+            </a:r>
+            <a:endParaRPr lang="en-US" sz="3200" dirty="0"/>
+          </a:p>
+        </p:txBody>
+      </p:sp>
+      <p:sp>
+        <p:nvSpPr>
+          <p:cNvPr id="12" name="TextBox 11"/>
+          <p:cNvSpPr txBox="1"/>
+          <p:nvPr/>
+        </p:nvSpPr>
+        <p:spPr>
+          <a:xfrm>
+            <a:off x="7473523" y="3405615"/>
+            <a:ext cx="531284" cy="584775"/>
+          </a:xfrm>
+          <a:prstGeom prst="rect">
+            <a:avLst/>
+          </a:prstGeom>
+          <a:noFill/>
+        </p:spPr>
+        <p:txBody>
+          <a:bodyPr rot="0" spcFirstLastPara="0" vertOverflow="overflow" horzOverflow="overflow" vert="horz" wrap="square" lIns="91440" tIns="45720" rIns="91440" bIns="45720" numCol="1" spcCol="0" rtlCol="0" fromWordArt="0" anchor="ctr" anchorCtr="0" forceAA="0" compatLnSpc="1">
+            <a:spAutoFit/>
+          </a:bodyPr>
+          <a:lstStyle/>
+          <a:p>
+            <a:pPr algn="ctr"/>
+            <a:r>
+              <a:rPr lang="en-US" sz="3200" dirty="0"/>
+              <a:t>3</a:t>
+            </a:r>
+            <a:endParaRPr lang="en-US" sz="3200" dirty="0"/>
+          </a:p>
+        </p:txBody>
+      </p:sp>
+      <p:sp>
+        <p:nvSpPr>
+          <p:cNvPr id="13" name="TextBox 12"/>
+          <p:cNvSpPr txBox="1"/>
+          <p:nvPr/>
+        </p:nvSpPr>
+        <p:spPr>
+          <a:xfrm>
+            <a:off x="9875941" y="1715429"/>
+            <a:ext cx="531284" cy="584775"/>
+          </a:xfrm>
+          <a:prstGeom prst="rect">
+            <a:avLst/>
+          </a:prstGeom>
+          <a:noFill/>
+        </p:spPr>
+        <p:txBody>
+          <a:bodyPr rot="0" spcFirstLastPara="0" vertOverflow="overflow" horzOverflow="overflow" vert="horz" wrap="square" lIns="91440" tIns="45720" rIns="91440" bIns="45720" numCol="1" spcCol="0" rtlCol="0" fromWordArt="0" anchor="ctr" anchorCtr="0" forceAA="0" compatLnSpc="1">
+            <a:spAutoFit/>
+          </a:bodyPr>
+          <a:lstStyle/>
+          <a:p>
+            <a:pPr algn="ctr"/>
+            <a:r>
+              <a:rPr lang="en-US" sz="3200" dirty="0"/>
+              <a:t>3</a:t>
+            </a:r>
+            <a:endParaRPr lang="en-US" sz="3200" dirty="0"/>
+          </a:p>
+        </p:txBody>
+      </p:sp>
+      <p:sp>
+        <p:nvSpPr>
+          <p:cNvPr id="14" name="TextBox 13"/>
+          <p:cNvSpPr txBox="1"/>
+          <p:nvPr/>
+        </p:nvSpPr>
+        <p:spPr>
+          <a:xfrm>
+            <a:off x="9875940" y="3405615"/>
+            <a:ext cx="531284" cy="584775"/>
+          </a:xfrm>
+          <a:prstGeom prst="rect">
+            <a:avLst/>
+          </a:prstGeom>
+          <a:noFill/>
+        </p:spPr>
+        <p:txBody>
+          <a:bodyPr rot="0" spcFirstLastPara="0" vertOverflow="overflow" horzOverflow="overflow" vert="horz" wrap="square" lIns="91440" tIns="45720" rIns="91440" bIns="45720" numCol="1" spcCol="0" rtlCol="0" fromWordArt="0" anchor="ctr" anchorCtr="0" forceAA="0" compatLnSpc="1">
+            <a:spAutoFit/>
+          </a:bodyPr>
+          <a:lstStyle/>
+          <a:p>
+            <a:pPr algn="ctr"/>
+            <a:r>
+              <a:rPr lang="en-US" sz="3200" dirty="0"/>
+              <a:t>1</a:t>
+            </a:r>
+            <a:endParaRPr lang="en-US" sz="3200" dirty="0"/>
+          </a:p>
+        </p:txBody>
+      </p:sp>
+      <p:sp>
+        <p:nvSpPr>
+          <p:cNvPr id="15" name="TextBox 14"/>
+          <p:cNvSpPr txBox="1"/>
+          <p:nvPr/>
+        </p:nvSpPr>
+        <p:spPr>
+          <a:xfrm>
+            <a:off x="9875940" y="2601282"/>
+            <a:ext cx="531284" cy="584775"/>
+          </a:xfrm>
+          <a:prstGeom prst="rect">
+            <a:avLst/>
+          </a:prstGeom>
+          <a:noFill/>
+        </p:spPr>
+        <p:txBody>
+          <a:bodyPr rot="0" spcFirstLastPara="0" vertOverflow="overflow" horzOverflow="overflow" vert="horz" wrap="square" lIns="91440" tIns="45720" rIns="91440" bIns="45720" numCol="1" spcCol="0" rtlCol="0" fromWordArt="0" anchor="ctr" anchorCtr="0" forceAA="0" compatLnSpc="1">
+            <a:spAutoFit/>
+          </a:bodyPr>
+          <a:lstStyle/>
+          <a:p>
+            <a:pPr algn="ctr"/>
+            <a:r>
+              <a:rPr lang="en-US" sz="3200" dirty="0"/>
+              <a:t>2</a:t>
+            </a:r>
+            <a:endParaRPr lang="en-US" sz="3200" dirty="0"/>
+          </a:p>
+        </p:txBody>
+      </p:sp>
+      <p:sp>
+        <p:nvSpPr>
+          <p:cNvPr id="16" name="TextBox 15"/>
+          <p:cNvSpPr txBox="1"/>
+          <p:nvPr/>
+        </p:nvSpPr>
+        <p:spPr>
+          <a:xfrm>
+            <a:off x="2248282" y="2721614"/>
+            <a:ext cx="628868" cy="461665"/>
+          </a:xfrm>
+          <a:prstGeom prst="rect">
+            <a:avLst/>
+          </a:prstGeom>
+          <a:noFill/>
+        </p:spPr>
+        <p:txBody>
+          <a:bodyPr rot="0" spcFirstLastPara="0" vertOverflow="overflow" horzOverflow="overflow" vert="horz" wrap="square" lIns="91440" tIns="45720" rIns="91440" bIns="45720" numCol="1" spcCol="0" rtlCol="0" fromWordArt="0" anchor="t" anchorCtr="0" forceAA="0" compatLnSpc="1">
+            <a:spAutoFit/>
+          </a:bodyPr>
+          <a:lstStyle/>
+          <a:p>
+            <a:pPr algn="l"/>
+            <a:r>
+              <a:rPr lang="en-US" sz="2400" dirty="0">
+                <a:solidFill>
+                  <a:schemeClr val="accent3"/>
+                </a:solidFill>
+              </a:rPr>
+              <a:t>3</a:t>
+            </a:r>
+            <a:endParaRPr lang="en-US" sz="2400" dirty="0">
+              <a:solidFill>
+                <a:schemeClr val="accent3"/>
+              </a:solidFill>
+            </a:endParaRPr>
+          </a:p>
+        </p:txBody>
+      </p:sp>
+      <p:sp>
+        <p:nvSpPr>
+          <p:cNvPr id="17" name="TextBox 16"/>
+          <p:cNvSpPr txBox="1"/>
+          <p:nvPr/>
+        </p:nvSpPr>
+        <p:spPr>
+          <a:xfrm>
+            <a:off x="3370198" y="3096295"/>
+            <a:ext cx="785982" cy="369173"/>
+          </a:xfrm>
+          <a:prstGeom prst="rect">
+            <a:avLst/>
+          </a:prstGeom>
+          <a:noFill/>
+        </p:spPr>
+        <p:txBody>
+          <a:bodyPr rot="0" spcFirstLastPara="0" vertOverflow="overflow" horzOverflow="overflow" vert="horz" wrap="square" lIns="91440" tIns="45720" rIns="91440" bIns="45720" numCol="1" spcCol="0" rtlCol="0" fromWordArt="0" anchor="t" anchorCtr="0" forceAA="0" compatLnSpc="1">
+            <a:spAutoFit/>
+          </a:bodyPr>
+          <a:lstStyle/>
+          <a:p>
+            <a:pPr algn="l"/>
+            <a:r>
+              <a:rPr lang="en-US" dirty="0">
+                <a:solidFill>
+                  <a:schemeClr val="accent3"/>
+                </a:solidFill>
+              </a:rPr>
+              <a:t>True</a:t>
+            </a:r>
+            <a:endParaRPr lang="en-US" dirty="0">
+              <a:solidFill>
+                <a:schemeClr val="accent3"/>
+              </a:solidFill>
+            </a:endParaRPr>
+          </a:p>
+        </p:txBody>
+      </p:sp>
+      <p:sp>
+        <p:nvSpPr>
+          <p:cNvPr id="23" name="TextBox 22"/>
+          <p:cNvSpPr txBox="1"/>
+          <p:nvPr/>
+        </p:nvSpPr>
+        <p:spPr>
+          <a:xfrm>
+            <a:off x="2246223" y="2719555"/>
+            <a:ext cx="628868" cy="461665"/>
+          </a:xfrm>
+          <a:prstGeom prst="rect">
+            <a:avLst/>
+          </a:prstGeom>
+          <a:noFill/>
+        </p:spPr>
+        <p:txBody>
+          <a:bodyPr rot="0" spcFirstLastPara="0" vertOverflow="overflow" horzOverflow="overflow" vert="horz" wrap="square" lIns="91440" tIns="45720" rIns="91440" bIns="45720" numCol="1" spcCol="0" rtlCol="0" fromWordArt="0" anchor="t" anchorCtr="0" forceAA="0" compatLnSpc="1">
+            <a:spAutoFit/>
+          </a:bodyPr>
+          <a:lstStyle/>
+          <a:p>
+            <a:pPr algn="l"/>
+            <a:r>
+              <a:rPr lang="en-US" sz="2400" dirty="0">
+                <a:solidFill>
+                  <a:schemeClr val="accent3"/>
+                </a:solidFill>
+              </a:rPr>
+              <a:t>2</a:t>
+            </a:r>
+            <a:endParaRPr lang="en-US" sz="2400" dirty="0">
+              <a:solidFill>
+                <a:schemeClr val="accent3"/>
+              </a:solidFill>
+            </a:endParaRPr>
+          </a:p>
+        </p:txBody>
+      </p:sp>
+      <p:sp>
+        <p:nvSpPr>
+          <p:cNvPr id="25" name="TextBox 24"/>
+          <p:cNvSpPr txBox="1"/>
+          <p:nvPr/>
+        </p:nvSpPr>
+        <p:spPr>
+          <a:xfrm>
+            <a:off x="2246223" y="2719555"/>
+            <a:ext cx="628868" cy="461665"/>
+          </a:xfrm>
+          <a:prstGeom prst="rect">
+            <a:avLst/>
+          </a:prstGeom>
+          <a:noFill/>
+        </p:spPr>
+        <p:txBody>
+          <a:bodyPr rot="0" spcFirstLastPara="0" vertOverflow="overflow" horzOverflow="overflow" vert="horz" wrap="square" lIns="91440" tIns="45720" rIns="91440" bIns="45720" numCol="1" spcCol="0" rtlCol="0" fromWordArt="0" anchor="t" anchorCtr="0" forceAA="0" compatLnSpc="1">
+            <a:spAutoFit/>
+          </a:bodyPr>
+          <a:lstStyle/>
+          <a:p>
+            <a:pPr algn="l"/>
+            <a:r>
+              <a:rPr lang="en-US" sz="2400" dirty="0">
+                <a:solidFill>
+                  <a:schemeClr val="accent3"/>
+                </a:solidFill>
+              </a:rPr>
+              <a:t>1</a:t>
+            </a:r>
+            <a:endParaRPr lang="en-US" sz="2400" dirty="0">
+              <a:solidFill>
+                <a:schemeClr val="accent3"/>
+              </a:solidFill>
+            </a:endParaRPr>
+          </a:p>
+        </p:txBody>
+      </p:sp>
+      <p:sp>
+        <p:nvSpPr>
+          <p:cNvPr id="27" name="TextBox 26"/>
+          <p:cNvSpPr txBox="1"/>
+          <p:nvPr/>
+        </p:nvSpPr>
+        <p:spPr>
+          <a:xfrm>
+            <a:off x="3368138" y="3063344"/>
+            <a:ext cx="785982" cy="369173"/>
+          </a:xfrm>
+          <a:prstGeom prst="rect">
+            <a:avLst/>
+          </a:prstGeom>
+          <a:noFill/>
+        </p:spPr>
+        <p:txBody>
+          <a:bodyPr rot="0" spcFirstLastPara="0" vertOverflow="overflow" horzOverflow="overflow" vert="horz" wrap="square" lIns="91440" tIns="45720" rIns="91440" bIns="45720" numCol="1" spcCol="0" rtlCol="0" fromWordArt="0" anchor="t" anchorCtr="0" forceAA="0" compatLnSpc="1">
+            <a:spAutoFit/>
+          </a:bodyPr>
+          <a:lstStyle/>
+          <a:p>
+            <a:pPr algn="l"/>
+            <a:r>
+              <a:rPr lang="en-US" dirty="0">
+                <a:solidFill>
+                  <a:schemeClr val="accent3"/>
+                </a:solidFill>
+              </a:rPr>
+              <a:t>True</a:t>
+            </a:r>
+            <a:endParaRPr lang="en-US" dirty="0">
+              <a:solidFill>
+                <a:schemeClr val="accent3"/>
+              </a:solidFill>
+            </a:endParaRPr>
+          </a:p>
+        </p:txBody>
+      </p:sp>
+      <p:sp>
+        <p:nvSpPr>
+          <p:cNvPr id="29" name="TextBox 28"/>
+          <p:cNvSpPr txBox="1"/>
+          <p:nvPr/>
+        </p:nvSpPr>
+        <p:spPr>
+          <a:xfrm>
+            <a:off x="3376376" y="3092177"/>
+            <a:ext cx="785982" cy="369173"/>
+          </a:xfrm>
+          <a:prstGeom prst="rect">
+            <a:avLst/>
+          </a:prstGeom>
+          <a:noFill/>
+        </p:spPr>
+        <p:txBody>
+          <a:bodyPr rot="0" spcFirstLastPara="0" vertOverflow="overflow" horzOverflow="overflow" vert="horz" wrap="square" lIns="91440" tIns="45720" rIns="91440" bIns="45720" numCol="1" spcCol="0" rtlCol="0" fromWordArt="0" anchor="t" anchorCtr="0" forceAA="0" compatLnSpc="1">
+            <a:spAutoFit/>
+          </a:bodyPr>
+          <a:lstStyle/>
+          <a:p>
+            <a:pPr algn="l"/>
+            <a:r>
+              <a:rPr lang="en-US" dirty="0">
+                <a:solidFill>
+                  <a:schemeClr val="accent3"/>
+                </a:solidFill>
+              </a:rPr>
+              <a:t>False</a:t>
+            </a:r>
+            <a:endParaRPr lang="en-US" dirty="0">
+              <a:solidFill>
+                <a:schemeClr val="accent3"/>
+              </a:solidFill>
+            </a:endParaRPr>
+          </a:p>
+        </p:txBody>
+      </p:sp>
+      <p:sp>
+        <p:nvSpPr>
+          <p:cNvPr id="31" name="TextBox 30"/>
+          <p:cNvSpPr txBox="1"/>
+          <p:nvPr/>
+        </p:nvSpPr>
+        <p:spPr>
+          <a:xfrm>
+            <a:off x="2244164" y="2717496"/>
+            <a:ext cx="628868" cy="461665"/>
+          </a:xfrm>
+          <a:prstGeom prst="rect">
+            <a:avLst/>
+          </a:prstGeom>
+          <a:noFill/>
+        </p:spPr>
+        <p:txBody>
+          <a:bodyPr rot="0" spcFirstLastPara="0" vertOverflow="overflow" horzOverflow="overflow" vert="horz" wrap="square" lIns="91440" tIns="45720" rIns="91440" bIns="45720" numCol="1" spcCol="0" rtlCol="0" fromWordArt="0" anchor="t" anchorCtr="0" forceAA="0" compatLnSpc="1">
+            <a:spAutoFit/>
+          </a:bodyPr>
+          <a:lstStyle/>
+          <a:p>
+            <a:pPr algn="l"/>
+            <a:r>
+              <a:rPr lang="en-US" sz="2400" dirty="0">
+                <a:solidFill>
+                  <a:schemeClr val="accent3"/>
+                </a:solidFill>
+              </a:rPr>
+              <a:t>0</a:t>
+            </a:r>
+            <a:endParaRPr lang="en-US" sz="2400" dirty="0">
+              <a:solidFill>
+                <a:schemeClr val="accent3"/>
+              </a:solidFill>
+            </a:endParaRPr>
+          </a:p>
+        </p:txBody>
+      </p:sp>
+      <p:sp>
+        <p:nvSpPr>
+          <p:cNvPr id="32" name="Rectangle: Rounded Corners 31"/>
+          <p:cNvSpPr/>
+          <p:nvPr/>
+        </p:nvSpPr>
+        <p:spPr>
+          <a:xfrm>
+            <a:off x="7236133" y="4852865"/>
+            <a:ext cx="3295135" cy="1163595"/>
+          </a:xfrm>
+          <a:prstGeom prst="roundRect">
+            <a:avLst/>
+          </a:prstGeom>
+          <a:solidFill>
+            <a:schemeClr val="accent4">
+              <a:lumMod val="60000"/>
+              <a:lumOff val="40000"/>
+            </a:schemeClr>
+          </a:solidFill>
+        </p:spPr>
+        <p:style>
+          <a:lnRef idx="2">
+            <a:schemeClr val="accent1">
+              <a:shade val="15000"/>
+            </a:schemeClr>
+          </a:lnRef>
+          <a:fillRef idx="1">
+            <a:schemeClr val="accent1"/>
+          </a:fillRef>
+          <a:effectRef idx="0">
+            <a:schemeClr val="accent1"/>
+          </a:effectRef>
+          <a:fontRef idx="minor">
+            <a:schemeClr val="lt1"/>
+          </a:fontRef>
+        </p:style>
+        <p:txBody>
+          <a:bodyPr rtlCol="0" anchor="ctr"/>
+          <a:lstStyle/>
+          <a:p>
+            <a:pPr algn="ctr"/>
+            <a:r>
+              <a:rPr lang="en-US" sz="3600" dirty="0"/>
+              <a:t>Loop Breaks</a:t>
+            </a:r>
+            <a:endParaRPr lang="en-US" sz="3600" dirty="0"/>
+          </a:p>
+        </p:txBody>
+      </p:sp>
+    </p:spTree>
+  </p:cSld>
+  <p:clrMapOvr>
+    <a:masterClrMapping/>
+  </p:clrMapOvr>
+  <p:transition spd="slow">
+    <p:push dir="u"/>
+  </p:transition>
+  <p:timing>
+    <p:tnLst>
+      <p:par>
+        <p:cTn id="1" dur="indefinite" restart="never" nodeType="tmRoot">
+          <p:childTnLst>
+            <p:seq concurrent="1" nextAc="seek">
+              <p:cTn id="2" dur="indefinite" nodeType="mainSeq">
+                <p:childTnLst>
+                  <p:par>
+                    <p:cTn id="3" fill="hold">
+                      <p:stCondLst>
+                        <p:cond delay="indefinite"/>
+                      </p:stCondLst>
+                      <p:childTnLst>
+                        <p:par>
+                          <p:cTn id="4" fill="hold">
+                            <p:stCondLst>
+                              <p:cond delay="0"/>
+                            </p:stCondLst>
+                            <p:childTnLst>
+                              <p:par>
+                                <p:cTn id="5" presetID="2" presetClass="entr" presetSubtype="4" fill="hold" nodeType="clickEffect">
+                                  <p:stCondLst>
+                                    <p:cond delay="0"/>
+                                  </p:stCondLst>
+                                  <p:childTnLst>
+                                    <p:set>
+                                      <p:cBhvr>
+                                        <p:cTn id="6" dur="1" fill="hold">
+                                          <p:stCondLst>
+                                            <p:cond delay="0"/>
+                                          </p:stCondLst>
+                                        </p:cTn>
+                                        <p:tgtEl>
+                                          <p:spTgt spid="9"/>
+                                        </p:tgtEl>
+                                        <p:attrNameLst>
+                                          <p:attrName>style.visibility</p:attrName>
+                                        </p:attrNameLst>
+                                      </p:cBhvr>
+                                      <p:to>
+                                        <p:strVal val="visible"/>
+                                      </p:to>
+                                    </p:set>
+                                    <p:anim calcmode="lin" valueType="num">
+                                      <p:cBhvr additive="base">
+                                        <p:cTn id="7" dur="500" fill="hold"/>
+                                        <p:tgtEl>
+                                          <p:spTgt spid="9"/>
+                                        </p:tgtEl>
+                                        <p:attrNameLst>
+                                          <p:attrName>ppt_x</p:attrName>
+                                        </p:attrNameLst>
+                                      </p:cBhvr>
+                                      <p:tavLst>
+                                        <p:tav tm="0">
+                                          <p:val>
+                                            <p:strVal val="#ppt_x"/>
+                                          </p:val>
+                                        </p:tav>
+                                        <p:tav tm="100000">
+                                          <p:val>
+                                            <p:strVal val="#ppt_x"/>
+                                          </p:val>
+                                        </p:tav>
+                                      </p:tavLst>
+                                    </p:anim>
+                                    <p:anim calcmode="lin" valueType="num">
+                                      <p:cBhvr additive="base">
+                                        <p:cTn id="8" dur="500" fill="hold"/>
+                                        <p:tgtEl>
+                                          <p:spTgt spid="9"/>
+                                        </p:tgtEl>
+                                        <p:attrNameLst>
+                                          <p:attrName>ppt_y</p:attrName>
+                                        </p:attrNameLst>
+                                      </p:cBhvr>
+                                      <p:tavLst>
+                                        <p:tav tm="0">
+                                          <p:val>
+                                            <p:strVal val="1+#ppt_h/2"/>
+                                          </p:val>
+                                        </p:tav>
+                                        <p:tav tm="100000">
+                                          <p:val>
+                                            <p:strVal val="#ppt_y"/>
+                                          </p:val>
+                                        </p:tav>
+                                      </p:tavLst>
+                                    </p:anim>
+                                  </p:childTnLst>
+                                </p:cTn>
+                              </p:par>
+                            </p:childTnLst>
+                          </p:cTn>
+                        </p:par>
+                      </p:childTnLst>
+                    </p:cTn>
+                  </p:par>
+                  <p:par>
+                    <p:cTn id="9" fill="hold">
+                      <p:stCondLst>
+                        <p:cond delay="indefinite"/>
+                      </p:stCondLst>
+                      <p:childTnLst>
+                        <p:par>
+                          <p:cTn id="10" fill="hold">
+                            <p:stCondLst>
+                              <p:cond delay="0"/>
+                            </p:stCondLst>
+                            <p:childTnLst>
+                              <p:par>
+                                <p:cTn id="11" presetID="2" presetClass="entr" presetSubtype="4" fill="hold" grpId="0" nodeType="clickEffect">
+                                  <p:stCondLst>
+                                    <p:cond delay="0"/>
+                                  </p:stCondLst>
+                                  <p:childTnLst>
+                                    <p:set>
+                                      <p:cBhvr>
+                                        <p:cTn id="12" dur="1" fill="hold">
+                                          <p:stCondLst>
+                                            <p:cond delay="0"/>
+                                          </p:stCondLst>
+                                        </p:cTn>
+                                        <p:tgtEl>
+                                          <p:spTgt spid="11"/>
+                                        </p:tgtEl>
+                                        <p:attrNameLst>
+                                          <p:attrName>style.visibility</p:attrName>
+                                        </p:attrNameLst>
+                                      </p:cBhvr>
+                                      <p:to>
+                                        <p:strVal val="visible"/>
+                                      </p:to>
+                                    </p:set>
+                                    <p:anim calcmode="lin" valueType="num">
+                                      <p:cBhvr additive="base">
+                                        <p:cTn id="13" dur="500" fill="hold"/>
+                                        <p:tgtEl>
+                                          <p:spTgt spid="11"/>
+                                        </p:tgtEl>
+                                        <p:attrNameLst>
+                                          <p:attrName>ppt_x</p:attrName>
+                                        </p:attrNameLst>
+                                      </p:cBhvr>
+                                      <p:tavLst>
+                                        <p:tav tm="0">
+                                          <p:val>
+                                            <p:strVal val="#ppt_x"/>
+                                          </p:val>
+                                        </p:tav>
+                                        <p:tav tm="100000">
+                                          <p:val>
+                                            <p:strVal val="#ppt_x"/>
+                                          </p:val>
+                                        </p:tav>
+                                      </p:tavLst>
+                                    </p:anim>
+                                    <p:anim calcmode="lin" valueType="num">
+                                      <p:cBhvr additive="base">
+                                        <p:cTn id="14" dur="500" fill="hold"/>
+                                        <p:tgtEl>
+                                          <p:spTgt spid="11"/>
+                                        </p:tgtEl>
+                                        <p:attrNameLst>
+                                          <p:attrName>ppt_y</p:attrName>
+                                        </p:attrNameLst>
+                                      </p:cBhvr>
+                                      <p:tavLst>
+                                        <p:tav tm="0">
+                                          <p:val>
+                                            <p:strVal val="1+#ppt_h/2"/>
+                                          </p:val>
+                                        </p:tav>
+                                        <p:tav tm="100000">
+                                          <p:val>
+                                            <p:strVal val="#ppt_y"/>
+                                          </p:val>
+                                        </p:tav>
+                                      </p:tavLst>
+                                    </p:anim>
+                                  </p:childTnLst>
+                                </p:cTn>
+                              </p:par>
+                              <p:par>
+                                <p:cTn id="15" presetID="2" presetClass="entr" presetSubtype="4" fill="hold" grpId="0" nodeType="withEffect">
+                                  <p:stCondLst>
+                                    <p:cond delay="0"/>
+                                  </p:stCondLst>
+                                  <p:childTnLst>
+                                    <p:set>
+                                      <p:cBhvr>
+                                        <p:cTn id="16" dur="1" fill="hold">
+                                          <p:stCondLst>
+                                            <p:cond delay="0"/>
+                                          </p:stCondLst>
+                                        </p:cTn>
+                                        <p:tgtEl>
+                                          <p:spTgt spid="13"/>
+                                        </p:tgtEl>
+                                        <p:attrNameLst>
+                                          <p:attrName>style.visibility</p:attrName>
+                                        </p:attrNameLst>
+                                      </p:cBhvr>
+                                      <p:to>
+                                        <p:strVal val="visible"/>
+                                      </p:to>
+                                    </p:set>
+                                    <p:anim calcmode="lin" valueType="num">
+                                      <p:cBhvr additive="base">
+                                        <p:cTn id="17" dur="500" fill="hold"/>
+                                        <p:tgtEl>
+                                          <p:spTgt spid="13"/>
+                                        </p:tgtEl>
+                                        <p:attrNameLst>
+                                          <p:attrName>ppt_x</p:attrName>
+                                        </p:attrNameLst>
+                                      </p:cBhvr>
+                                      <p:tavLst>
+                                        <p:tav tm="0">
+                                          <p:val>
+                                            <p:strVal val="#ppt_x"/>
+                                          </p:val>
+                                        </p:tav>
+                                        <p:tav tm="100000">
+                                          <p:val>
+                                            <p:strVal val="#ppt_x"/>
+                                          </p:val>
+                                        </p:tav>
+                                      </p:tavLst>
+                                    </p:anim>
+                                    <p:anim calcmode="lin" valueType="num">
+                                      <p:cBhvr additive="base">
+                                        <p:cTn id="18" dur="500" fill="hold"/>
+                                        <p:tgtEl>
+                                          <p:spTgt spid="13"/>
+                                        </p:tgtEl>
+                                        <p:attrNameLst>
+                                          <p:attrName>ppt_y</p:attrName>
+                                        </p:attrNameLst>
+                                      </p:cBhvr>
+                                      <p:tavLst>
+                                        <p:tav tm="0">
+                                          <p:val>
+                                            <p:strVal val="1+#ppt_h/2"/>
+                                          </p:val>
+                                        </p:tav>
+                                        <p:tav tm="100000">
+                                          <p:val>
+                                            <p:strVal val="#ppt_y"/>
+                                          </p:val>
+                                        </p:tav>
+                                      </p:tavLst>
+                                    </p:anim>
+                                  </p:childTnLst>
+                                </p:cTn>
+                              </p:par>
+                              <p:par>
+                                <p:cTn id="19" presetID="2" presetClass="entr" presetSubtype="4" fill="hold" grpId="0" nodeType="withEffect">
+                                  <p:stCondLst>
+                                    <p:cond delay="0"/>
+                                  </p:stCondLst>
+                                  <p:childTnLst>
+                                    <p:set>
+                                      <p:cBhvr>
+                                        <p:cTn id="20" dur="1" fill="hold">
+                                          <p:stCondLst>
+                                            <p:cond delay="0"/>
+                                          </p:stCondLst>
+                                        </p:cTn>
+                                        <p:tgtEl>
+                                          <p:spTgt spid="16"/>
+                                        </p:tgtEl>
+                                        <p:attrNameLst>
+                                          <p:attrName>style.visibility</p:attrName>
+                                        </p:attrNameLst>
+                                      </p:cBhvr>
+                                      <p:to>
+                                        <p:strVal val="visible"/>
+                                      </p:to>
+                                    </p:set>
+                                    <p:anim calcmode="lin" valueType="num">
+                                      <p:cBhvr additive="base">
+                                        <p:cTn id="21" dur="500" fill="hold"/>
+                                        <p:tgtEl>
+                                          <p:spTgt spid="16"/>
+                                        </p:tgtEl>
+                                        <p:attrNameLst>
+                                          <p:attrName>ppt_x</p:attrName>
+                                        </p:attrNameLst>
+                                      </p:cBhvr>
+                                      <p:tavLst>
+                                        <p:tav tm="0">
+                                          <p:val>
+                                            <p:strVal val="#ppt_x"/>
+                                          </p:val>
+                                        </p:tav>
+                                        <p:tav tm="100000">
+                                          <p:val>
+                                            <p:strVal val="#ppt_x"/>
+                                          </p:val>
+                                        </p:tav>
+                                      </p:tavLst>
+                                    </p:anim>
+                                    <p:anim calcmode="lin" valueType="num">
+                                      <p:cBhvr additive="base">
+                                        <p:cTn id="22" dur="500" fill="hold"/>
+                                        <p:tgtEl>
+                                          <p:spTgt spid="16"/>
+                                        </p:tgtEl>
+                                        <p:attrNameLst>
+                                          <p:attrName>ppt_y</p:attrName>
+                                        </p:attrNameLst>
+                                      </p:cBhvr>
+                                      <p:tavLst>
+                                        <p:tav tm="0">
+                                          <p:val>
+                                            <p:strVal val="1+#ppt_h/2"/>
+                                          </p:val>
+                                        </p:tav>
+                                        <p:tav tm="100000">
+                                          <p:val>
+                                            <p:strVal val="#ppt_y"/>
+                                          </p:val>
+                                        </p:tav>
+                                      </p:tavLst>
+                                    </p:anim>
+                                  </p:childTnLst>
+                                </p:cTn>
+                              </p:par>
+                            </p:childTnLst>
+                          </p:cTn>
+                        </p:par>
+                      </p:childTnLst>
+                    </p:cTn>
+                  </p:par>
+                  <p:par>
+                    <p:cTn id="23" fill="hold">
+                      <p:stCondLst>
+                        <p:cond delay="indefinite"/>
+                      </p:stCondLst>
+                      <p:childTnLst>
+                        <p:par>
+                          <p:cTn id="24" fill="hold">
+                            <p:stCondLst>
+                              <p:cond delay="0"/>
+                            </p:stCondLst>
+                            <p:childTnLst>
+                              <p:par>
+                                <p:cTn id="25" presetID="2" presetClass="entr" presetSubtype="4" fill="hold" grpId="0" nodeType="clickEffect">
+                                  <p:stCondLst>
+                                    <p:cond delay="0"/>
+                                  </p:stCondLst>
+                                  <p:childTnLst>
+                                    <p:set>
+                                      <p:cBhvr>
+                                        <p:cTn id="26" dur="1" fill="hold">
+                                          <p:stCondLst>
+                                            <p:cond delay="0"/>
+                                          </p:stCondLst>
+                                        </p:cTn>
+                                        <p:tgtEl>
+                                          <p:spTgt spid="17"/>
+                                        </p:tgtEl>
+                                        <p:attrNameLst>
+                                          <p:attrName>style.visibility</p:attrName>
+                                        </p:attrNameLst>
+                                      </p:cBhvr>
+                                      <p:to>
+                                        <p:strVal val="visible"/>
+                                      </p:to>
+                                    </p:set>
+                                    <p:anim calcmode="lin" valueType="num">
+                                      <p:cBhvr additive="base">
+                                        <p:cTn id="27" dur="500" fill="hold"/>
+                                        <p:tgtEl>
+                                          <p:spTgt spid="17"/>
+                                        </p:tgtEl>
+                                        <p:attrNameLst>
+                                          <p:attrName>ppt_x</p:attrName>
+                                        </p:attrNameLst>
+                                      </p:cBhvr>
+                                      <p:tavLst>
+                                        <p:tav tm="0">
+                                          <p:val>
+                                            <p:strVal val="#ppt_x"/>
+                                          </p:val>
+                                        </p:tav>
+                                        <p:tav tm="100000">
+                                          <p:val>
+                                            <p:strVal val="#ppt_x"/>
+                                          </p:val>
+                                        </p:tav>
+                                      </p:tavLst>
+                                    </p:anim>
+                                    <p:anim calcmode="lin" valueType="num">
+                                      <p:cBhvr additive="base">
+                                        <p:cTn id="28" dur="500" fill="hold"/>
+                                        <p:tgtEl>
+                                          <p:spTgt spid="17"/>
+                                        </p:tgtEl>
+                                        <p:attrNameLst>
+                                          <p:attrName>ppt_y</p:attrName>
+                                        </p:attrNameLst>
+                                      </p:cBhvr>
+                                      <p:tavLst>
+                                        <p:tav tm="0">
+                                          <p:val>
+                                            <p:strVal val="1+#ppt_h/2"/>
+                                          </p:val>
+                                        </p:tav>
+                                        <p:tav tm="100000">
+                                          <p:val>
+                                            <p:strVal val="#ppt_y"/>
+                                          </p:val>
+                                        </p:tav>
+                                      </p:tavLst>
+                                    </p:anim>
+                                  </p:childTnLst>
+                                </p:cTn>
+                              </p:par>
+                            </p:childTnLst>
+                          </p:cTn>
+                        </p:par>
+                      </p:childTnLst>
+                    </p:cTn>
+                  </p:par>
+                  <p:par>
+                    <p:cTn id="29" fill="hold">
+                      <p:stCondLst>
+                        <p:cond delay="indefinite"/>
+                      </p:stCondLst>
+                      <p:childTnLst>
+                        <p:par>
+                          <p:cTn id="30" fill="hold">
+                            <p:stCondLst>
+                              <p:cond delay="0"/>
+                            </p:stCondLst>
+                            <p:childTnLst>
+                              <p:par>
+                                <p:cTn id="31" presetID="2" presetClass="exit" presetSubtype="1" fill="hold" grpId="1" nodeType="clickEffect">
+                                  <p:stCondLst>
+                                    <p:cond delay="0"/>
+                                  </p:stCondLst>
+                                  <p:childTnLst>
+                                    <p:anim calcmode="lin" valueType="num">
+                                      <p:cBhvr additive="base">
+                                        <p:cTn id="32" dur="500"/>
+                                        <p:tgtEl>
+                                          <p:spTgt spid="16"/>
+                                        </p:tgtEl>
+                                        <p:attrNameLst>
+                                          <p:attrName>ppt_x</p:attrName>
+                                        </p:attrNameLst>
+                                      </p:cBhvr>
+                                      <p:tavLst>
+                                        <p:tav tm="0">
+                                          <p:val>
+                                            <p:strVal val="ppt_x"/>
+                                          </p:val>
+                                        </p:tav>
+                                        <p:tav tm="100000">
+                                          <p:val>
+                                            <p:strVal val="ppt_x"/>
+                                          </p:val>
+                                        </p:tav>
+                                      </p:tavLst>
+                                    </p:anim>
+                                    <p:anim calcmode="lin" valueType="num">
+                                      <p:cBhvr additive="base">
+                                        <p:cTn id="33" dur="500"/>
+                                        <p:tgtEl>
+                                          <p:spTgt spid="16"/>
+                                        </p:tgtEl>
+                                        <p:attrNameLst>
+                                          <p:attrName>ppt_y</p:attrName>
+                                        </p:attrNameLst>
+                                      </p:cBhvr>
+                                      <p:tavLst>
+                                        <p:tav tm="0">
+                                          <p:val>
+                                            <p:strVal val="ppt_y"/>
+                                          </p:val>
+                                        </p:tav>
+                                        <p:tav tm="100000">
+                                          <p:val>
+                                            <p:strVal val="0-ppt_h/2"/>
+                                          </p:val>
+                                        </p:tav>
+                                      </p:tavLst>
+                                    </p:anim>
+                                    <p:set>
+                                      <p:cBhvr>
+                                        <p:cTn id="34" dur="1" fill="hold">
+                                          <p:stCondLst>
+                                            <p:cond delay="499"/>
+                                          </p:stCondLst>
+                                        </p:cTn>
+                                        <p:tgtEl>
+                                          <p:spTgt spid="16"/>
+                                        </p:tgtEl>
+                                        <p:attrNameLst>
+                                          <p:attrName>style.visibility</p:attrName>
+                                        </p:attrNameLst>
+                                      </p:cBhvr>
+                                      <p:to>
+                                        <p:strVal val="hidden"/>
+                                      </p:to>
+                                    </p:set>
+                                  </p:childTnLst>
+                                </p:cTn>
+                              </p:par>
+                              <p:par>
+                                <p:cTn id="35" presetID="2" presetClass="exit" presetSubtype="1" fill="hold" grpId="1" nodeType="withEffect">
+                                  <p:stCondLst>
+                                    <p:cond delay="0"/>
+                                  </p:stCondLst>
+                                  <p:childTnLst>
+                                    <p:anim calcmode="lin" valueType="num">
+                                      <p:cBhvr additive="base">
+                                        <p:cTn id="36" dur="500"/>
+                                        <p:tgtEl>
+                                          <p:spTgt spid="17"/>
+                                        </p:tgtEl>
+                                        <p:attrNameLst>
+                                          <p:attrName>ppt_x</p:attrName>
+                                        </p:attrNameLst>
+                                      </p:cBhvr>
+                                      <p:tavLst>
+                                        <p:tav tm="0">
+                                          <p:val>
+                                            <p:strVal val="ppt_x"/>
+                                          </p:val>
+                                        </p:tav>
+                                        <p:tav tm="100000">
+                                          <p:val>
+                                            <p:strVal val="ppt_x"/>
+                                          </p:val>
+                                        </p:tav>
+                                      </p:tavLst>
+                                    </p:anim>
+                                    <p:anim calcmode="lin" valueType="num">
+                                      <p:cBhvr additive="base">
+                                        <p:cTn id="37" dur="500"/>
+                                        <p:tgtEl>
+                                          <p:spTgt spid="17"/>
+                                        </p:tgtEl>
+                                        <p:attrNameLst>
+                                          <p:attrName>ppt_y</p:attrName>
+                                        </p:attrNameLst>
+                                      </p:cBhvr>
+                                      <p:tavLst>
+                                        <p:tav tm="0">
+                                          <p:val>
+                                            <p:strVal val="ppt_y"/>
+                                          </p:val>
+                                        </p:tav>
+                                        <p:tav tm="100000">
+                                          <p:val>
+                                            <p:strVal val="0-ppt_h/2"/>
+                                          </p:val>
+                                        </p:tav>
+                                      </p:tavLst>
+                                    </p:anim>
+                                    <p:set>
+                                      <p:cBhvr>
+                                        <p:cTn id="38" dur="1" fill="hold">
+                                          <p:stCondLst>
+                                            <p:cond delay="499"/>
+                                          </p:stCondLst>
+                                        </p:cTn>
+                                        <p:tgtEl>
+                                          <p:spTgt spid="17"/>
+                                        </p:tgtEl>
+                                        <p:attrNameLst>
+                                          <p:attrName>style.visibility</p:attrName>
+                                        </p:attrNameLst>
+                                      </p:cBhvr>
+                                      <p:to>
+                                        <p:strVal val="hidden"/>
+                                      </p:to>
+                                    </p:set>
+                                  </p:childTnLst>
+                                </p:cTn>
+                              </p:par>
+                            </p:childTnLst>
+                          </p:cTn>
+                        </p:par>
+                      </p:childTnLst>
+                    </p:cTn>
+                  </p:par>
+                  <p:par>
+                    <p:cTn id="39" fill="hold">
+                      <p:stCondLst>
+                        <p:cond delay="indefinite"/>
+                      </p:stCondLst>
+                      <p:childTnLst>
+                        <p:par>
+                          <p:cTn id="40" fill="hold">
+                            <p:stCondLst>
+                              <p:cond delay="0"/>
+                            </p:stCondLst>
+                            <p:childTnLst>
+                              <p:par>
+                                <p:cTn id="41" presetID="2" presetClass="entr" presetSubtype="4" fill="hold" grpId="0" nodeType="clickEffect">
+                                  <p:stCondLst>
+                                    <p:cond delay="0"/>
+                                  </p:stCondLst>
+                                  <p:childTnLst>
+                                    <p:set>
+                                      <p:cBhvr>
+                                        <p:cTn id="42" dur="1" fill="hold">
+                                          <p:stCondLst>
+                                            <p:cond delay="0"/>
+                                          </p:stCondLst>
+                                        </p:cTn>
+                                        <p:tgtEl>
+                                          <p:spTgt spid="23"/>
+                                        </p:tgtEl>
+                                        <p:attrNameLst>
+                                          <p:attrName>style.visibility</p:attrName>
+                                        </p:attrNameLst>
+                                      </p:cBhvr>
+                                      <p:to>
+                                        <p:strVal val="visible"/>
+                                      </p:to>
+                                    </p:set>
+                                    <p:anim calcmode="lin" valueType="num">
+                                      <p:cBhvr additive="base">
+                                        <p:cTn id="43" dur="500" fill="hold"/>
+                                        <p:tgtEl>
+                                          <p:spTgt spid="23"/>
+                                        </p:tgtEl>
+                                        <p:attrNameLst>
+                                          <p:attrName>ppt_x</p:attrName>
+                                        </p:attrNameLst>
+                                      </p:cBhvr>
+                                      <p:tavLst>
+                                        <p:tav tm="0">
+                                          <p:val>
+                                            <p:strVal val="#ppt_x"/>
+                                          </p:val>
+                                        </p:tav>
+                                        <p:tav tm="100000">
+                                          <p:val>
+                                            <p:strVal val="#ppt_x"/>
+                                          </p:val>
+                                        </p:tav>
+                                      </p:tavLst>
+                                    </p:anim>
+                                    <p:anim calcmode="lin" valueType="num">
+                                      <p:cBhvr additive="base">
+                                        <p:cTn id="44" dur="500" fill="hold"/>
+                                        <p:tgtEl>
+                                          <p:spTgt spid="23"/>
+                                        </p:tgtEl>
+                                        <p:attrNameLst>
+                                          <p:attrName>ppt_y</p:attrName>
+                                        </p:attrNameLst>
+                                      </p:cBhvr>
+                                      <p:tavLst>
+                                        <p:tav tm="0">
+                                          <p:val>
+                                            <p:strVal val="1+#ppt_h/2"/>
+                                          </p:val>
+                                        </p:tav>
+                                        <p:tav tm="100000">
+                                          <p:val>
+                                            <p:strVal val="#ppt_y"/>
+                                          </p:val>
+                                        </p:tav>
+                                      </p:tavLst>
+                                    </p:anim>
+                                  </p:childTnLst>
+                                </p:cTn>
+                              </p:par>
+                              <p:par>
+                                <p:cTn id="45" presetID="2" presetClass="entr" presetSubtype="4" fill="hold" grpId="0" nodeType="withEffect">
+                                  <p:stCondLst>
+                                    <p:cond delay="0"/>
+                                  </p:stCondLst>
+                                  <p:childTnLst>
+                                    <p:set>
+                                      <p:cBhvr>
+                                        <p:cTn id="46" dur="1" fill="hold">
+                                          <p:stCondLst>
+                                            <p:cond delay="0"/>
+                                          </p:stCondLst>
+                                        </p:cTn>
+                                        <p:tgtEl>
+                                          <p:spTgt spid="10"/>
+                                        </p:tgtEl>
+                                        <p:attrNameLst>
+                                          <p:attrName>style.visibility</p:attrName>
+                                        </p:attrNameLst>
+                                      </p:cBhvr>
+                                      <p:to>
+                                        <p:strVal val="visible"/>
+                                      </p:to>
+                                    </p:set>
+                                    <p:anim calcmode="lin" valueType="num">
+                                      <p:cBhvr additive="base">
+                                        <p:cTn id="47" dur="500" fill="hold"/>
+                                        <p:tgtEl>
+                                          <p:spTgt spid="10"/>
+                                        </p:tgtEl>
+                                        <p:attrNameLst>
+                                          <p:attrName>ppt_x</p:attrName>
+                                        </p:attrNameLst>
+                                      </p:cBhvr>
+                                      <p:tavLst>
+                                        <p:tav tm="0">
+                                          <p:val>
+                                            <p:strVal val="#ppt_x"/>
+                                          </p:val>
+                                        </p:tav>
+                                        <p:tav tm="100000">
+                                          <p:val>
+                                            <p:strVal val="#ppt_x"/>
+                                          </p:val>
+                                        </p:tav>
+                                      </p:tavLst>
+                                    </p:anim>
+                                    <p:anim calcmode="lin" valueType="num">
+                                      <p:cBhvr additive="base">
+                                        <p:cTn id="48" dur="500" fill="hold"/>
+                                        <p:tgtEl>
+                                          <p:spTgt spid="10"/>
+                                        </p:tgtEl>
+                                        <p:attrNameLst>
+                                          <p:attrName>ppt_y</p:attrName>
+                                        </p:attrNameLst>
+                                      </p:cBhvr>
+                                      <p:tavLst>
+                                        <p:tav tm="0">
+                                          <p:val>
+                                            <p:strVal val="1+#ppt_h/2"/>
+                                          </p:val>
+                                        </p:tav>
+                                        <p:tav tm="100000">
+                                          <p:val>
+                                            <p:strVal val="#ppt_y"/>
+                                          </p:val>
+                                        </p:tav>
+                                      </p:tavLst>
+                                    </p:anim>
+                                  </p:childTnLst>
+                                </p:cTn>
+                              </p:par>
+                              <p:par>
+                                <p:cTn id="49" presetID="2" presetClass="entr" presetSubtype="4" fill="hold" grpId="0" nodeType="withEffect">
+                                  <p:stCondLst>
+                                    <p:cond delay="0"/>
+                                  </p:stCondLst>
+                                  <p:childTnLst>
+                                    <p:set>
+                                      <p:cBhvr>
+                                        <p:cTn id="50" dur="1" fill="hold">
+                                          <p:stCondLst>
+                                            <p:cond delay="0"/>
+                                          </p:stCondLst>
+                                        </p:cTn>
+                                        <p:tgtEl>
+                                          <p:spTgt spid="15"/>
+                                        </p:tgtEl>
+                                        <p:attrNameLst>
+                                          <p:attrName>style.visibility</p:attrName>
+                                        </p:attrNameLst>
+                                      </p:cBhvr>
+                                      <p:to>
+                                        <p:strVal val="visible"/>
+                                      </p:to>
+                                    </p:set>
+                                    <p:anim calcmode="lin" valueType="num">
+                                      <p:cBhvr additive="base">
+                                        <p:cTn id="51" dur="500" fill="hold"/>
+                                        <p:tgtEl>
+                                          <p:spTgt spid="15"/>
+                                        </p:tgtEl>
+                                        <p:attrNameLst>
+                                          <p:attrName>ppt_x</p:attrName>
+                                        </p:attrNameLst>
+                                      </p:cBhvr>
+                                      <p:tavLst>
+                                        <p:tav tm="0">
+                                          <p:val>
+                                            <p:strVal val="#ppt_x"/>
+                                          </p:val>
+                                        </p:tav>
+                                        <p:tav tm="100000">
+                                          <p:val>
+                                            <p:strVal val="#ppt_x"/>
+                                          </p:val>
+                                        </p:tav>
+                                      </p:tavLst>
+                                    </p:anim>
+                                    <p:anim calcmode="lin" valueType="num">
+                                      <p:cBhvr additive="base">
+                                        <p:cTn id="52" dur="500" fill="hold"/>
+                                        <p:tgtEl>
+                                          <p:spTgt spid="15"/>
+                                        </p:tgtEl>
+                                        <p:attrNameLst>
+                                          <p:attrName>ppt_y</p:attrName>
+                                        </p:attrNameLst>
+                                      </p:cBhvr>
+                                      <p:tavLst>
+                                        <p:tav tm="0">
+                                          <p:val>
+                                            <p:strVal val="1+#ppt_h/2"/>
+                                          </p:val>
+                                        </p:tav>
+                                        <p:tav tm="100000">
+                                          <p:val>
+                                            <p:strVal val="#ppt_y"/>
+                                          </p:val>
+                                        </p:tav>
+                                      </p:tavLst>
+                                    </p:anim>
+                                  </p:childTnLst>
+                                </p:cTn>
+                              </p:par>
+                            </p:childTnLst>
+                          </p:cTn>
+                        </p:par>
+                      </p:childTnLst>
+                    </p:cTn>
+                  </p:par>
+                  <p:par>
+                    <p:cTn id="53" fill="hold">
+                      <p:stCondLst>
+                        <p:cond delay="indefinite"/>
+                      </p:stCondLst>
+                      <p:childTnLst>
+                        <p:par>
+                          <p:cTn id="54" fill="hold">
+                            <p:stCondLst>
+                              <p:cond delay="0"/>
+                            </p:stCondLst>
+                            <p:childTnLst>
+                              <p:par>
+                                <p:cTn id="55" presetID="2" presetClass="entr" presetSubtype="4" fill="hold" grpId="3" nodeType="clickEffect">
+                                  <p:stCondLst>
+                                    <p:cond delay="0"/>
+                                  </p:stCondLst>
+                                  <p:childTnLst>
+                                    <p:set>
+                                      <p:cBhvr>
+                                        <p:cTn id="56" dur="1" fill="hold">
+                                          <p:stCondLst>
+                                            <p:cond delay="0"/>
+                                          </p:stCondLst>
+                                        </p:cTn>
+                                        <p:tgtEl>
+                                          <p:spTgt spid="17"/>
+                                        </p:tgtEl>
+                                        <p:attrNameLst>
+                                          <p:attrName>style.visibility</p:attrName>
+                                        </p:attrNameLst>
+                                      </p:cBhvr>
+                                      <p:to>
+                                        <p:strVal val="visible"/>
+                                      </p:to>
+                                    </p:set>
+                                    <p:anim calcmode="lin" valueType="num">
+                                      <p:cBhvr additive="base">
+                                        <p:cTn id="57" dur="500" fill="hold"/>
+                                        <p:tgtEl>
+                                          <p:spTgt spid="17"/>
+                                        </p:tgtEl>
+                                        <p:attrNameLst>
+                                          <p:attrName>ppt_x</p:attrName>
+                                        </p:attrNameLst>
+                                      </p:cBhvr>
+                                      <p:tavLst>
+                                        <p:tav tm="0">
+                                          <p:val>
+                                            <p:strVal val="#ppt_x"/>
+                                          </p:val>
+                                        </p:tav>
+                                        <p:tav tm="100000">
+                                          <p:val>
+                                            <p:strVal val="#ppt_x"/>
+                                          </p:val>
+                                        </p:tav>
+                                      </p:tavLst>
+                                    </p:anim>
+                                    <p:anim calcmode="lin" valueType="num">
+                                      <p:cBhvr additive="base">
+                                        <p:cTn id="58" dur="500" fill="hold"/>
+                                        <p:tgtEl>
+                                          <p:spTgt spid="17"/>
+                                        </p:tgtEl>
+                                        <p:attrNameLst>
+                                          <p:attrName>ppt_y</p:attrName>
+                                        </p:attrNameLst>
+                                      </p:cBhvr>
+                                      <p:tavLst>
+                                        <p:tav tm="0">
+                                          <p:val>
+                                            <p:strVal val="1+#ppt_h/2"/>
+                                          </p:val>
+                                        </p:tav>
+                                        <p:tav tm="100000">
+                                          <p:val>
+                                            <p:strVal val="#ppt_y"/>
+                                          </p:val>
+                                        </p:tav>
+                                      </p:tavLst>
+                                    </p:anim>
+                                  </p:childTnLst>
+                                </p:cTn>
+                              </p:par>
+                            </p:childTnLst>
+                          </p:cTn>
+                        </p:par>
+                      </p:childTnLst>
+                    </p:cTn>
+                  </p:par>
+                  <p:par>
+                    <p:cTn id="59" fill="hold">
+                      <p:stCondLst>
+                        <p:cond delay="indefinite"/>
+                      </p:stCondLst>
+                      <p:childTnLst>
+                        <p:par>
+                          <p:cTn id="60" fill="hold">
+                            <p:stCondLst>
+                              <p:cond delay="0"/>
+                            </p:stCondLst>
+                            <p:childTnLst>
+                              <p:par>
+                                <p:cTn id="61" presetID="2" presetClass="exit" presetSubtype="1" fill="hold" grpId="2" nodeType="clickEffect">
+                                  <p:stCondLst>
+                                    <p:cond delay="0"/>
+                                  </p:stCondLst>
+                                  <p:childTnLst>
+                                    <p:anim calcmode="lin" valueType="num">
+                                      <p:cBhvr additive="base">
+                                        <p:cTn id="62" dur="500"/>
+                                        <p:tgtEl>
+                                          <p:spTgt spid="17"/>
+                                        </p:tgtEl>
+                                        <p:attrNameLst>
+                                          <p:attrName>ppt_x</p:attrName>
+                                        </p:attrNameLst>
+                                      </p:cBhvr>
+                                      <p:tavLst>
+                                        <p:tav tm="0">
+                                          <p:val>
+                                            <p:strVal val="ppt_x"/>
+                                          </p:val>
+                                        </p:tav>
+                                        <p:tav tm="100000">
+                                          <p:val>
+                                            <p:strVal val="ppt_x"/>
+                                          </p:val>
+                                        </p:tav>
+                                      </p:tavLst>
+                                    </p:anim>
+                                    <p:anim calcmode="lin" valueType="num">
+                                      <p:cBhvr additive="base">
+                                        <p:cTn id="63" dur="500"/>
+                                        <p:tgtEl>
+                                          <p:spTgt spid="17"/>
+                                        </p:tgtEl>
+                                        <p:attrNameLst>
+                                          <p:attrName>ppt_y</p:attrName>
+                                        </p:attrNameLst>
+                                      </p:cBhvr>
+                                      <p:tavLst>
+                                        <p:tav tm="0">
+                                          <p:val>
+                                            <p:strVal val="ppt_y"/>
+                                          </p:val>
+                                        </p:tav>
+                                        <p:tav tm="100000">
+                                          <p:val>
+                                            <p:strVal val="0-ppt_h/2"/>
+                                          </p:val>
+                                        </p:tav>
+                                      </p:tavLst>
+                                    </p:anim>
+                                    <p:set>
+                                      <p:cBhvr>
+                                        <p:cTn id="64" dur="1" fill="hold">
+                                          <p:stCondLst>
+                                            <p:cond delay="499"/>
+                                          </p:stCondLst>
+                                        </p:cTn>
+                                        <p:tgtEl>
+                                          <p:spTgt spid="17"/>
+                                        </p:tgtEl>
+                                        <p:attrNameLst>
+                                          <p:attrName>style.visibility</p:attrName>
+                                        </p:attrNameLst>
+                                      </p:cBhvr>
+                                      <p:to>
+                                        <p:strVal val="hidden"/>
+                                      </p:to>
+                                    </p:set>
+                                  </p:childTnLst>
+                                </p:cTn>
+                              </p:par>
+                              <p:par>
+                                <p:cTn id="65" presetID="2" presetClass="exit" presetSubtype="1" fill="hold" grpId="1" nodeType="withEffect">
+                                  <p:stCondLst>
+                                    <p:cond delay="0"/>
+                                  </p:stCondLst>
+                                  <p:childTnLst>
+                                    <p:anim calcmode="lin" valueType="num">
+                                      <p:cBhvr additive="base">
+                                        <p:cTn id="66" dur="500"/>
+                                        <p:tgtEl>
+                                          <p:spTgt spid="23"/>
+                                        </p:tgtEl>
+                                        <p:attrNameLst>
+                                          <p:attrName>ppt_x</p:attrName>
+                                        </p:attrNameLst>
+                                      </p:cBhvr>
+                                      <p:tavLst>
+                                        <p:tav tm="0">
+                                          <p:val>
+                                            <p:strVal val="ppt_x"/>
+                                          </p:val>
+                                        </p:tav>
+                                        <p:tav tm="100000">
+                                          <p:val>
+                                            <p:strVal val="ppt_x"/>
+                                          </p:val>
+                                        </p:tav>
+                                      </p:tavLst>
+                                    </p:anim>
+                                    <p:anim calcmode="lin" valueType="num">
+                                      <p:cBhvr additive="base">
+                                        <p:cTn id="67" dur="500"/>
+                                        <p:tgtEl>
+                                          <p:spTgt spid="23"/>
+                                        </p:tgtEl>
+                                        <p:attrNameLst>
+                                          <p:attrName>ppt_y</p:attrName>
+                                        </p:attrNameLst>
+                                      </p:cBhvr>
+                                      <p:tavLst>
+                                        <p:tav tm="0">
+                                          <p:val>
+                                            <p:strVal val="ppt_y"/>
+                                          </p:val>
+                                        </p:tav>
+                                        <p:tav tm="100000">
+                                          <p:val>
+                                            <p:strVal val="0-ppt_h/2"/>
+                                          </p:val>
+                                        </p:tav>
+                                      </p:tavLst>
+                                    </p:anim>
+                                    <p:set>
+                                      <p:cBhvr>
+                                        <p:cTn id="68" dur="1" fill="hold">
+                                          <p:stCondLst>
+                                            <p:cond delay="499"/>
+                                          </p:stCondLst>
+                                        </p:cTn>
+                                        <p:tgtEl>
+                                          <p:spTgt spid="23"/>
+                                        </p:tgtEl>
+                                        <p:attrNameLst>
+                                          <p:attrName>style.visibility</p:attrName>
+                                        </p:attrNameLst>
+                                      </p:cBhvr>
+                                      <p:to>
+                                        <p:strVal val="hidden"/>
+                                      </p:to>
+                                    </p:set>
+                                  </p:childTnLst>
+                                </p:cTn>
+                              </p:par>
+                            </p:childTnLst>
+                          </p:cTn>
+                        </p:par>
+                      </p:childTnLst>
+                    </p:cTn>
+                  </p:par>
+                  <p:par>
+                    <p:cTn id="69" fill="hold">
+                      <p:stCondLst>
+                        <p:cond delay="indefinite"/>
+                      </p:stCondLst>
+                      <p:childTnLst>
+                        <p:par>
+                          <p:cTn id="70" fill="hold">
+                            <p:stCondLst>
+                              <p:cond delay="0"/>
+                            </p:stCondLst>
+                            <p:childTnLst>
+                              <p:par>
+                                <p:cTn id="71" presetID="2" presetClass="entr" presetSubtype="4" fill="hold" grpId="0" nodeType="clickEffect">
+                                  <p:stCondLst>
+                                    <p:cond delay="0"/>
+                                  </p:stCondLst>
+                                  <p:childTnLst>
+                                    <p:set>
+                                      <p:cBhvr>
+                                        <p:cTn id="72" dur="1" fill="hold">
+                                          <p:stCondLst>
+                                            <p:cond delay="0"/>
+                                          </p:stCondLst>
+                                        </p:cTn>
+                                        <p:tgtEl>
+                                          <p:spTgt spid="25"/>
+                                        </p:tgtEl>
+                                        <p:attrNameLst>
+                                          <p:attrName>style.visibility</p:attrName>
+                                        </p:attrNameLst>
+                                      </p:cBhvr>
+                                      <p:to>
+                                        <p:strVal val="visible"/>
+                                      </p:to>
+                                    </p:set>
+                                    <p:anim calcmode="lin" valueType="num">
+                                      <p:cBhvr additive="base">
+                                        <p:cTn id="73" dur="500" fill="hold"/>
+                                        <p:tgtEl>
+                                          <p:spTgt spid="25"/>
+                                        </p:tgtEl>
+                                        <p:attrNameLst>
+                                          <p:attrName>ppt_x</p:attrName>
+                                        </p:attrNameLst>
+                                      </p:cBhvr>
+                                      <p:tavLst>
+                                        <p:tav tm="0">
+                                          <p:val>
+                                            <p:strVal val="#ppt_x"/>
+                                          </p:val>
+                                        </p:tav>
+                                        <p:tav tm="100000">
+                                          <p:val>
+                                            <p:strVal val="#ppt_x"/>
+                                          </p:val>
+                                        </p:tav>
+                                      </p:tavLst>
+                                    </p:anim>
+                                    <p:anim calcmode="lin" valueType="num">
+                                      <p:cBhvr additive="base">
+                                        <p:cTn id="74" dur="500" fill="hold"/>
+                                        <p:tgtEl>
+                                          <p:spTgt spid="25"/>
+                                        </p:tgtEl>
+                                        <p:attrNameLst>
+                                          <p:attrName>ppt_y</p:attrName>
+                                        </p:attrNameLst>
+                                      </p:cBhvr>
+                                      <p:tavLst>
+                                        <p:tav tm="0">
+                                          <p:val>
+                                            <p:strVal val="1+#ppt_h/2"/>
+                                          </p:val>
+                                        </p:tav>
+                                        <p:tav tm="100000">
+                                          <p:val>
+                                            <p:strVal val="#ppt_y"/>
+                                          </p:val>
+                                        </p:tav>
+                                      </p:tavLst>
+                                    </p:anim>
+                                  </p:childTnLst>
+                                </p:cTn>
+                              </p:par>
+                              <p:par>
+                                <p:cTn id="75" presetID="2" presetClass="entr" presetSubtype="4" fill="hold" grpId="0" nodeType="withEffect">
+                                  <p:stCondLst>
+                                    <p:cond delay="0"/>
+                                  </p:stCondLst>
+                                  <p:childTnLst>
+                                    <p:set>
+                                      <p:cBhvr>
+                                        <p:cTn id="76" dur="1" fill="hold">
+                                          <p:stCondLst>
+                                            <p:cond delay="0"/>
+                                          </p:stCondLst>
+                                        </p:cTn>
+                                        <p:tgtEl>
+                                          <p:spTgt spid="12"/>
+                                        </p:tgtEl>
+                                        <p:attrNameLst>
+                                          <p:attrName>style.visibility</p:attrName>
+                                        </p:attrNameLst>
+                                      </p:cBhvr>
+                                      <p:to>
+                                        <p:strVal val="visible"/>
+                                      </p:to>
+                                    </p:set>
+                                    <p:anim calcmode="lin" valueType="num">
+                                      <p:cBhvr additive="base">
+                                        <p:cTn id="77" dur="500" fill="hold"/>
+                                        <p:tgtEl>
+                                          <p:spTgt spid="12"/>
+                                        </p:tgtEl>
+                                        <p:attrNameLst>
+                                          <p:attrName>ppt_x</p:attrName>
+                                        </p:attrNameLst>
+                                      </p:cBhvr>
+                                      <p:tavLst>
+                                        <p:tav tm="0">
+                                          <p:val>
+                                            <p:strVal val="#ppt_x"/>
+                                          </p:val>
+                                        </p:tav>
+                                        <p:tav tm="100000">
+                                          <p:val>
+                                            <p:strVal val="#ppt_x"/>
+                                          </p:val>
+                                        </p:tav>
+                                      </p:tavLst>
+                                    </p:anim>
+                                    <p:anim calcmode="lin" valueType="num">
+                                      <p:cBhvr additive="base">
+                                        <p:cTn id="78" dur="500" fill="hold"/>
+                                        <p:tgtEl>
+                                          <p:spTgt spid="12"/>
+                                        </p:tgtEl>
+                                        <p:attrNameLst>
+                                          <p:attrName>ppt_y</p:attrName>
+                                        </p:attrNameLst>
+                                      </p:cBhvr>
+                                      <p:tavLst>
+                                        <p:tav tm="0">
+                                          <p:val>
+                                            <p:strVal val="1+#ppt_h/2"/>
+                                          </p:val>
+                                        </p:tav>
+                                        <p:tav tm="100000">
+                                          <p:val>
+                                            <p:strVal val="#ppt_y"/>
+                                          </p:val>
+                                        </p:tav>
+                                      </p:tavLst>
+                                    </p:anim>
+                                  </p:childTnLst>
+                                </p:cTn>
+                              </p:par>
+                              <p:par>
+                                <p:cTn id="79" presetID="2" presetClass="entr" presetSubtype="4" fill="hold" grpId="0" nodeType="withEffect">
+                                  <p:stCondLst>
+                                    <p:cond delay="0"/>
+                                  </p:stCondLst>
+                                  <p:childTnLst>
+                                    <p:set>
+                                      <p:cBhvr>
+                                        <p:cTn id="80" dur="1" fill="hold">
+                                          <p:stCondLst>
+                                            <p:cond delay="0"/>
+                                          </p:stCondLst>
+                                        </p:cTn>
+                                        <p:tgtEl>
+                                          <p:spTgt spid="14"/>
+                                        </p:tgtEl>
+                                        <p:attrNameLst>
+                                          <p:attrName>style.visibility</p:attrName>
+                                        </p:attrNameLst>
+                                      </p:cBhvr>
+                                      <p:to>
+                                        <p:strVal val="visible"/>
+                                      </p:to>
+                                    </p:set>
+                                    <p:anim calcmode="lin" valueType="num">
+                                      <p:cBhvr additive="base">
+                                        <p:cTn id="81" dur="500" fill="hold"/>
+                                        <p:tgtEl>
+                                          <p:spTgt spid="14"/>
+                                        </p:tgtEl>
+                                        <p:attrNameLst>
+                                          <p:attrName>ppt_x</p:attrName>
+                                        </p:attrNameLst>
+                                      </p:cBhvr>
+                                      <p:tavLst>
+                                        <p:tav tm="0">
+                                          <p:val>
+                                            <p:strVal val="#ppt_x"/>
+                                          </p:val>
+                                        </p:tav>
+                                        <p:tav tm="100000">
+                                          <p:val>
+                                            <p:strVal val="#ppt_x"/>
+                                          </p:val>
+                                        </p:tav>
+                                      </p:tavLst>
+                                    </p:anim>
+                                    <p:anim calcmode="lin" valueType="num">
+                                      <p:cBhvr additive="base">
+                                        <p:cTn id="82" dur="500" fill="hold"/>
+                                        <p:tgtEl>
+                                          <p:spTgt spid="14"/>
+                                        </p:tgtEl>
+                                        <p:attrNameLst>
+                                          <p:attrName>ppt_y</p:attrName>
+                                        </p:attrNameLst>
+                                      </p:cBhvr>
+                                      <p:tavLst>
+                                        <p:tav tm="0">
+                                          <p:val>
+                                            <p:strVal val="1+#ppt_h/2"/>
+                                          </p:val>
+                                        </p:tav>
+                                        <p:tav tm="100000">
+                                          <p:val>
+                                            <p:strVal val="#ppt_y"/>
+                                          </p:val>
+                                        </p:tav>
+                                      </p:tavLst>
+                                    </p:anim>
+                                  </p:childTnLst>
+                                </p:cTn>
+                              </p:par>
+                            </p:childTnLst>
+                          </p:cTn>
+                        </p:par>
+                      </p:childTnLst>
+                    </p:cTn>
+                  </p:par>
+                  <p:par>
+                    <p:cTn id="83" fill="hold">
+                      <p:stCondLst>
+                        <p:cond delay="indefinite"/>
+                      </p:stCondLst>
+                      <p:childTnLst>
+                        <p:par>
+                          <p:cTn id="84" fill="hold">
+                            <p:stCondLst>
+                              <p:cond delay="0"/>
+                            </p:stCondLst>
+                            <p:childTnLst>
+                              <p:par>
+                                <p:cTn id="85" presetID="2" presetClass="entr" presetSubtype="4" fill="hold" grpId="0" nodeType="clickEffect">
+                                  <p:stCondLst>
+                                    <p:cond delay="0"/>
+                                  </p:stCondLst>
+                                  <p:childTnLst>
+                                    <p:set>
+                                      <p:cBhvr>
+                                        <p:cTn id="86" dur="1" fill="hold">
+                                          <p:stCondLst>
+                                            <p:cond delay="0"/>
+                                          </p:stCondLst>
+                                        </p:cTn>
+                                        <p:tgtEl>
+                                          <p:spTgt spid="27"/>
+                                        </p:tgtEl>
+                                        <p:attrNameLst>
+                                          <p:attrName>style.visibility</p:attrName>
+                                        </p:attrNameLst>
+                                      </p:cBhvr>
+                                      <p:to>
+                                        <p:strVal val="visible"/>
+                                      </p:to>
+                                    </p:set>
+                                    <p:anim calcmode="lin" valueType="num">
+                                      <p:cBhvr additive="base">
+                                        <p:cTn id="87" dur="500" fill="hold"/>
+                                        <p:tgtEl>
+                                          <p:spTgt spid="27"/>
+                                        </p:tgtEl>
+                                        <p:attrNameLst>
+                                          <p:attrName>ppt_x</p:attrName>
+                                        </p:attrNameLst>
+                                      </p:cBhvr>
+                                      <p:tavLst>
+                                        <p:tav tm="0">
+                                          <p:val>
+                                            <p:strVal val="#ppt_x"/>
+                                          </p:val>
+                                        </p:tav>
+                                        <p:tav tm="100000">
+                                          <p:val>
+                                            <p:strVal val="#ppt_x"/>
+                                          </p:val>
+                                        </p:tav>
+                                      </p:tavLst>
+                                    </p:anim>
+                                    <p:anim calcmode="lin" valueType="num">
+                                      <p:cBhvr additive="base">
+                                        <p:cTn id="88" dur="500" fill="hold"/>
+                                        <p:tgtEl>
+                                          <p:spTgt spid="27"/>
+                                        </p:tgtEl>
+                                        <p:attrNameLst>
+                                          <p:attrName>ppt_y</p:attrName>
+                                        </p:attrNameLst>
+                                      </p:cBhvr>
+                                      <p:tavLst>
+                                        <p:tav tm="0">
+                                          <p:val>
+                                            <p:strVal val="1+#ppt_h/2"/>
+                                          </p:val>
+                                        </p:tav>
+                                        <p:tav tm="100000">
+                                          <p:val>
+                                            <p:strVal val="#ppt_y"/>
+                                          </p:val>
+                                        </p:tav>
+                                      </p:tavLst>
+                                    </p:anim>
+                                  </p:childTnLst>
+                                </p:cTn>
+                              </p:par>
+                            </p:childTnLst>
+                          </p:cTn>
+                        </p:par>
+                      </p:childTnLst>
+                    </p:cTn>
+                  </p:par>
+                  <p:par>
+                    <p:cTn id="89" fill="hold">
+                      <p:stCondLst>
+                        <p:cond delay="indefinite"/>
+                      </p:stCondLst>
+                      <p:childTnLst>
+                        <p:par>
+                          <p:cTn id="90" fill="hold">
+                            <p:stCondLst>
+                              <p:cond delay="0"/>
+                            </p:stCondLst>
+                            <p:childTnLst>
+                              <p:par>
+                                <p:cTn id="91" presetID="2" presetClass="exit" presetSubtype="1" fill="hold" grpId="1" nodeType="clickEffect">
+                                  <p:stCondLst>
+                                    <p:cond delay="0"/>
+                                  </p:stCondLst>
+                                  <p:childTnLst>
+                                    <p:anim calcmode="lin" valueType="num">
+                                      <p:cBhvr additive="base">
+                                        <p:cTn id="92" dur="500"/>
+                                        <p:tgtEl>
+                                          <p:spTgt spid="25"/>
+                                        </p:tgtEl>
+                                        <p:attrNameLst>
+                                          <p:attrName>ppt_x</p:attrName>
+                                        </p:attrNameLst>
+                                      </p:cBhvr>
+                                      <p:tavLst>
+                                        <p:tav tm="0">
+                                          <p:val>
+                                            <p:strVal val="ppt_x"/>
+                                          </p:val>
+                                        </p:tav>
+                                        <p:tav tm="100000">
+                                          <p:val>
+                                            <p:strVal val="ppt_x"/>
+                                          </p:val>
+                                        </p:tav>
+                                      </p:tavLst>
+                                    </p:anim>
+                                    <p:anim calcmode="lin" valueType="num">
+                                      <p:cBhvr additive="base">
+                                        <p:cTn id="93" dur="500"/>
+                                        <p:tgtEl>
+                                          <p:spTgt spid="25"/>
+                                        </p:tgtEl>
+                                        <p:attrNameLst>
+                                          <p:attrName>ppt_y</p:attrName>
+                                        </p:attrNameLst>
+                                      </p:cBhvr>
+                                      <p:tavLst>
+                                        <p:tav tm="0">
+                                          <p:val>
+                                            <p:strVal val="ppt_y"/>
+                                          </p:val>
+                                        </p:tav>
+                                        <p:tav tm="100000">
+                                          <p:val>
+                                            <p:strVal val="0-ppt_h/2"/>
+                                          </p:val>
+                                        </p:tav>
+                                      </p:tavLst>
+                                    </p:anim>
+                                    <p:set>
+                                      <p:cBhvr>
+                                        <p:cTn id="94" dur="1" fill="hold">
+                                          <p:stCondLst>
+                                            <p:cond delay="499"/>
+                                          </p:stCondLst>
+                                        </p:cTn>
+                                        <p:tgtEl>
+                                          <p:spTgt spid="25"/>
+                                        </p:tgtEl>
+                                        <p:attrNameLst>
+                                          <p:attrName>style.visibility</p:attrName>
+                                        </p:attrNameLst>
+                                      </p:cBhvr>
+                                      <p:to>
+                                        <p:strVal val="hidden"/>
+                                      </p:to>
+                                    </p:set>
+                                  </p:childTnLst>
+                                </p:cTn>
+                              </p:par>
+                              <p:par>
+                                <p:cTn id="95" presetID="2" presetClass="exit" presetSubtype="1" fill="hold" grpId="1" nodeType="withEffect">
+                                  <p:stCondLst>
+                                    <p:cond delay="0"/>
+                                  </p:stCondLst>
+                                  <p:childTnLst>
+                                    <p:anim calcmode="lin" valueType="num">
+                                      <p:cBhvr additive="base">
+                                        <p:cTn id="96" dur="500"/>
+                                        <p:tgtEl>
+                                          <p:spTgt spid="27"/>
+                                        </p:tgtEl>
+                                        <p:attrNameLst>
+                                          <p:attrName>ppt_x</p:attrName>
+                                        </p:attrNameLst>
+                                      </p:cBhvr>
+                                      <p:tavLst>
+                                        <p:tav tm="0">
+                                          <p:val>
+                                            <p:strVal val="ppt_x"/>
+                                          </p:val>
+                                        </p:tav>
+                                        <p:tav tm="100000">
+                                          <p:val>
+                                            <p:strVal val="ppt_x"/>
+                                          </p:val>
+                                        </p:tav>
+                                      </p:tavLst>
+                                    </p:anim>
+                                    <p:anim calcmode="lin" valueType="num">
+                                      <p:cBhvr additive="base">
+                                        <p:cTn id="97" dur="500"/>
+                                        <p:tgtEl>
+                                          <p:spTgt spid="27"/>
+                                        </p:tgtEl>
+                                        <p:attrNameLst>
+                                          <p:attrName>ppt_y</p:attrName>
+                                        </p:attrNameLst>
+                                      </p:cBhvr>
+                                      <p:tavLst>
+                                        <p:tav tm="0">
+                                          <p:val>
+                                            <p:strVal val="ppt_y"/>
+                                          </p:val>
+                                        </p:tav>
+                                        <p:tav tm="100000">
+                                          <p:val>
+                                            <p:strVal val="0-ppt_h/2"/>
+                                          </p:val>
+                                        </p:tav>
+                                      </p:tavLst>
+                                    </p:anim>
+                                    <p:set>
+                                      <p:cBhvr>
+                                        <p:cTn id="98" dur="1" fill="hold">
+                                          <p:stCondLst>
+                                            <p:cond delay="499"/>
+                                          </p:stCondLst>
+                                        </p:cTn>
+                                        <p:tgtEl>
+                                          <p:spTgt spid="27"/>
+                                        </p:tgtEl>
+                                        <p:attrNameLst>
+                                          <p:attrName>style.visibility</p:attrName>
+                                        </p:attrNameLst>
+                                      </p:cBhvr>
+                                      <p:to>
+                                        <p:strVal val="hidden"/>
+                                      </p:to>
+                                    </p:set>
+                                  </p:childTnLst>
+                                </p:cTn>
+                              </p:par>
+                            </p:childTnLst>
+                          </p:cTn>
+                        </p:par>
+                      </p:childTnLst>
+                    </p:cTn>
+                  </p:par>
+                  <p:par>
+                    <p:cTn id="99" fill="hold">
+                      <p:stCondLst>
+                        <p:cond delay="indefinite"/>
+                      </p:stCondLst>
+                      <p:childTnLst>
+                        <p:par>
+                          <p:cTn id="100" fill="hold">
+                            <p:stCondLst>
+                              <p:cond delay="0"/>
+                            </p:stCondLst>
+                            <p:childTnLst>
+                              <p:par>
+                                <p:cTn id="101" presetID="2" presetClass="entr" presetSubtype="4" fill="hold" grpId="0" nodeType="clickEffect">
+                                  <p:stCondLst>
+                                    <p:cond delay="0"/>
+                                  </p:stCondLst>
+                                  <p:childTnLst>
+                                    <p:set>
+                                      <p:cBhvr>
+                                        <p:cTn id="102" dur="1" fill="hold">
+                                          <p:stCondLst>
+                                            <p:cond delay="0"/>
+                                          </p:stCondLst>
+                                        </p:cTn>
+                                        <p:tgtEl>
+                                          <p:spTgt spid="29"/>
+                                        </p:tgtEl>
+                                        <p:attrNameLst>
+                                          <p:attrName>style.visibility</p:attrName>
+                                        </p:attrNameLst>
+                                      </p:cBhvr>
+                                      <p:to>
+                                        <p:strVal val="visible"/>
+                                      </p:to>
+                                    </p:set>
+                                    <p:anim calcmode="lin" valueType="num">
+                                      <p:cBhvr additive="base">
+                                        <p:cTn id="103" dur="500" fill="hold"/>
+                                        <p:tgtEl>
+                                          <p:spTgt spid="29"/>
+                                        </p:tgtEl>
+                                        <p:attrNameLst>
+                                          <p:attrName>ppt_x</p:attrName>
+                                        </p:attrNameLst>
+                                      </p:cBhvr>
+                                      <p:tavLst>
+                                        <p:tav tm="0">
+                                          <p:val>
+                                            <p:strVal val="#ppt_x"/>
+                                          </p:val>
+                                        </p:tav>
+                                        <p:tav tm="100000">
+                                          <p:val>
+                                            <p:strVal val="#ppt_x"/>
+                                          </p:val>
+                                        </p:tav>
+                                      </p:tavLst>
+                                    </p:anim>
+                                    <p:anim calcmode="lin" valueType="num">
+                                      <p:cBhvr additive="base">
+                                        <p:cTn id="104" dur="500" fill="hold"/>
+                                        <p:tgtEl>
+                                          <p:spTgt spid="29"/>
+                                        </p:tgtEl>
+                                        <p:attrNameLst>
+                                          <p:attrName>ppt_y</p:attrName>
+                                        </p:attrNameLst>
+                                      </p:cBhvr>
+                                      <p:tavLst>
+                                        <p:tav tm="0">
+                                          <p:val>
+                                            <p:strVal val="1+#ppt_h/2"/>
+                                          </p:val>
+                                        </p:tav>
+                                        <p:tav tm="100000">
+                                          <p:val>
+                                            <p:strVal val="#ppt_y"/>
+                                          </p:val>
+                                        </p:tav>
+                                      </p:tavLst>
+                                    </p:anim>
+                                  </p:childTnLst>
+                                </p:cTn>
+                              </p:par>
+                              <p:par>
+                                <p:cTn id="105" presetID="2" presetClass="entr" presetSubtype="4" fill="hold" grpId="0" nodeType="withEffect">
+                                  <p:stCondLst>
+                                    <p:cond delay="0"/>
+                                  </p:stCondLst>
+                                  <p:childTnLst>
+                                    <p:set>
+                                      <p:cBhvr>
+                                        <p:cTn id="106" dur="1" fill="hold">
+                                          <p:stCondLst>
+                                            <p:cond delay="0"/>
+                                          </p:stCondLst>
+                                        </p:cTn>
+                                        <p:tgtEl>
+                                          <p:spTgt spid="31"/>
+                                        </p:tgtEl>
+                                        <p:attrNameLst>
+                                          <p:attrName>style.visibility</p:attrName>
+                                        </p:attrNameLst>
+                                      </p:cBhvr>
+                                      <p:to>
+                                        <p:strVal val="visible"/>
+                                      </p:to>
+                                    </p:set>
+                                    <p:anim calcmode="lin" valueType="num">
+                                      <p:cBhvr additive="base">
+                                        <p:cTn id="107" dur="500" fill="hold"/>
+                                        <p:tgtEl>
+                                          <p:spTgt spid="31"/>
+                                        </p:tgtEl>
+                                        <p:attrNameLst>
+                                          <p:attrName>ppt_x</p:attrName>
+                                        </p:attrNameLst>
+                                      </p:cBhvr>
+                                      <p:tavLst>
+                                        <p:tav tm="0">
+                                          <p:val>
+                                            <p:strVal val="#ppt_x"/>
+                                          </p:val>
+                                        </p:tav>
+                                        <p:tav tm="100000">
+                                          <p:val>
+                                            <p:strVal val="#ppt_x"/>
+                                          </p:val>
+                                        </p:tav>
+                                      </p:tavLst>
+                                    </p:anim>
+                                    <p:anim calcmode="lin" valueType="num">
+                                      <p:cBhvr additive="base">
+                                        <p:cTn id="108" dur="500" fill="hold"/>
+                                        <p:tgtEl>
+                                          <p:spTgt spid="31"/>
+                                        </p:tgtEl>
+                                        <p:attrNameLst>
+                                          <p:attrName>ppt_y</p:attrName>
+                                        </p:attrNameLst>
+                                      </p:cBhvr>
+                                      <p:tavLst>
+                                        <p:tav tm="0">
+                                          <p:val>
+                                            <p:strVal val="1+#ppt_h/2"/>
+                                          </p:val>
+                                        </p:tav>
+                                        <p:tav tm="100000">
+                                          <p:val>
+                                            <p:strVal val="#ppt_y"/>
+                                          </p:val>
+                                        </p:tav>
+                                      </p:tavLst>
+                                    </p:anim>
+                                  </p:childTnLst>
+                                </p:cTn>
+                              </p:par>
+                            </p:childTnLst>
+                          </p:cTn>
+                        </p:par>
+                      </p:childTnLst>
+                    </p:cTn>
+                  </p:par>
+                  <p:par>
+                    <p:cTn id="109" fill="hold">
+                      <p:stCondLst>
+                        <p:cond delay="indefinite"/>
+                      </p:stCondLst>
+                      <p:childTnLst>
+                        <p:par>
+                          <p:cTn id="110" fill="hold">
+                            <p:stCondLst>
+                              <p:cond delay="0"/>
+                            </p:stCondLst>
+                            <p:childTnLst>
+                              <p:par>
+                                <p:cTn id="111" presetID="53" presetClass="entr" presetSubtype="16" fill="hold" grpId="0" nodeType="clickEffect">
+                                  <p:stCondLst>
+                                    <p:cond delay="0"/>
+                                  </p:stCondLst>
+                                  <p:childTnLst>
+                                    <p:set>
+                                      <p:cBhvr>
+                                        <p:cTn id="112" dur="1" fill="hold">
+                                          <p:stCondLst>
+                                            <p:cond delay="0"/>
+                                          </p:stCondLst>
+                                        </p:cTn>
+                                        <p:tgtEl>
+                                          <p:spTgt spid="32"/>
+                                        </p:tgtEl>
+                                        <p:attrNameLst>
+                                          <p:attrName>style.visibility</p:attrName>
+                                        </p:attrNameLst>
+                                      </p:cBhvr>
+                                      <p:to>
+                                        <p:strVal val="visible"/>
+                                      </p:to>
+                                    </p:set>
+                                    <p:anim calcmode="lin" valueType="num">
+                                      <p:cBhvr>
+                                        <p:cTn id="113" dur="500" fill="hold"/>
+                                        <p:tgtEl>
+                                          <p:spTgt spid="32"/>
+                                        </p:tgtEl>
+                                        <p:attrNameLst>
+                                          <p:attrName>ppt_w</p:attrName>
+                                        </p:attrNameLst>
+                                      </p:cBhvr>
+                                      <p:tavLst>
+                                        <p:tav tm="0">
+                                          <p:val>
+                                            <p:fltVal val="0"/>
+                                          </p:val>
+                                        </p:tav>
+                                        <p:tav tm="100000">
+                                          <p:val>
+                                            <p:strVal val="#ppt_w"/>
+                                          </p:val>
+                                        </p:tav>
+                                      </p:tavLst>
+                                    </p:anim>
+                                    <p:anim calcmode="lin" valueType="num">
+                                      <p:cBhvr>
+                                        <p:cTn id="114" dur="500" fill="hold"/>
+                                        <p:tgtEl>
+                                          <p:spTgt spid="32"/>
+                                        </p:tgtEl>
+                                        <p:attrNameLst>
+                                          <p:attrName>ppt_h</p:attrName>
+                                        </p:attrNameLst>
+                                      </p:cBhvr>
+                                      <p:tavLst>
+                                        <p:tav tm="0">
+                                          <p:val>
+                                            <p:fltVal val="0"/>
+                                          </p:val>
+                                        </p:tav>
+                                        <p:tav tm="100000">
+                                          <p:val>
+                                            <p:strVal val="#ppt_h"/>
+                                          </p:val>
+                                        </p:tav>
+                                      </p:tavLst>
+                                    </p:anim>
+                                    <p:animEffect transition="in" filter="fade">
+                                      <p:cBhvr>
+                                        <p:cTn id="115" dur="500"/>
+                                        <p:tgtEl>
+                                          <p:spTgt spid="32"/>
+                                        </p:tgtEl>
+                                      </p:cBhvr>
+                                    </p:animEffect>
+                                  </p:childTnLst>
+                                </p:cTn>
+                              </p:par>
+                            </p:childTnLst>
+                          </p:cTn>
+                        </p:par>
+                      </p:childTnLst>
+                    </p:cTn>
+                  </p:par>
+                </p:childTnLst>
+              </p:cTn>
+              <p:prevCondLst>
+                <p:cond evt="onPrev" delay="0">
+                  <p:tgtEl>
+                    <p:sldTgt/>
+                  </p:tgtEl>
+                </p:cond>
+              </p:prevCondLst>
+              <p:nextCondLst>
+                <p:cond evt="onNext" delay="0">
+                  <p:tgtEl>
+                    <p:sldTgt/>
+                  </p:tgtEl>
+                </p:cond>
+              </p:nextCondLst>
+            </p:seq>
+          </p:childTnLst>
+        </p:cTn>
+      </p:par>
+    </p:tnLst>
+    <p:bldLst>
+      <p:bldP spid="10" grpId="0"/>
+      <p:bldP spid="11" grpId="0"/>
+      <p:bldP spid="12" grpId="0"/>
+      <p:bldP spid="13" grpId="0"/>
+      <p:bldP spid="14" grpId="0"/>
+      <p:bldP spid="15" grpId="0"/>
+      <p:bldP spid="16" grpId="0"/>
+      <p:bldP spid="16" grpId="1"/>
+      <p:bldP spid="17" grpId="0"/>
+      <p:bldP spid="17" grpId="1"/>
+      <p:bldP spid="17" grpId="2"/>
+      <p:bldP spid="17" grpId="3"/>
+      <p:bldP spid="23" grpId="0"/>
+      <p:bldP spid="23" grpId="1"/>
+      <p:bldP spid="25" grpId="0"/>
+      <p:bldP spid="25" grpId="1"/>
+      <p:bldP spid="27" grpId="0"/>
+      <p:bldP spid="27" grpId="1"/>
+      <p:bldP spid="29" grpId="0"/>
+      <p:bldP spid="31" grpId="0"/>
+      <p:bldP spid="32" grpId="0" animBg="1"/>
+    </p:bldLst>
+  </p:timing>
+</p:sld>
+</file>
+
+<file path=ppt/slides/slide11.xml><?xml version="1.0" encoding="utf-8"?>
+<p:sld xmlns:a="http://schemas.openxmlformats.org/drawingml/2006/main" xmlns:r="http://schemas.openxmlformats.org/officeDocument/2006/relationships" xmlns:p="http://schemas.openxmlformats.org/presentationml/2006/main">
+  <p:cSld>
+    <p:bg>
+      <p:bgPr>
+        <a:solidFill>
+          <a:srgbClr val="282C34"/>
+        </a:solidFill>
+        <a:effectLst/>
+      </p:bgPr>
+    </p:bg>
+    <p:spTree>
+      <p:nvGrpSpPr>
+        <p:cNvPr id="1" name=""/>
+        <p:cNvGrpSpPr/>
+        <p:nvPr/>
+      </p:nvGrpSpPr>
+      <p:grpSpPr>
+        <a:xfrm>
+          <a:off x="0" y="0"/>
+          <a:ext cx="0" cy="0"/>
+          <a:chOff x="0" y="0"/>
+          <a:chExt cx="0" cy="0"/>
+        </a:xfrm>
+      </p:grpSpPr>
+      <p:sp>
+        <p:nvSpPr>
+          <p:cNvPr id="4" name="Date Placeholder 3"/>
+          <p:cNvSpPr>
+            <a:spLocks noGrp="1"/>
+          </p:cNvSpPr>
+          <p:nvPr>
+            <p:ph type="dt" sz="half" idx="10"/>
+          </p:nvPr>
+        </p:nvSpPr>
+        <p:spPr/>
+        <p:txBody>
+          <a:bodyPr/>
+          <a:lstStyle/>
+          <a:p>
+            <a:fld id="{0F996519-E62D-4F8C-AE1E-36928EC7D15C}" type="datetime1">
+              <a:rPr lang="en-US" smtClean="0"/>
+            </a:fld>
+            <a:endParaRPr lang="en-US"/>
+          </a:p>
+        </p:txBody>
+      </p:sp>
+      <p:pic>
+        <p:nvPicPr>
           <p:cNvPr id="69" name="Picture 68" descr="A computer screen shot of a program code&#10;&#10;Description automatically generated"/>
           <p:cNvPicPr>
             <a:picLocks noChangeAspect="1"/>
@@ -6118,7 +8890,7 @@
 </p:sld>
 </file>
 
-<file path=ppt/slides/slide11.xml><?xml version="1.0" encoding="utf-8"?>
+<file path=ppt/slides/slide12.xml><?xml version="1.0" encoding="utf-8"?>
 <p:sld xmlns:a="http://schemas.openxmlformats.org/drawingml/2006/main" xmlns:r="http://schemas.openxmlformats.org/officeDocument/2006/relationships" xmlns:p="http://schemas.openxmlformats.org/presentationml/2006/main">
   <p:cSld>
     <p:bg>
@@ -8850,7 +11622,7 @@
 </p:sld>
 </file>
 
-<file path=ppt/slides/slide12.xml><?xml version="1.0" encoding="utf-8"?>
+<file path=ppt/slides/slide13.xml><?xml version="1.0" encoding="utf-8"?>
 <p:sld xmlns:a="http://schemas.openxmlformats.org/drawingml/2006/main" xmlns:r="http://schemas.openxmlformats.org/officeDocument/2006/relationships" xmlns:p="http://schemas.openxmlformats.org/presentationml/2006/main">
   <p:cSld>
     <p:bg>
@@ -12939,7 +15711,7 @@
         </p:nvSpPr>
         <p:spPr>
           <a:xfrm>
-            <a:off x="0" y="0"/>
+            <a:off x="0" y="63500"/>
             <a:ext cx="12192000" cy="6858000"/>
           </a:xfrm>
           <a:prstGeom prst="rect">
@@ -13004,7 +15776,7 @@
         </p:nvSpPr>
         <p:spPr>
           <a:xfrm>
-            <a:off x="308388" y="5868424"/>
+            <a:off x="208058" y="5483614"/>
             <a:ext cx="6816312" cy="709682"/>
           </a:xfrm>
         </p:spPr>
@@ -13055,57 +15827,6 @@
           </a:p>
         </p:txBody>
       </p:sp>
-      <p:pic>
-        <p:nvPicPr>
-          <p:cNvPr id="8" name="Picture 7" descr="A diagram of a condition&#10;&#10;Description automatically generated"/>
-          <p:cNvPicPr>
-            <a:picLocks noChangeAspect="1"/>
-          </p:cNvPicPr>
-          <p:nvPr/>
-        </p:nvPicPr>
-        <p:blipFill rotWithShape="1">
-          <a:blip r:embed="rId1"/>
-          <a:srcRect t="11682" r="1" b="13497"/>
-          <a:stretch>
-            <a:fillRect/>
-          </a:stretch>
-        </p:blipFill>
-        <p:spPr>
-          <a:xfrm>
-            <a:off x="20" y="2"/>
-            <a:ext cx="6095979" cy="5833211"/>
-          </a:xfrm>
-          <a:custGeom>
-            <a:avLst/>
-            <a:gdLst/>
-            <a:ahLst/>
-            <a:cxnLst/>
-            <a:rect l="l" t="t" r="r" b="b"/>
-            <a:pathLst>
-              <a:path w="6095999" h="5833211">
-                <a:moveTo>
-                  <a:pt x="0" y="0"/>
-                </a:moveTo>
-                <a:lnTo>
-                  <a:pt x="6095999" y="0"/>
-                </a:lnTo>
-                <a:lnTo>
-                  <a:pt x="6095999" y="5155298"/>
-                </a:lnTo>
-                <a:lnTo>
-                  <a:pt x="677319" y="5155298"/>
-                </a:lnTo>
-                <a:cubicBezTo>
-                  <a:pt x="303246" y="5155298"/>
-                  <a:pt x="0" y="5458810"/>
-                  <a:pt x="0" y="5833211"/>
-                </a:cubicBezTo>
-                <a:close/>
-              </a:path>
-            </a:pathLst>
-          </a:custGeom>
-        </p:spPr>
-      </p:pic>
       <p:sp>
         <p:nvSpPr>
           <p:cNvPr id="4" name="Date Placeholder 3"/>
@@ -13157,7 +15878,7 @@
           <p:nvPr/>
         </p:nvPicPr>
         <p:blipFill rotWithShape="1">
-          <a:blip r:embed="rId2"/>
+          <a:blip r:embed="rId1"/>
           <a:srcRect l="184"/>
           <a:stretch>
             <a:fillRect/>
@@ -13165,7 +15886,7 @@
         </p:blipFill>
         <p:spPr>
           <a:xfrm>
-            <a:off x="6096000" y="-1"/>
+            <a:off x="6066790" y="63499"/>
             <a:ext cx="6095999" cy="5862918"/>
           </a:xfrm>
           <a:custGeom>
@@ -13205,6 +15926,79 @@
           </a:custGeom>
         </p:spPr>
       </p:pic>
+      <p:pic>
+        <p:nvPicPr>
+          <p:cNvPr id="6" name="Picture 5"/>
+          <p:cNvPicPr>
+            <a:picLocks noChangeAspect="1"/>
+          </p:cNvPicPr>
+          <p:nvPr>
+            <p:custDataLst>
+              <p:tags r:id="rId2"/>
+            </p:custDataLst>
+          </p:nvPr>
+        </p:nvPicPr>
+        <p:blipFill>
+          <a:blip r:embed="rId3"/>
+          <a:stretch>
+            <a:fillRect/>
+          </a:stretch>
+        </p:blipFill>
+        <p:spPr>
+          <a:xfrm>
+            <a:off x="0" y="63500"/>
+            <a:ext cx="6066790" cy="5125720"/>
+          </a:xfrm>
+          <a:prstGeom prst="rect">
+            <a:avLst/>
+          </a:prstGeom>
+        </p:spPr>
+      </p:pic>
+      <p:sp>
+        <p:nvSpPr>
+          <p:cNvPr id="11" name="Rectangles 10"/>
+          <p:cNvSpPr/>
+          <p:nvPr/>
+        </p:nvSpPr>
+        <p:spPr>
+          <a:xfrm>
+            <a:off x="1114425" y="4239260"/>
+            <a:ext cx="1114425" cy="742950"/>
+          </a:xfrm>
+          <a:prstGeom prst="rect">
+            <a:avLst/>
+          </a:prstGeom>
+          <a:solidFill>
+            <a:srgbClr val="E7F3FF"/>
+          </a:solidFill>
+          <a:ln>
+            <a:noFill/>
+          </a:ln>
+        </p:spPr>
+        <p:style>
+          <a:lnRef idx="2">
+            <a:schemeClr val="accent1">
+              <a:lumMod val="75000"/>
+            </a:schemeClr>
+          </a:lnRef>
+          <a:fillRef idx="1">
+            <a:schemeClr val="accent1"/>
+          </a:fillRef>
+          <a:effectRef idx="0">
+            <a:srgbClr val="FFFFFF"/>
+          </a:effectRef>
+          <a:fontRef idx="minor">
+            <a:schemeClr val="lt1"/>
+          </a:fontRef>
+        </p:style>
+        <p:txBody>
+          <a:bodyPr rtlCol="0" anchor="ctr"/>
+          <a:p>
+            <a:pPr algn="ctr"/>
+            <a:endParaRPr lang="en-US"/>
+          </a:p>
+        </p:txBody>
+      </p:sp>
     </p:spTree>
   </p:cSld>
   <p:clrMapOvr>
@@ -13444,6 +16238,61 @@
 </file>
 
 <file path=ppt/slides/slide7.xml><?xml version="1.0" encoding="utf-8"?>
+<p:sld xmlns:a="http://schemas.openxmlformats.org/drawingml/2006/main" xmlns:r="http://schemas.openxmlformats.org/officeDocument/2006/relationships" xmlns:p="http://schemas.openxmlformats.org/presentationml/2006/main">
+  <p:cSld>
+    <p:spTree>
+      <p:nvGrpSpPr>
+        <p:cNvPr id="1" name=""/>
+        <p:cNvGrpSpPr/>
+        <p:nvPr/>
+      </p:nvGrpSpPr>
+      <p:grpSpPr/>
+      <p:pic>
+        <p:nvPicPr>
+          <p:cNvPr id="9" name="Picture 8" descr="Conditional-Statement-in-C"/>
+          <p:cNvPicPr>
+            <a:picLocks noChangeAspect="1"/>
+          </p:cNvPicPr>
+          <p:nvPr/>
+        </p:nvPicPr>
+        <p:blipFill>
+          <a:blip r:embed="rId1"/>
+          <a:stretch>
+            <a:fillRect/>
+          </a:stretch>
+        </p:blipFill>
+        <p:spPr>
+          <a:xfrm>
+            <a:off x="1494790" y="618490"/>
+            <a:ext cx="9202420" cy="5620385"/>
+          </a:xfrm>
+          <a:prstGeom prst="rect">
+            <a:avLst/>
+          </a:prstGeom>
+          <a:effectLst/>
+        </p:spPr>
+      </p:pic>
+    </p:spTree>
+  </p:cSld>
+  <p:clrMapOvr>
+    <a:masterClrMapping/>
+  </p:clrMapOvr>
+  <mc:AlternateContent xmlns:mc="http://schemas.openxmlformats.org/markup-compatibility/2006">
+    <mc:Choice xmlns:p14="http://schemas.microsoft.com/office/powerpoint/2010/main" Requires="p14">
+      <p:transition spd="med" p14:dur="750">
+        <p:newsflash/>
+      </p:transition>
+    </mc:Choice>
+    <mc:Fallback>
+      <p:transition spd="med">
+        <p:newsflash/>
+      </p:transition>
+    </mc:Fallback>
+  </mc:AlternateContent>
+</p:sld>
+</file>
+
+<file path=ppt/slides/slide8.xml><?xml version="1.0" encoding="utf-8"?>
 <p:sld xmlns:a="http://schemas.openxmlformats.org/drawingml/2006/main" xmlns:r="http://schemas.openxmlformats.org/officeDocument/2006/relationships" xmlns:p="http://schemas.openxmlformats.org/presentationml/2006/main">
   <p:cSld>
     <p:bg>
@@ -13505,14 +16354,15 @@
 </p:sld>
 </file>
 
-<file path=ppt/slides/slide8.xml><?xml version="1.0" encoding="utf-8"?>
+<file path=ppt/slides/slide9.xml><?xml version="1.0" encoding="utf-8"?>
 <p:sld xmlns:a="http://schemas.openxmlformats.org/drawingml/2006/main" xmlns:r="http://schemas.openxmlformats.org/officeDocument/2006/relationships" xmlns:p="http://schemas.openxmlformats.org/presentationml/2006/main">
   <p:cSld>
     <p:bg>
       <p:bgPr>
-        <a:solidFill>
-          <a:schemeClr val="bg1"/>
-        </a:solidFill>
+        <a:blipFill>
+          <a:blip r:embed="rId1"/>
+          <a:tile tx="0" ty="0" sx="100000" sy="100000" flip="none" algn="tl"/>
+        </a:blipFill>
         <a:effectLst/>
       </p:bgPr>
     </p:bg>
@@ -13539,20 +16389,48 @@
           <p:nvPr/>
         </p:nvPicPr>
         <p:blipFill>
-          <a:blip r:embed="rId1"/>
+          <a:blip r:embed="rId2"/>
           <a:stretch>
             <a:fillRect/>
           </a:stretch>
         </p:blipFill>
         <p:spPr>
           <a:xfrm>
-            <a:off x="557530" y="1055370"/>
-            <a:ext cx="11076305" cy="4747260"/>
+            <a:off x="0" y="0"/>
+            <a:ext cx="8062595" cy="4119245"/>
           </a:xfrm>
           <a:prstGeom prst="roundRect">
             <a:avLst>
               <a:gd name="adj" fmla="val 3798"/>
             </a:avLst>
+          </a:prstGeom>
+        </p:spPr>
+      </p:pic>
+      <p:pic>
+        <p:nvPicPr>
+          <p:cNvPr id="7" name="Picture 6"/>
+          <p:cNvPicPr>
+            <a:picLocks noChangeAspect="1"/>
+          </p:cNvPicPr>
+          <p:nvPr>
+            <p:custDataLst>
+              <p:tags r:id="rId3"/>
+            </p:custDataLst>
+          </p:nvPr>
+        </p:nvPicPr>
+        <p:blipFill>
+          <a:blip r:embed="rId4"/>
+          <a:stretch>
+            <a:fillRect/>
+          </a:stretch>
+        </p:blipFill>
+        <p:spPr>
+          <a:xfrm>
+            <a:off x="6095365" y="3428365"/>
+            <a:ext cx="6096635" cy="3429635"/>
+          </a:xfrm>
+          <a:prstGeom prst="rect">
+            <a:avLst/>
           </a:prstGeom>
         </p:spPr>
       </p:pic>
@@ -13576,2775 +16454,16 @@
 </p:sld>
 </file>
 
-<file path=ppt/slides/slide9.xml><?xml version="1.0" encoding="utf-8"?>
-<p:sld xmlns:a="http://schemas.openxmlformats.org/drawingml/2006/main" xmlns:r="http://schemas.openxmlformats.org/officeDocument/2006/relationships" xmlns:p="http://schemas.openxmlformats.org/presentationml/2006/main">
-  <p:cSld>
-    <p:bg>
-      <p:bgPr>
-        <a:solidFill>
-          <a:srgbClr val="282C34"/>
-        </a:solidFill>
-        <a:effectLst/>
-      </p:bgPr>
-    </p:bg>
-    <p:spTree>
-      <p:nvGrpSpPr>
-        <p:cNvPr id="1" name=""/>
-        <p:cNvGrpSpPr/>
-        <p:nvPr/>
-      </p:nvGrpSpPr>
-      <p:grpSpPr>
-        <a:xfrm>
-          <a:off x="0" y="0"/>
-          <a:ext cx="0" cy="0"/>
-          <a:chOff x="0" y="0"/>
-          <a:chExt cx="0" cy="0"/>
-        </a:xfrm>
-      </p:grpSpPr>
-      <p:sp>
-        <p:nvSpPr>
-          <p:cNvPr id="4" name="Date Placeholder 3"/>
-          <p:cNvSpPr>
-            <a:spLocks noGrp="1"/>
-          </p:cNvSpPr>
-          <p:nvPr>
-            <p:ph type="dt" sz="half" idx="10"/>
-          </p:nvPr>
-        </p:nvSpPr>
-        <p:spPr/>
-        <p:txBody>
-          <a:bodyPr/>
-          <a:lstStyle/>
-          <a:p>
-            <a:fld id="{0F996519-E62D-4F8C-AE1E-36928EC7D15C}" type="datetime1">
-              <a:rPr lang="en-US" smtClean="0"/>
-            </a:fld>
-            <a:endParaRPr lang="en-US"/>
-          </a:p>
-        </p:txBody>
-      </p:sp>
-      <p:pic>
-        <p:nvPicPr>
-          <p:cNvPr id="8" name="Picture 7" descr="A computer screen shot of a code&#10;&#10;Description automatically generated"/>
-          <p:cNvPicPr>
-            <a:picLocks noChangeAspect="1"/>
-          </p:cNvPicPr>
-          <p:nvPr/>
-        </p:nvPicPr>
-        <p:blipFill rotWithShape="1">
-          <a:blip r:embed="rId1"/>
-          <a:srcRect t="1111" r="2045" b="1667"/>
-          <a:stretch>
-            <a:fillRect/>
-          </a:stretch>
-        </p:blipFill>
-        <p:spPr>
-          <a:xfrm>
-            <a:off x="454883" y="991115"/>
-            <a:ext cx="5433233" cy="5411091"/>
-          </a:xfrm>
-          <a:prstGeom prst="rect">
-            <a:avLst/>
-          </a:prstGeom>
-        </p:spPr>
-      </p:pic>
-      <p:graphicFrame>
-        <p:nvGraphicFramePr>
-          <p:cNvPr id="9" name="Table 8"/>
-          <p:cNvGraphicFramePr>
-            <a:graphicFrameLocks noGrp="1"/>
-          </p:cNvGraphicFramePr>
-          <p:nvPr/>
-        </p:nvGraphicFramePr>
-        <p:xfrm>
-          <a:off x="6492240" y="650240"/>
-          <a:ext cx="4778572" cy="3510294"/>
-        </p:xfrm>
-        <a:graphic>
-          <a:graphicData uri="http://schemas.openxmlformats.org/drawingml/2006/table">
-            <a:tbl>
-              <a:tblPr firstRow="1" bandRow="1">
-                <a:tableStyleId>{5C22544A-7EE6-4342-B048-85BDC9FD1C3A}</a:tableStyleId>
-              </a:tblPr>
-              <a:tblGrid>
-                <a:gridCol w="2362285"/>
-                <a:gridCol w="2416287"/>
-              </a:tblGrid>
-              <a:tr h="939375">
-                <a:tc>
-                  <a:txBody>
-                    <a:bodyPr/>
-                    <a:lstStyle/>
-                    <a:p>
-                      <a:pPr marL="0" algn="ctr" defTabSz="914400" rtl="0" eaLnBrk="1" latinLnBrk="0" hangingPunct="1"/>
-                      <a:r>
-                        <a:rPr lang="en-US" sz="2800" b="1" kern="1200" dirty="0">
-                          <a:solidFill>
-                            <a:schemeClr val="tx1"/>
-                          </a:solidFill>
-                          <a:latin typeface="+mn-lt"/>
-                          <a:ea typeface="+mn-ea"/>
-                          <a:cs typeface="+mn-cs"/>
-                        </a:rPr>
-                        <a:t>Iteration</a:t>
-                      </a:r>
-                      <a:endParaRPr lang="en-US" sz="2800" b="1" kern="1200" dirty="0">
-                        <a:solidFill>
-                          <a:schemeClr val="tx1"/>
-                        </a:solidFill>
-                        <a:latin typeface="+mn-lt"/>
-                        <a:ea typeface="+mn-ea"/>
-                        <a:cs typeface="+mn-cs"/>
-                      </a:endParaRPr>
-                    </a:p>
-                  </a:txBody>
-                  <a:tcPr anchor="ctr">
-                    <a:lnL w="0">
-                      <a:noFill/>
-                    </a:lnL>
-                    <a:lnR w="12700">
-                      <a:solidFill>
-                        <a:schemeClr val="tx1"/>
-                      </a:solidFill>
-                    </a:lnR>
-                    <a:lnT w="0">
-                      <a:noFill/>
-                    </a:lnT>
-                    <a:lnB w="12700">
-                      <a:solidFill>
-                        <a:schemeClr val="tx1"/>
-                      </a:solidFill>
-                    </a:lnB>
-                    <a:noFill/>
-                  </a:tcPr>
-                </a:tc>
-                <a:tc>
-                  <a:txBody>
-                    <a:bodyPr/>
-                    <a:lstStyle/>
-                    <a:p>
-                      <a:pPr algn="ctr"/>
-                      <a:r>
-                        <a:rPr lang="en-US" sz="3600" dirty="0"/>
-                        <a:t>n</a:t>
-                      </a:r>
-                      <a:endParaRPr lang="en-US" sz="3600" dirty="0"/>
-                    </a:p>
-                  </a:txBody>
-                  <a:tcPr anchor="ctr">
-                    <a:lnL w="12700">
-                      <a:solidFill>
-                        <a:schemeClr val="tx1"/>
-                      </a:solidFill>
-                    </a:lnL>
-                    <a:lnR w="0">
-                      <a:noFill/>
-                    </a:lnR>
-                    <a:lnT w="0">
-                      <a:noFill/>
-                    </a:lnT>
-                    <a:lnB w="12700">
-                      <a:solidFill>
-                        <a:schemeClr val="tx1"/>
-                      </a:solidFill>
-                    </a:lnB>
-                    <a:noFill/>
-                  </a:tcPr>
-                </a:tc>
-              </a:tr>
-              <a:tr h="856973">
-                <a:tc>
-                  <a:txBody>
-                    <a:bodyPr/>
-                    <a:lstStyle/>
-                    <a:p>
-                      <a:pPr algn="ctr"/>
-                      <a:endParaRPr lang="en-US" sz="3200" dirty="0"/>
-                    </a:p>
-                  </a:txBody>
-                  <a:tcPr anchor="ctr">
-                    <a:lnL w="0">
-                      <a:noFill/>
-                    </a:lnL>
-                    <a:lnR w="12700">
-                      <a:solidFill>
-                        <a:schemeClr val="tx1"/>
-                      </a:solidFill>
-                    </a:lnR>
-                    <a:lnT w="12700">
-                      <a:solidFill>
-                        <a:schemeClr val="tx1"/>
-                      </a:solidFill>
-                    </a:lnT>
-                    <a:lnB w="12700">
-                      <a:solidFill>
-                        <a:schemeClr val="tx1"/>
-                      </a:solidFill>
-                    </a:lnB>
-                    <a:noFill/>
-                  </a:tcPr>
-                </a:tc>
-                <a:tc>
-                  <a:txBody>
-                    <a:bodyPr/>
-                    <a:lstStyle/>
-                    <a:p>
-                      <a:pPr algn="ctr"/>
-                      <a:endParaRPr lang="en-US" sz="3200" dirty="0"/>
-                    </a:p>
-                  </a:txBody>
-                  <a:tcPr anchor="ctr">
-                    <a:lnL w="12700">
-                      <a:solidFill>
-                        <a:schemeClr val="tx1"/>
-                      </a:solidFill>
-                    </a:lnL>
-                    <a:lnR w="0">
-                      <a:noFill/>
-                    </a:lnR>
-                    <a:lnT w="12700">
-                      <a:solidFill>
-                        <a:schemeClr val="tx1"/>
-                      </a:solidFill>
-                    </a:lnT>
-                    <a:lnB w="12700">
-                      <a:solidFill>
-                        <a:schemeClr val="tx1"/>
-                      </a:solidFill>
-                    </a:lnB>
-                    <a:noFill/>
-                  </a:tcPr>
-                </a:tc>
-              </a:tr>
-              <a:tr h="856973">
-                <a:tc>
-                  <a:txBody>
-                    <a:bodyPr/>
-                    <a:lstStyle/>
-                    <a:p>
-                      <a:pPr algn="ctr"/>
-                      <a:endParaRPr lang="en-US" sz="3200" dirty="0"/>
-                    </a:p>
-                  </a:txBody>
-                  <a:tcPr anchor="ctr">
-                    <a:lnL w="0">
-                      <a:noFill/>
-                    </a:lnL>
-                    <a:lnR w="12700">
-                      <a:solidFill>
-                        <a:schemeClr val="tx1"/>
-                      </a:solidFill>
-                    </a:lnR>
-                    <a:lnT w="12700">
-                      <a:solidFill>
-                        <a:schemeClr val="tx1"/>
-                      </a:solidFill>
-                    </a:lnT>
-                    <a:lnB w="12700">
-                      <a:solidFill>
-                        <a:schemeClr val="tx1"/>
-                      </a:solidFill>
-                    </a:lnB>
-                    <a:noFill/>
-                  </a:tcPr>
-                </a:tc>
-                <a:tc>
-                  <a:txBody>
-                    <a:bodyPr/>
-                    <a:lstStyle/>
-                    <a:p>
-                      <a:pPr algn="ctr"/>
-                      <a:endParaRPr lang="en-US" sz="3200" dirty="0"/>
-                    </a:p>
-                  </a:txBody>
-                  <a:tcPr anchor="ctr">
-                    <a:lnL w="12700">
-                      <a:solidFill>
-                        <a:schemeClr val="tx1"/>
-                      </a:solidFill>
-                    </a:lnL>
-                    <a:lnR w="0">
-                      <a:noFill/>
-                    </a:lnR>
-                    <a:lnT w="12700">
-                      <a:solidFill>
-                        <a:schemeClr val="tx1"/>
-                      </a:solidFill>
-                    </a:lnT>
-                    <a:lnB w="12700">
-                      <a:solidFill>
-                        <a:schemeClr val="tx1"/>
-                      </a:solidFill>
-                    </a:lnB>
-                    <a:noFill/>
-                  </a:tcPr>
-                </a:tc>
-              </a:tr>
-              <a:tr h="856973">
-                <a:tc>
-                  <a:txBody>
-                    <a:bodyPr/>
-                    <a:lstStyle/>
-                    <a:p>
-                      <a:pPr algn="ctr"/>
-                      <a:endParaRPr lang="en-US" sz="3200" dirty="0"/>
-                    </a:p>
-                  </a:txBody>
-                  <a:tcPr anchor="ctr">
-                    <a:lnL w="0">
-                      <a:noFill/>
-                    </a:lnL>
-                    <a:lnR w="12700">
-                      <a:solidFill>
-                        <a:schemeClr val="tx1"/>
-                      </a:solidFill>
-                    </a:lnR>
-                    <a:lnT w="12700">
-                      <a:solidFill>
-                        <a:schemeClr val="tx1"/>
-                      </a:solidFill>
-                    </a:lnT>
-                    <a:lnB w="0">
-                      <a:noFill/>
-                    </a:lnB>
-                    <a:noFill/>
-                  </a:tcPr>
-                </a:tc>
-                <a:tc>
-                  <a:txBody>
-                    <a:bodyPr/>
-                    <a:lstStyle/>
-                    <a:p>
-                      <a:pPr algn="ctr"/>
-                      <a:endParaRPr lang="en-US" sz="3200" dirty="0"/>
-                    </a:p>
-                  </a:txBody>
-                  <a:tcPr anchor="ctr">
-                    <a:lnL w="12700">
-                      <a:solidFill>
-                        <a:schemeClr val="tx1"/>
-                      </a:solidFill>
-                    </a:lnL>
-                    <a:lnR w="0">
-                      <a:noFill/>
-                    </a:lnR>
-                    <a:lnT w="12700">
-                      <a:solidFill>
-                        <a:schemeClr val="tx1"/>
-                      </a:solidFill>
-                    </a:lnT>
-                    <a:lnB w="0">
-                      <a:noFill/>
-                    </a:lnB>
-                    <a:noFill/>
-                  </a:tcPr>
-                </a:tc>
-              </a:tr>
-            </a:tbl>
-          </a:graphicData>
-        </a:graphic>
-      </p:graphicFrame>
-      <p:sp>
-        <p:nvSpPr>
-          <p:cNvPr id="10" name="TextBox 9"/>
-          <p:cNvSpPr txBox="1"/>
-          <p:nvPr/>
-        </p:nvSpPr>
-        <p:spPr>
-          <a:xfrm>
-            <a:off x="7473524" y="2601282"/>
-            <a:ext cx="531284" cy="584775"/>
-          </a:xfrm>
-          <a:prstGeom prst="rect">
-            <a:avLst/>
-          </a:prstGeom>
-          <a:noFill/>
-        </p:spPr>
-        <p:txBody>
-          <a:bodyPr rot="0" spcFirstLastPara="0" vertOverflow="overflow" horzOverflow="overflow" vert="horz" wrap="square" lIns="91440" tIns="45720" rIns="91440" bIns="45720" numCol="1" spcCol="0" rtlCol="0" fromWordArt="0" anchor="ctr" anchorCtr="0" forceAA="0" compatLnSpc="1">
-            <a:spAutoFit/>
-          </a:bodyPr>
-          <a:lstStyle/>
-          <a:p>
-            <a:pPr algn="ctr"/>
-            <a:r>
-              <a:rPr lang="en-US" sz="3200" dirty="0"/>
-              <a:t>2</a:t>
-            </a:r>
-            <a:endParaRPr lang="en-US" sz="3200" dirty="0"/>
-          </a:p>
-        </p:txBody>
-      </p:sp>
-      <p:sp>
-        <p:nvSpPr>
-          <p:cNvPr id="11" name="TextBox 10"/>
-          <p:cNvSpPr txBox="1"/>
-          <p:nvPr/>
-        </p:nvSpPr>
-        <p:spPr>
-          <a:xfrm>
-            <a:off x="7473523" y="1715428"/>
-            <a:ext cx="531284" cy="584775"/>
-          </a:xfrm>
-          <a:prstGeom prst="rect">
-            <a:avLst/>
-          </a:prstGeom>
-          <a:noFill/>
-        </p:spPr>
-        <p:txBody>
-          <a:bodyPr rot="0" spcFirstLastPara="0" vertOverflow="overflow" horzOverflow="overflow" vert="horz" wrap="square" lIns="91440" tIns="45720" rIns="91440" bIns="45720" numCol="1" spcCol="0" rtlCol="0" fromWordArt="0" anchor="ctr" anchorCtr="0" forceAA="0" compatLnSpc="1">
-            <a:spAutoFit/>
-          </a:bodyPr>
-          <a:lstStyle/>
-          <a:p>
-            <a:pPr algn="ctr"/>
-            <a:r>
-              <a:rPr lang="en-US" sz="3200" dirty="0"/>
-              <a:t>1</a:t>
-            </a:r>
-            <a:endParaRPr lang="en-US" sz="3200" dirty="0"/>
-          </a:p>
-        </p:txBody>
-      </p:sp>
-      <p:sp>
-        <p:nvSpPr>
-          <p:cNvPr id="12" name="TextBox 11"/>
-          <p:cNvSpPr txBox="1"/>
-          <p:nvPr/>
-        </p:nvSpPr>
-        <p:spPr>
-          <a:xfrm>
-            <a:off x="7473523" y="3405615"/>
-            <a:ext cx="531284" cy="584775"/>
-          </a:xfrm>
-          <a:prstGeom prst="rect">
-            <a:avLst/>
-          </a:prstGeom>
-          <a:noFill/>
-        </p:spPr>
-        <p:txBody>
-          <a:bodyPr rot="0" spcFirstLastPara="0" vertOverflow="overflow" horzOverflow="overflow" vert="horz" wrap="square" lIns="91440" tIns="45720" rIns="91440" bIns="45720" numCol="1" spcCol="0" rtlCol="0" fromWordArt="0" anchor="ctr" anchorCtr="0" forceAA="0" compatLnSpc="1">
-            <a:spAutoFit/>
-          </a:bodyPr>
-          <a:lstStyle/>
-          <a:p>
-            <a:pPr algn="ctr"/>
-            <a:r>
-              <a:rPr lang="en-US" sz="3200" dirty="0"/>
-              <a:t>3</a:t>
-            </a:r>
-            <a:endParaRPr lang="en-US" sz="3200" dirty="0"/>
-          </a:p>
-        </p:txBody>
-      </p:sp>
-      <p:sp>
-        <p:nvSpPr>
-          <p:cNvPr id="13" name="TextBox 12"/>
-          <p:cNvSpPr txBox="1"/>
-          <p:nvPr/>
-        </p:nvSpPr>
-        <p:spPr>
-          <a:xfrm>
-            <a:off x="9875941" y="1715429"/>
-            <a:ext cx="531284" cy="584775"/>
-          </a:xfrm>
-          <a:prstGeom prst="rect">
-            <a:avLst/>
-          </a:prstGeom>
-          <a:noFill/>
-        </p:spPr>
-        <p:txBody>
-          <a:bodyPr rot="0" spcFirstLastPara="0" vertOverflow="overflow" horzOverflow="overflow" vert="horz" wrap="square" lIns="91440" tIns="45720" rIns="91440" bIns="45720" numCol="1" spcCol="0" rtlCol="0" fromWordArt="0" anchor="ctr" anchorCtr="0" forceAA="0" compatLnSpc="1">
-            <a:spAutoFit/>
-          </a:bodyPr>
-          <a:lstStyle/>
-          <a:p>
-            <a:pPr algn="ctr"/>
-            <a:r>
-              <a:rPr lang="en-US" sz="3200" dirty="0"/>
-              <a:t>3</a:t>
-            </a:r>
-            <a:endParaRPr lang="en-US" sz="3200" dirty="0"/>
-          </a:p>
-        </p:txBody>
-      </p:sp>
-      <p:sp>
-        <p:nvSpPr>
-          <p:cNvPr id="14" name="TextBox 13"/>
-          <p:cNvSpPr txBox="1"/>
-          <p:nvPr/>
-        </p:nvSpPr>
-        <p:spPr>
-          <a:xfrm>
-            <a:off x="9875940" y="3405615"/>
-            <a:ext cx="531284" cy="584775"/>
-          </a:xfrm>
-          <a:prstGeom prst="rect">
-            <a:avLst/>
-          </a:prstGeom>
-          <a:noFill/>
-        </p:spPr>
-        <p:txBody>
-          <a:bodyPr rot="0" spcFirstLastPara="0" vertOverflow="overflow" horzOverflow="overflow" vert="horz" wrap="square" lIns="91440" tIns="45720" rIns="91440" bIns="45720" numCol="1" spcCol="0" rtlCol="0" fromWordArt="0" anchor="ctr" anchorCtr="0" forceAA="0" compatLnSpc="1">
-            <a:spAutoFit/>
-          </a:bodyPr>
-          <a:lstStyle/>
-          <a:p>
-            <a:pPr algn="ctr"/>
-            <a:r>
-              <a:rPr lang="en-US" sz="3200" dirty="0"/>
-              <a:t>1</a:t>
-            </a:r>
-            <a:endParaRPr lang="en-US" sz="3200" dirty="0"/>
-          </a:p>
-        </p:txBody>
-      </p:sp>
-      <p:sp>
-        <p:nvSpPr>
-          <p:cNvPr id="15" name="TextBox 14"/>
-          <p:cNvSpPr txBox="1"/>
-          <p:nvPr/>
-        </p:nvSpPr>
-        <p:spPr>
-          <a:xfrm>
-            <a:off x="9875940" y="2601282"/>
-            <a:ext cx="531284" cy="584775"/>
-          </a:xfrm>
-          <a:prstGeom prst="rect">
-            <a:avLst/>
-          </a:prstGeom>
-          <a:noFill/>
-        </p:spPr>
-        <p:txBody>
-          <a:bodyPr rot="0" spcFirstLastPara="0" vertOverflow="overflow" horzOverflow="overflow" vert="horz" wrap="square" lIns="91440" tIns="45720" rIns="91440" bIns="45720" numCol="1" spcCol="0" rtlCol="0" fromWordArt="0" anchor="ctr" anchorCtr="0" forceAA="0" compatLnSpc="1">
-            <a:spAutoFit/>
-          </a:bodyPr>
-          <a:lstStyle/>
-          <a:p>
-            <a:pPr algn="ctr"/>
-            <a:r>
-              <a:rPr lang="en-US" sz="3200" dirty="0"/>
-              <a:t>2</a:t>
-            </a:r>
-            <a:endParaRPr lang="en-US" sz="3200" dirty="0"/>
-          </a:p>
-        </p:txBody>
-      </p:sp>
-      <p:sp>
-        <p:nvSpPr>
-          <p:cNvPr id="16" name="TextBox 15"/>
-          <p:cNvSpPr txBox="1"/>
-          <p:nvPr/>
-        </p:nvSpPr>
-        <p:spPr>
-          <a:xfrm>
-            <a:off x="2248282" y="2721614"/>
-            <a:ext cx="628868" cy="461665"/>
-          </a:xfrm>
-          <a:prstGeom prst="rect">
-            <a:avLst/>
-          </a:prstGeom>
-          <a:noFill/>
-        </p:spPr>
-        <p:txBody>
-          <a:bodyPr rot="0" spcFirstLastPara="0" vertOverflow="overflow" horzOverflow="overflow" vert="horz" wrap="square" lIns="91440" tIns="45720" rIns="91440" bIns="45720" numCol="1" spcCol="0" rtlCol="0" fromWordArt="0" anchor="t" anchorCtr="0" forceAA="0" compatLnSpc="1">
-            <a:spAutoFit/>
-          </a:bodyPr>
-          <a:lstStyle/>
-          <a:p>
-            <a:pPr algn="l"/>
-            <a:r>
-              <a:rPr lang="en-US" sz="2400" dirty="0">
-                <a:solidFill>
-                  <a:schemeClr val="accent3"/>
-                </a:solidFill>
-              </a:rPr>
-              <a:t>3</a:t>
-            </a:r>
-            <a:endParaRPr lang="en-US" sz="2400" dirty="0">
-              <a:solidFill>
-                <a:schemeClr val="accent3"/>
-              </a:solidFill>
-            </a:endParaRPr>
-          </a:p>
-        </p:txBody>
-      </p:sp>
-      <p:sp>
-        <p:nvSpPr>
-          <p:cNvPr id="17" name="TextBox 16"/>
-          <p:cNvSpPr txBox="1"/>
-          <p:nvPr/>
-        </p:nvSpPr>
-        <p:spPr>
-          <a:xfrm>
-            <a:off x="3370198" y="3096295"/>
-            <a:ext cx="785982" cy="369173"/>
-          </a:xfrm>
-          <a:prstGeom prst="rect">
-            <a:avLst/>
-          </a:prstGeom>
-          <a:noFill/>
-        </p:spPr>
-        <p:txBody>
-          <a:bodyPr rot="0" spcFirstLastPara="0" vertOverflow="overflow" horzOverflow="overflow" vert="horz" wrap="square" lIns="91440" tIns="45720" rIns="91440" bIns="45720" numCol="1" spcCol="0" rtlCol="0" fromWordArt="0" anchor="t" anchorCtr="0" forceAA="0" compatLnSpc="1">
-            <a:spAutoFit/>
-          </a:bodyPr>
-          <a:lstStyle/>
-          <a:p>
-            <a:pPr algn="l"/>
-            <a:r>
-              <a:rPr lang="en-US" dirty="0">
-                <a:solidFill>
-                  <a:schemeClr val="accent3"/>
-                </a:solidFill>
-              </a:rPr>
-              <a:t>True</a:t>
-            </a:r>
-            <a:endParaRPr lang="en-US" dirty="0">
-              <a:solidFill>
-                <a:schemeClr val="accent3"/>
-              </a:solidFill>
-            </a:endParaRPr>
-          </a:p>
-        </p:txBody>
-      </p:sp>
-      <p:sp>
-        <p:nvSpPr>
-          <p:cNvPr id="23" name="TextBox 22"/>
-          <p:cNvSpPr txBox="1"/>
-          <p:nvPr/>
-        </p:nvSpPr>
-        <p:spPr>
-          <a:xfrm>
-            <a:off x="2246223" y="2719555"/>
-            <a:ext cx="628868" cy="461665"/>
-          </a:xfrm>
-          <a:prstGeom prst="rect">
-            <a:avLst/>
-          </a:prstGeom>
-          <a:noFill/>
-        </p:spPr>
-        <p:txBody>
-          <a:bodyPr rot="0" spcFirstLastPara="0" vertOverflow="overflow" horzOverflow="overflow" vert="horz" wrap="square" lIns="91440" tIns="45720" rIns="91440" bIns="45720" numCol="1" spcCol="0" rtlCol="0" fromWordArt="0" anchor="t" anchorCtr="0" forceAA="0" compatLnSpc="1">
-            <a:spAutoFit/>
-          </a:bodyPr>
-          <a:lstStyle/>
-          <a:p>
-            <a:pPr algn="l"/>
-            <a:r>
-              <a:rPr lang="en-US" sz="2400" dirty="0">
-                <a:solidFill>
-                  <a:schemeClr val="accent3"/>
-                </a:solidFill>
-              </a:rPr>
-              <a:t>2</a:t>
-            </a:r>
-            <a:endParaRPr lang="en-US" sz="2400" dirty="0">
-              <a:solidFill>
-                <a:schemeClr val="accent3"/>
-              </a:solidFill>
-            </a:endParaRPr>
-          </a:p>
-        </p:txBody>
-      </p:sp>
-      <p:sp>
-        <p:nvSpPr>
-          <p:cNvPr id="25" name="TextBox 24"/>
-          <p:cNvSpPr txBox="1"/>
-          <p:nvPr/>
-        </p:nvSpPr>
-        <p:spPr>
-          <a:xfrm>
-            <a:off x="2246223" y="2719555"/>
-            <a:ext cx="628868" cy="461665"/>
-          </a:xfrm>
-          <a:prstGeom prst="rect">
-            <a:avLst/>
-          </a:prstGeom>
-          <a:noFill/>
-        </p:spPr>
-        <p:txBody>
-          <a:bodyPr rot="0" spcFirstLastPara="0" vertOverflow="overflow" horzOverflow="overflow" vert="horz" wrap="square" lIns="91440" tIns="45720" rIns="91440" bIns="45720" numCol="1" spcCol="0" rtlCol="0" fromWordArt="0" anchor="t" anchorCtr="0" forceAA="0" compatLnSpc="1">
-            <a:spAutoFit/>
-          </a:bodyPr>
-          <a:lstStyle/>
-          <a:p>
-            <a:pPr algn="l"/>
-            <a:r>
-              <a:rPr lang="en-US" sz="2400" dirty="0">
-                <a:solidFill>
-                  <a:schemeClr val="accent3"/>
-                </a:solidFill>
-              </a:rPr>
-              <a:t>1</a:t>
-            </a:r>
-            <a:endParaRPr lang="en-US" sz="2400" dirty="0">
-              <a:solidFill>
-                <a:schemeClr val="accent3"/>
-              </a:solidFill>
-            </a:endParaRPr>
-          </a:p>
-        </p:txBody>
-      </p:sp>
-      <p:sp>
-        <p:nvSpPr>
-          <p:cNvPr id="27" name="TextBox 26"/>
-          <p:cNvSpPr txBox="1"/>
-          <p:nvPr/>
-        </p:nvSpPr>
-        <p:spPr>
-          <a:xfrm>
-            <a:off x="3368138" y="3063344"/>
-            <a:ext cx="785982" cy="369173"/>
-          </a:xfrm>
-          <a:prstGeom prst="rect">
-            <a:avLst/>
-          </a:prstGeom>
-          <a:noFill/>
-        </p:spPr>
-        <p:txBody>
-          <a:bodyPr rot="0" spcFirstLastPara="0" vertOverflow="overflow" horzOverflow="overflow" vert="horz" wrap="square" lIns="91440" tIns="45720" rIns="91440" bIns="45720" numCol="1" spcCol="0" rtlCol="0" fromWordArt="0" anchor="t" anchorCtr="0" forceAA="0" compatLnSpc="1">
-            <a:spAutoFit/>
-          </a:bodyPr>
-          <a:lstStyle/>
-          <a:p>
-            <a:pPr algn="l"/>
-            <a:r>
-              <a:rPr lang="en-US" dirty="0">
-                <a:solidFill>
-                  <a:schemeClr val="accent3"/>
-                </a:solidFill>
-              </a:rPr>
-              <a:t>True</a:t>
-            </a:r>
-            <a:endParaRPr lang="en-US" dirty="0">
-              <a:solidFill>
-                <a:schemeClr val="accent3"/>
-              </a:solidFill>
-            </a:endParaRPr>
-          </a:p>
-        </p:txBody>
-      </p:sp>
-      <p:sp>
-        <p:nvSpPr>
-          <p:cNvPr id="29" name="TextBox 28"/>
-          <p:cNvSpPr txBox="1"/>
-          <p:nvPr/>
-        </p:nvSpPr>
-        <p:spPr>
-          <a:xfrm>
-            <a:off x="3376376" y="3092177"/>
-            <a:ext cx="785982" cy="369173"/>
-          </a:xfrm>
-          <a:prstGeom prst="rect">
-            <a:avLst/>
-          </a:prstGeom>
-          <a:noFill/>
-        </p:spPr>
-        <p:txBody>
-          <a:bodyPr rot="0" spcFirstLastPara="0" vertOverflow="overflow" horzOverflow="overflow" vert="horz" wrap="square" lIns="91440" tIns="45720" rIns="91440" bIns="45720" numCol="1" spcCol="0" rtlCol="0" fromWordArt="0" anchor="t" anchorCtr="0" forceAA="0" compatLnSpc="1">
-            <a:spAutoFit/>
-          </a:bodyPr>
-          <a:lstStyle/>
-          <a:p>
-            <a:pPr algn="l"/>
-            <a:r>
-              <a:rPr lang="en-US" dirty="0">
-                <a:solidFill>
-                  <a:schemeClr val="accent3"/>
-                </a:solidFill>
-              </a:rPr>
-              <a:t>False</a:t>
-            </a:r>
-            <a:endParaRPr lang="en-US" dirty="0">
-              <a:solidFill>
-                <a:schemeClr val="accent3"/>
-              </a:solidFill>
-            </a:endParaRPr>
-          </a:p>
-        </p:txBody>
-      </p:sp>
-      <p:sp>
-        <p:nvSpPr>
-          <p:cNvPr id="31" name="TextBox 30"/>
-          <p:cNvSpPr txBox="1"/>
-          <p:nvPr/>
-        </p:nvSpPr>
-        <p:spPr>
-          <a:xfrm>
-            <a:off x="2244164" y="2717496"/>
-            <a:ext cx="628868" cy="461665"/>
-          </a:xfrm>
-          <a:prstGeom prst="rect">
-            <a:avLst/>
-          </a:prstGeom>
-          <a:noFill/>
-        </p:spPr>
-        <p:txBody>
-          <a:bodyPr rot="0" spcFirstLastPara="0" vertOverflow="overflow" horzOverflow="overflow" vert="horz" wrap="square" lIns="91440" tIns="45720" rIns="91440" bIns="45720" numCol="1" spcCol="0" rtlCol="0" fromWordArt="0" anchor="t" anchorCtr="0" forceAA="0" compatLnSpc="1">
-            <a:spAutoFit/>
-          </a:bodyPr>
-          <a:lstStyle/>
-          <a:p>
-            <a:pPr algn="l"/>
-            <a:r>
-              <a:rPr lang="en-US" sz="2400" dirty="0">
-                <a:solidFill>
-                  <a:schemeClr val="accent3"/>
-                </a:solidFill>
-              </a:rPr>
-              <a:t>0</a:t>
-            </a:r>
-            <a:endParaRPr lang="en-US" sz="2400" dirty="0">
-              <a:solidFill>
-                <a:schemeClr val="accent3"/>
-              </a:solidFill>
-            </a:endParaRPr>
-          </a:p>
-        </p:txBody>
-      </p:sp>
-      <p:sp>
-        <p:nvSpPr>
-          <p:cNvPr id="32" name="Rectangle: Rounded Corners 31"/>
-          <p:cNvSpPr/>
-          <p:nvPr/>
-        </p:nvSpPr>
-        <p:spPr>
-          <a:xfrm>
-            <a:off x="7236133" y="4852865"/>
-            <a:ext cx="3295135" cy="1163595"/>
-          </a:xfrm>
-          <a:prstGeom prst="roundRect">
-            <a:avLst/>
-          </a:prstGeom>
-          <a:solidFill>
-            <a:schemeClr val="accent4">
-              <a:lumMod val="60000"/>
-              <a:lumOff val="40000"/>
-            </a:schemeClr>
-          </a:solidFill>
-        </p:spPr>
-        <p:style>
-          <a:lnRef idx="2">
-            <a:schemeClr val="accent1">
-              <a:shade val="15000"/>
-            </a:schemeClr>
-          </a:lnRef>
-          <a:fillRef idx="1">
-            <a:schemeClr val="accent1"/>
-          </a:fillRef>
-          <a:effectRef idx="0">
-            <a:schemeClr val="accent1"/>
-          </a:effectRef>
-          <a:fontRef idx="minor">
-            <a:schemeClr val="lt1"/>
-          </a:fontRef>
-        </p:style>
-        <p:txBody>
-          <a:bodyPr rtlCol="0" anchor="ctr"/>
-          <a:lstStyle/>
-          <a:p>
-            <a:pPr algn="ctr"/>
-            <a:r>
-              <a:rPr lang="en-US" sz="3600" dirty="0"/>
-              <a:t>Loop Breaks</a:t>
-            </a:r>
-            <a:endParaRPr lang="en-US" sz="3600" dirty="0"/>
-          </a:p>
-        </p:txBody>
-      </p:sp>
-    </p:spTree>
-  </p:cSld>
-  <p:clrMapOvr>
-    <a:masterClrMapping/>
-  </p:clrMapOvr>
-  <p:transition spd="slow">
-    <p:push dir="u"/>
-  </p:transition>
-  <p:timing>
-    <p:tnLst>
-      <p:par>
-        <p:cTn id="1" dur="indefinite" restart="never" nodeType="tmRoot">
-          <p:childTnLst>
-            <p:seq concurrent="1" nextAc="seek">
-              <p:cTn id="2" dur="indefinite" nodeType="mainSeq">
-                <p:childTnLst>
-                  <p:par>
-                    <p:cTn id="3" fill="hold">
-                      <p:stCondLst>
-                        <p:cond delay="indefinite"/>
-                      </p:stCondLst>
-                      <p:childTnLst>
-                        <p:par>
-                          <p:cTn id="4" fill="hold">
-                            <p:stCondLst>
-                              <p:cond delay="0"/>
-                            </p:stCondLst>
-                            <p:childTnLst>
-                              <p:par>
-                                <p:cTn id="5" presetID="2" presetClass="entr" presetSubtype="4" fill="hold" nodeType="clickEffect">
-                                  <p:stCondLst>
-                                    <p:cond delay="0"/>
-                                  </p:stCondLst>
-                                  <p:childTnLst>
-                                    <p:set>
-                                      <p:cBhvr>
-                                        <p:cTn id="6" dur="1" fill="hold">
-                                          <p:stCondLst>
-                                            <p:cond delay="0"/>
-                                          </p:stCondLst>
-                                        </p:cTn>
-                                        <p:tgtEl>
-                                          <p:spTgt spid="9"/>
-                                        </p:tgtEl>
-                                        <p:attrNameLst>
-                                          <p:attrName>style.visibility</p:attrName>
-                                        </p:attrNameLst>
-                                      </p:cBhvr>
-                                      <p:to>
-                                        <p:strVal val="visible"/>
-                                      </p:to>
-                                    </p:set>
-                                    <p:anim calcmode="lin" valueType="num">
-                                      <p:cBhvr additive="base">
-                                        <p:cTn id="7" dur="500" fill="hold"/>
-                                        <p:tgtEl>
-                                          <p:spTgt spid="9"/>
-                                        </p:tgtEl>
-                                        <p:attrNameLst>
-                                          <p:attrName>ppt_x</p:attrName>
-                                        </p:attrNameLst>
-                                      </p:cBhvr>
-                                      <p:tavLst>
-                                        <p:tav tm="0">
-                                          <p:val>
-                                            <p:strVal val="#ppt_x"/>
-                                          </p:val>
-                                        </p:tav>
-                                        <p:tav tm="100000">
-                                          <p:val>
-                                            <p:strVal val="#ppt_x"/>
-                                          </p:val>
-                                        </p:tav>
-                                      </p:tavLst>
-                                    </p:anim>
-                                    <p:anim calcmode="lin" valueType="num">
-                                      <p:cBhvr additive="base">
-                                        <p:cTn id="8" dur="500" fill="hold"/>
-                                        <p:tgtEl>
-                                          <p:spTgt spid="9"/>
-                                        </p:tgtEl>
-                                        <p:attrNameLst>
-                                          <p:attrName>ppt_y</p:attrName>
-                                        </p:attrNameLst>
-                                      </p:cBhvr>
-                                      <p:tavLst>
-                                        <p:tav tm="0">
-                                          <p:val>
-                                            <p:strVal val="1+#ppt_h/2"/>
-                                          </p:val>
-                                        </p:tav>
-                                        <p:tav tm="100000">
-                                          <p:val>
-                                            <p:strVal val="#ppt_y"/>
-                                          </p:val>
-                                        </p:tav>
-                                      </p:tavLst>
-                                    </p:anim>
-                                  </p:childTnLst>
-                                </p:cTn>
-                              </p:par>
-                            </p:childTnLst>
-                          </p:cTn>
-                        </p:par>
-                      </p:childTnLst>
-                    </p:cTn>
-                  </p:par>
-                  <p:par>
-                    <p:cTn id="9" fill="hold">
-                      <p:stCondLst>
-                        <p:cond delay="indefinite"/>
-                      </p:stCondLst>
-                      <p:childTnLst>
-                        <p:par>
-                          <p:cTn id="10" fill="hold">
-                            <p:stCondLst>
-                              <p:cond delay="0"/>
-                            </p:stCondLst>
-                            <p:childTnLst>
-                              <p:par>
-                                <p:cTn id="11" presetID="2" presetClass="entr" presetSubtype="4" fill="hold" grpId="0" nodeType="clickEffect">
-                                  <p:stCondLst>
-                                    <p:cond delay="0"/>
-                                  </p:stCondLst>
-                                  <p:childTnLst>
-                                    <p:set>
-                                      <p:cBhvr>
-                                        <p:cTn id="12" dur="1" fill="hold">
-                                          <p:stCondLst>
-                                            <p:cond delay="0"/>
-                                          </p:stCondLst>
-                                        </p:cTn>
-                                        <p:tgtEl>
-                                          <p:spTgt spid="11"/>
-                                        </p:tgtEl>
-                                        <p:attrNameLst>
-                                          <p:attrName>style.visibility</p:attrName>
-                                        </p:attrNameLst>
-                                      </p:cBhvr>
-                                      <p:to>
-                                        <p:strVal val="visible"/>
-                                      </p:to>
-                                    </p:set>
-                                    <p:anim calcmode="lin" valueType="num">
-                                      <p:cBhvr additive="base">
-                                        <p:cTn id="13" dur="500" fill="hold"/>
-                                        <p:tgtEl>
-                                          <p:spTgt spid="11"/>
-                                        </p:tgtEl>
-                                        <p:attrNameLst>
-                                          <p:attrName>ppt_x</p:attrName>
-                                        </p:attrNameLst>
-                                      </p:cBhvr>
-                                      <p:tavLst>
-                                        <p:tav tm="0">
-                                          <p:val>
-                                            <p:strVal val="#ppt_x"/>
-                                          </p:val>
-                                        </p:tav>
-                                        <p:tav tm="100000">
-                                          <p:val>
-                                            <p:strVal val="#ppt_x"/>
-                                          </p:val>
-                                        </p:tav>
-                                      </p:tavLst>
-                                    </p:anim>
-                                    <p:anim calcmode="lin" valueType="num">
-                                      <p:cBhvr additive="base">
-                                        <p:cTn id="14" dur="500" fill="hold"/>
-                                        <p:tgtEl>
-                                          <p:spTgt spid="11"/>
-                                        </p:tgtEl>
-                                        <p:attrNameLst>
-                                          <p:attrName>ppt_y</p:attrName>
-                                        </p:attrNameLst>
-                                      </p:cBhvr>
-                                      <p:tavLst>
-                                        <p:tav tm="0">
-                                          <p:val>
-                                            <p:strVal val="1+#ppt_h/2"/>
-                                          </p:val>
-                                        </p:tav>
-                                        <p:tav tm="100000">
-                                          <p:val>
-                                            <p:strVal val="#ppt_y"/>
-                                          </p:val>
-                                        </p:tav>
-                                      </p:tavLst>
-                                    </p:anim>
-                                  </p:childTnLst>
-                                </p:cTn>
-                              </p:par>
-                              <p:par>
-                                <p:cTn id="15" presetID="2" presetClass="entr" presetSubtype="4" fill="hold" grpId="0" nodeType="withEffect">
-                                  <p:stCondLst>
-                                    <p:cond delay="0"/>
-                                  </p:stCondLst>
-                                  <p:childTnLst>
-                                    <p:set>
-                                      <p:cBhvr>
-                                        <p:cTn id="16" dur="1" fill="hold">
-                                          <p:stCondLst>
-                                            <p:cond delay="0"/>
-                                          </p:stCondLst>
-                                        </p:cTn>
-                                        <p:tgtEl>
-                                          <p:spTgt spid="13"/>
-                                        </p:tgtEl>
-                                        <p:attrNameLst>
-                                          <p:attrName>style.visibility</p:attrName>
-                                        </p:attrNameLst>
-                                      </p:cBhvr>
-                                      <p:to>
-                                        <p:strVal val="visible"/>
-                                      </p:to>
-                                    </p:set>
-                                    <p:anim calcmode="lin" valueType="num">
-                                      <p:cBhvr additive="base">
-                                        <p:cTn id="17" dur="500" fill="hold"/>
-                                        <p:tgtEl>
-                                          <p:spTgt spid="13"/>
-                                        </p:tgtEl>
-                                        <p:attrNameLst>
-                                          <p:attrName>ppt_x</p:attrName>
-                                        </p:attrNameLst>
-                                      </p:cBhvr>
-                                      <p:tavLst>
-                                        <p:tav tm="0">
-                                          <p:val>
-                                            <p:strVal val="#ppt_x"/>
-                                          </p:val>
-                                        </p:tav>
-                                        <p:tav tm="100000">
-                                          <p:val>
-                                            <p:strVal val="#ppt_x"/>
-                                          </p:val>
-                                        </p:tav>
-                                      </p:tavLst>
-                                    </p:anim>
-                                    <p:anim calcmode="lin" valueType="num">
-                                      <p:cBhvr additive="base">
-                                        <p:cTn id="18" dur="500" fill="hold"/>
-                                        <p:tgtEl>
-                                          <p:spTgt spid="13"/>
-                                        </p:tgtEl>
-                                        <p:attrNameLst>
-                                          <p:attrName>ppt_y</p:attrName>
-                                        </p:attrNameLst>
-                                      </p:cBhvr>
-                                      <p:tavLst>
-                                        <p:tav tm="0">
-                                          <p:val>
-                                            <p:strVal val="1+#ppt_h/2"/>
-                                          </p:val>
-                                        </p:tav>
-                                        <p:tav tm="100000">
-                                          <p:val>
-                                            <p:strVal val="#ppt_y"/>
-                                          </p:val>
-                                        </p:tav>
-                                      </p:tavLst>
-                                    </p:anim>
-                                  </p:childTnLst>
-                                </p:cTn>
-                              </p:par>
-                              <p:par>
-                                <p:cTn id="19" presetID="2" presetClass="entr" presetSubtype="4" fill="hold" grpId="0" nodeType="withEffect">
-                                  <p:stCondLst>
-                                    <p:cond delay="0"/>
-                                  </p:stCondLst>
-                                  <p:childTnLst>
-                                    <p:set>
-                                      <p:cBhvr>
-                                        <p:cTn id="20" dur="1" fill="hold">
-                                          <p:stCondLst>
-                                            <p:cond delay="0"/>
-                                          </p:stCondLst>
-                                        </p:cTn>
-                                        <p:tgtEl>
-                                          <p:spTgt spid="16"/>
-                                        </p:tgtEl>
-                                        <p:attrNameLst>
-                                          <p:attrName>style.visibility</p:attrName>
-                                        </p:attrNameLst>
-                                      </p:cBhvr>
-                                      <p:to>
-                                        <p:strVal val="visible"/>
-                                      </p:to>
-                                    </p:set>
-                                    <p:anim calcmode="lin" valueType="num">
-                                      <p:cBhvr additive="base">
-                                        <p:cTn id="21" dur="500" fill="hold"/>
-                                        <p:tgtEl>
-                                          <p:spTgt spid="16"/>
-                                        </p:tgtEl>
-                                        <p:attrNameLst>
-                                          <p:attrName>ppt_x</p:attrName>
-                                        </p:attrNameLst>
-                                      </p:cBhvr>
-                                      <p:tavLst>
-                                        <p:tav tm="0">
-                                          <p:val>
-                                            <p:strVal val="#ppt_x"/>
-                                          </p:val>
-                                        </p:tav>
-                                        <p:tav tm="100000">
-                                          <p:val>
-                                            <p:strVal val="#ppt_x"/>
-                                          </p:val>
-                                        </p:tav>
-                                      </p:tavLst>
-                                    </p:anim>
-                                    <p:anim calcmode="lin" valueType="num">
-                                      <p:cBhvr additive="base">
-                                        <p:cTn id="22" dur="500" fill="hold"/>
-                                        <p:tgtEl>
-                                          <p:spTgt spid="16"/>
-                                        </p:tgtEl>
-                                        <p:attrNameLst>
-                                          <p:attrName>ppt_y</p:attrName>
-                                        </p:attrNameLst>
-                                      </p:cBhvr>
-                                      <p:tavLst>
-                                        <p:tav tm="0">
-                                          <p:val>
-                                            <p:strVal val="1+#ppt_h/2"/>
-                                          </p:val>
-                                        </p:tav>
-                                        <p:tav tm="100000">
-                                          <p:val>
-                                            <p:strVal val="#ppt_y"/>
-                                          </p:val>
-                                        </p:tav>
-                                      </p:tavLst>
-                                    </p:anim>
-                                  </p:childTnLst>
-                                </p:cTn>
-                              </p:par>
-                            </p:childTnLst>
-                          </p:cTn>
-                        </p:par>
-                      </p:childTnLst>
-                    </p:cTn>
-                  </p:par>
-                  <p:par>
-                    <p:cTn id="23" fill="hold">
-                      <p:stCondLst>
-                        <p:cond delay="indefinite"/>
-                      </p:stCondLst>
-                      <p:childTnLst>
-                        <p:par>
-                          <p:cTn id="24" fill="hold">
-                            <p:stCondLst>
-                              <p:cond delay="0"/>
-                            </p:stCondLst>
-                            <p:childTnLst>
-                              <p:par>
-                                <p:cTn id="25" presetID="2" presetClass="entr" presetSubtype="4" fill="hold" grpId="0" nodeType="clickEffect">
-                                  <p:stCondLst>
-                                    <p:cond delay="0"/>
-                                  </p:stCondLst>
-                                  <p:childTnLst>
-                                    <p:set>
-                                      <p:cBhvr>
-                                        <p:cTn id="26" dur="1" fill="hold">
-                                          <p:stCondLst>
-                                            <p:cond delay="0"/>
-                                          </p:stCondLst>
-                                        </p:cTn>
-                                        <p:tgtEl>
-                                          <p:spTgt spid="17"/>
-                                        </p:tgtEl>
-                                        <p:attrNameLst>
-                                          <p:attrName>style.visibility</p:attrName>
-                                        </p:attrNameLst>
-                                      </p:cBhvr>
-                                      <p:to>
-                                        <p:strVal val="visible"/>
-                                      </p:to>
-                                    </p:set>
-                                    <p:anim calcmode="lin" valueType="num">
-                                      <p:cBhvr additive="base">
-                                        <p:cTn id="27" dur="500" fill="hold"/>
-                                        <p:tgtEl>
-                                          <p:spTgt spid="17"/>
-                                        </p:tgtEl>
-                                        <p:attrNameLst>
-                                          <p:attrName>ppt_x</p:attrName>
-                                        </p:attrNameLst>
-                                      </p:cBhvr>
-                                      <p:tavLst>
-                                        <p:tav tm="0">
-                                          <p:val>
-                                            <p:strVal val="#ppt_x"/>
-                                          </p:val>
-                                        </p:tav>
-                                        <p:tav tm="100000">
-                                          <p:val>
-                                            <p:strVal val="#ppt_x"/>
-                                          </p:val>
-                                        </p:tav>
-                                      </p:tavLst>
-                                    </p:anim>
-                                    <p:anim calcmode="lin" valueType="num">
-                                      <p:cBhvr additive="base">
-                                        <p:cTn id="28" dur="500" fill="hold"/>
-                                        <p:tgtEl>
-                                          <p:spTgt spid="17"/>
-                                        </p:tgtEl>
-                                        <p:attrNameLst>
-                                          <p:attrName>ppt_y</p:attrName>
-                                        </p:attrNameLst>
-                                      </p:cBhvr>
-                                      <p:tavLst>
-                                        <p:tav tm="0">
-                                          <p:val>
-                                            <p:strVal val="1+#ppt_h/2"/>
-                                          </p:val>
-                                        </p:tav>
-                                        <p:tav tm="100000">
-                                          <p:val>
-                                            <p:strVal val="#ppt_y"/>
-                                          </p:val>
-                                        </p:tav>
-                                      </p:tavLst>
-                                    </p:anim>
-                                  </p:childTnLst>
-                                </p:cTn>
-                              </p:par>
-                            </p:childTnLst>
-                          </p:cTn>
-                        </p:par>
-                      </p:childTnLst>
-                    </p:cTn>
-                  </p:par>
-                  <p:par>
-                    <p:cTn id="29" fill="hold">
-                      <p:stCondLst>
-                        <p:cond delay="indefinite"/>
-                      </p:stCondLst>
-                      <p:childTnLst>
-                        <p:par>
-                          <p:cTn id="30" fill="hold">
-                            <p:stCondLst>
-                              <p:cond delay="0"/>
-                            </p:stCondLst>
-                            <p:childTnLst>
-                              <p:par>
-                                <p:cTn id="31" presetID="2" presetClass="exit" presetSubtype="1" fill="hold" grpId="1" nodeType="clickEffect">
-                                  <p:stCondLst>
-                                    <p:cond delay="0"/>
-                                  </p:stCondLst>
-                                  <p:childTnLst>
-                                    <p:anim calcmode="lin" valueType="num">
-                                      <p:cBhvr additive="base">
-                                        <p:cTn id="32" dur="500"/>
-                                        <p:tgtEl>
-                                          <p:spTgt spid="16"/>
-                                        </p:tgtEl>
-                                        <p:attrNameLst>
-                                          <p:attrName>ppt_x</p:attrName>
-                                        </p:attrNameLst>
-                                      </p:cBhvr>
-                                      <p:tavLst>
-                                        <p:tav tm="0">
-                                          <p:val>
-                                            <p:strVal val="ppt_x"/>
-                                          </p:val>
-                                        </p:tav>
-                                        <p:tav tm="100000">
-                                          <p:val>
-                                            <p:strVal val="ppt_x"/>
-                                          </p:val>
-                                        </p:tav>
-                                      </p:tavLst>
-                                    </p:anim>
-                                    <p:anim calcmode="lin" valueType="num">
-                                      <p:cBhvr additive="base">
-                                        <p:cTn id="33" dur="500"/>
-                                        <p:tgtEl>
-                                          <p:spTgt spid="16"/>
-                                        </p:tgtEl>
-                                        <p:attrNameLst>
-                                          <p:attrName>ppt_y</p:attrName>
-                                        </p:attrNameLst>
-                                      </p:cBhvr>
-                                      <p:tavLst>
-                                        <p:tav tm="0">
-                                          <p:val>
-                                            <p:strVal val="ppt_y"/>
-                                          </p:val>
-                                        </p:tav>
-                                        <p:tav tm="100000">
-                                          <p:val>
-                                            <p:strVal val="0-ppt_h/2"/>
-                                          </p:val>
-                                        </p:tav>
-                                      </p:tavLst>
-                                    </p:anim>
-                                    <p:set>
-                                      <p:cBhvr>
-                                        <p:cTn id="34" dur="1" fill="hold">
-                                          <p:stCondLst>
-                                            <p:cond delay="499"/>
-                                          </p:stCondLst>
-                                        </p:cTn>
-                                        <p:tgtEl>
-                                          <p:spTgt spid="16"/>
-                                        </p:tgtEl>
-                                        <p:attrNameLst>
-                                          <p:attrName>style.visibility</p:attrName>
-                                        </p:attrNameLst>
-                                      </p:cBhvr>
-                                      <p:to>
-                                        <p:strVal val="hidden"/>
-                                      </p:to>
-                                    </p:set>
-                                  </p:childTnLst>
-                                </p:cTn>
-                              </p:par>
-                              <p:par>
-                                <p:cTn id="35" presetID="2" presetClass="exit" presetSubtype="1" fill="hold" grpId="1" nodeType="withEffect">
-                                  <p:stCondLst>
-                                    <p:cond delay="0"/>
-                                  </p:stCondLst>
-                                  <p:childTnLst>
-                                    <p:anim calcmode="lin" valueType="num">
-                                      <p:cBhvr additive="base">
-                                        <p:cTn id="36" dur="500"/>
-                                        <p:tgtEl>
-                                          <p:spTgt spid="17"/>
-                                        </p:tgtEl>
-                                        <p:attrNameLst>
-                                          <p:attrName>ppt_x</p:attrName>
-                                        </p:attrNameLst>
-                                      </p:cBhvr>
-                                      <p:tavLst>
-                                        <p:tav tm="0">
-                                          <p:val>
-                                            <p:strVal val="ppt_x"/>
-                                          </p:val>
-                                        </p:tav>
-                                        <p:tav tm="100000">
-                                          <p:val>
-                                            <p:strVal val="ppt_x"/>
-                                          </p:val>
-                                        </p:tav>
-                                      </p:tavLst>
-                                    </p:anim>
-                                    <p:anim calcmode="lin" valueType="num">
-                                      <p:cBhvr additive="base">
-                                        <p:cTn id="37" dur="500"/>
-                                        <p:tgtEl>
-                                          <p:spTgt spid="17"/>
-                                        </p:tgtEl>
-                                        <p:attrNameLst>
-                                          <p:attrName>ppt_y</p:attrName>
-                                        </p:attrNameLst>
-                                      </p:cBhvr>
-                                      <p:tavLst>
-                                        <p:tav tm="0">
-                                          <p:val>
-                                            <p:strVal val="ppt_y"/>
-                                          </p:val>
-                                        </p:tav>
-                                        <p:tav tm="100000">
-                                          <p:val>
-                                            <p:strVal val="0-ppt_h/2"/>
-                                          </p:val>
-                                        </p:tav>
-                                      </p:tavLst>
-                                    </p:anim>
-                                    <p:set>
-                                      <p:cBhvr>
-                                        <p:cTn id="38" dur="1" fill="hold">
-                                          <p:stCondLst>
-                                            <p:cond delay="499"/>
-                                          </p:stCondLst>
-                                        </p:cTn>
-                                        <p:tgtEl>
-                                          <p:spTgt spid="17"/>
-                                        </p:tgtEl>
-                                        <p:attrNameLst>
-                                          <p:attrName>style.visibility</p:attrName>
-                                        </p:attrNameLst>
-                                      </p:cBhvr>
-                                      <p:to>
-                                        <p:strVal val="hidden"/>
-                                      </p:to>
-                                    </p:set>
-                                  </p:childTnLst>
-                                </p:cTn>
-                              </p:par>
-                            </p:childTnLst>
-                          </p:cTn>
-                        </p:par>
-                      </p:childTnLst>
-                    </p:cTn>
-                  </p:par>
-                  <p:par>
-                    <p:cTn id="39" fill="hold">
-                      <p:stCondLst>
-                        <p:cond delay="indefinite"/>
-                      </p:stCondLst>
-                      <p:childTnLst>
-                        <p:par>
-                          <p:cTn id="40" fill="hold">
-                            <p:stCondLst>
-                              <p:cond delay="0"/>
-                            </p:stCondLst>
-                            <p:childTnLst>
-                              <p:par>
-                                <p:cTn id="41" presetID="2" presetClass="entr" presetSubtype="4" fill="hold" grpId="0" nodeType="clickEffect">
-                                  <p:stCondLst>
-                                    <p:cond delay="0"/>
-                                  </p:stCondLst>
-                                  <p:childTnLst>
-                                    <p:set>
-                                      <p:cBhvr>
-                                        <p:cTn id="42" dur="1" fill="hold">
-                                          <p:stCondLst>
-                                            <p:cond delay="0"/>
-                                          </p:stCondLst>
-                                        </p:cTn>
-                                        <p:tgtEl>
-                                          <p:spTgt spid="23"/>
-                                        </p:tgtEl>
-                                        <p:attrNameLst>
-                                          <p:attrName>style.visibility</p:attrName>
-                                        </p:attrNameLst>
-                                      </p:cBhvr>
-                                      <p:to>
-                                        <p:strVal val="visible"/>
-                                      </p:to>
-                                    </p:set>
-                                    <p:anim calcmode="lin" valueType="num">
-                                      <p:cBhvr additive="base">
-                                        <p:cTn id="43" dur="500" fill="hold"/>
-                                        <p:tgtEl>
-                                          <p:spTgt spid="23"/>
-                                        </p:tgtEl>
-                                        <p:attrNameLst>
-                                          <p:attrName>ppt_x</p:attrName>
-                                        </p:attrNameLst>
-                                      </p:cBhvr>
-                                      <p:tavLst>
-                                        <p:tav tm="0">
-                                          <p:val>
-                                            <p:strVal val="#ppt_x"/>
-                                          </p:val>
-                                        </p:tav>
-                                        <p:tav tm="100000">
-                                          <p:val>
-                                            <p:strVal val="#ppt_x"/>
-                                          </p:val>
-                                        </p:tav>
-                                      </p:tavLst>
-                                    </p:anim>
-                                    <p:anim calcmode="lin" valueType="num">
-                                      <p:cBhvr additive="base">
-                                        <p:cTn id="44" dur="500" fill="hold"/>
-                                        <p:tgtEl>
-                                          <p:spTgt spid="23"/>
-                                        </p:tgtEl>
-                                        <p:attrNameLst>
-                                          <p:attrName>ppt_y</p:attrName>
-                                        </p:attrNameLst>
-                                      </p:cBhvr>
-                                      <p:tavLst>
-                                        <p:tav tm="0">
-                                          <p:val>
-                                            <p:strVal val="1+#ppt_h/2"/>
-                                          </p:val>
-                                        </p:tav>
-                                        <p:tav tm="100000">
-                                          <p:val>
-                                            <p:strVal val="#ppt_y"/>
-                                          </p:val>
-                                        </p:tav>
-                                      </p:tavLst>
-                                    </p:anim>
-                                  </p:childTnLst>
-                                </p:cTn>
-                              </p:par>
-                              <p:par>
-                                <p:cTn id="45" presetID="2" presetClass="entr" presetSubtype="4" fill="hold" grpId="0" nodeType="withEffect">
-                                  <p:stCondLst>
-                                    <p:cond delay="0"/>
-                                  </p:stCondLst>
-                                  <p:childTnLst>
-                                    <p:set>
-                                      <p:cBhvr>
-                                        <p:cTn id="46" dur="1" fill="hold">
-                                          <p:stCondLst>
-                                            <p:cond delay="0"/>
-                                          </p:stCondLst>
-                                        </p:cTn>
-                                        <p:tgtEl>
-                                          <p:spTgt spid="10"/>
-                                        </p:tgtEl>
-                                        <p:attrNameLst>
-                                          <p:attrName>style.visibility</p:attrName>
-                                        </p:attrNameLst>
-                                      </p:cBhvr>
-                                      <p:to>
-                                        <p:strVal val="visible"/>
-                                      </p:to>
-                                    </p:set>
-                                    <p:anim calcmode="lin" valueType="num">
-                                      <p:cBhvr additive="base">
-                                        <p:cTn id="47" dur="500" fill="hold"/>
-                                        <p:tgtEl>
-                                          <p:spTgt spid="10"/>
-                                        </p:tgtEl>
-                                        <p:attrNameLst>
-                                          <p:attrName>ppt_x</p:attrName>
-                                        </p:attrNameLst>
-                                      </p:cBhvr>
-                                      <p:tavLst>
-                                        <p:tav tm="0">
-                                          <p:val>
-                                            <p:strVal val="#ppt_x"/>
-                                          </p:val>
-                                        </p:tav>
-                                        <p:tav tm="100000">
-                                          <p:val>
-                                            <p:strVal val="#ppt_x"/>
-                                          </p:val>
-                                        </p:tav>
-                                      </p:tavLst>
-                                    </p:anim>
-                                    <p:anim calcmode="lin" valueType="num">
-                                      <p:cBhvr additive="base">
-                                        <p:cTn id="48" dur="500" fill="hold"/>
-                                        <p:tgtEl>
-                                          <p:spTgt spid="10"/>
-                                        </p:tgtEl>
-                                        <p:attrNameLst>
-                                          <p:attrName>ppt_y</p:attrName>
-                                        </p:attrNameLst>
-                                      </p:cBhvr>
-                                      <p:tavLst>
-                                        <p:tav tm="0">
-                                          <p:val>
-                                            <p:strVal val="1+#ppt_h/2"/>
-                                          </p:val>
-                                        </p:tav>
-                                        <p:tav tm="100000">
-                                          <p:val>
-                                            <p:strVal val="#ppt_y"/>
-                                          </p:val>
-                                        </p:tav>
-                                      </p:tavLst>
-                                    </p:anim>
-                                  </p:childTnLst>
-                                </p:cTn>
-                              </p:par>
-                              <p:par>
-                                <p:cTn id="49" presetID="2" presetClass="entr" presetSubtype="4" fill="hold" grpId="0" nodeType="withEffect">
-                                  <p:stCondLst>
-                                    <p:cond delay="0"/>
-                                  </p:stCondLst>
-                                  <p:childTnLst>
-                                    <p:set>
-                                      <p:cBhvr>
-                                        <p:cTn id="50" dur="1" fill="hold">
-                                          <p:stCondLst>
-                                            <p:cond delay="0"/>
-                                          </p:stCondLst>
-                                        </p:cTn>
-                                        <p:tgtEl>
-                                          <p:spTgt spid="15"/>
-                                        </p:tgtEl>
-                                        <p:attrNameLst>
-                                          <p:attrName>style.visibility</p:attrName>
-                                        </p:attrNameLst>
-                                      </p:cBhvr>
-                                      <p:to>
-                                        <p:strVal val="visible"/>
-                                      </p:to>
-                                    </p:set>
-                                    <p:anim calcmode="lin" valueType="num">
-                                      <p:cBhvr additive="base">
-                                        <p:cTn id="51" dur="500" fill="hold"/>
-                                        <p:tgtEl>
-                                          <p:spTgt spid="15"/>
-                                        </p:tgtEl>
-                                        <p:attrNameLst>
-                                          <p:attrName>ppt_x</p:attrName>
-                                        </p:attrNameLst>
-                                      </p:cBhvr>
-                                      <p:tavLst>
-                                        <p:tav tm="0">
-                                          <p:val>
-                                            <p:strVal val="#ppt_x"/>
-                                          </p:val>
-                                        </p:tav>
-                                        <p:tav tm="100000">
-                                          <p:val>
-                                            <p:strVal val="#ppt_x"/>
-                                          </p:val>
-                                        </p:tav>
-                                      </p:tavLst>
-                                    </p:anim>
-                                    <p:anim calcmode="lin" valueType="num">
-                                      <p:cBhvr additive="base">
-                                        <p:cTn id="52" dur="500" fill="hold"/>
-                                        <p:tgtEl>
-                                          <p:spTgt spid="15"/>
-                                        </p:tgtEl>
-                                        <p:attrNameLst>
-                                          <p:attrName>ppt_y</p:attrName>
-                                        </p:attrNameLst>
-                                      </p:cBhvr>
-                                      <p:tavLst>
-                                        <p:tav tm="0">
-                                          <p:val>
-                                            <p:strVal val="1+#ppt_h/2"/>
-                                          </p:val>
-                                        </p:tav>
-                                        <p:tav tm="100000">
-                                          <p:val>
-                                            <p:strVal val="#ppt_y"/>
-                                          </p:val>
-                                        </p:tav>
-                                      </p:tavLst>
-                                    </p:anim>
-                                  </p:childTnLst>
-                                </p:cTn>
-                              </p:par>
-                            </p:childTnLst>
-                          </p:cTn>
-                        </p:par>
-                      </p:childTnLst>
-                    </p:cTn>
-                  </p:par>
-                  <p:par>
-                    <p:cTn id="53" fill="hold">
-                      <p:stCondLst>
-                        <p:cond delay="indefinite"/>
-                      </p:stCondLst>
-                      <p:childTnLst>
-                        <p:par>
-                          <p:cTn id="54" fill="hold">
-                            <p:stCondLst>
-                              <p:cond delay="0"/>
-                            </p:stCondLst>
-                            <p:childTnLst>
-                              <p:par>
-                                <p:cTn id="55" presetID="2" presetClass="entr" presetSubtype="4" fill="hold" grpId="3" nodeType="clickEffect">
-                                  <p:stCondLst>
-                                    <p:cond delay="0"/>
-                                  </p:stCondLst>
-                                  <p:childTnLst>
-                                    <p:set>
-                                      <p:cBhvr>
-                                        <p:cTn id="56" dur="1" fill="hold">
-                                          <p:stCondLst>
-                                            <p:cond delay="0"/>
-                                          </p:stCondLst>
-                                        </p:cTn>
-                                        <p:tgtEl>
-                                          <p:spTgt spid="17"/>
-                                        </p:tgtEl>
-                                        <p:attrNameLst>
-                                          <p:attrName>style.visibility</p:attrName>
-                                        </p:attrNameLst>
-                                      </p:cBhvr>
-                                      <p:to>
-                                        <p:strVal val="visible"/>
-                                      </p:to>
-                                    </p:set>
-                                    <p:anim calcmode="lin" valueType="num">
-                                      <p:cBhvr additive="base">
-                                        <p:cTn id="57" dur="500" fill="hold"/>
-                                        <p:tgtEl>
-                                          <p:spTgt spid="17"/>
-                                        </p:tgtEl>
-                                        <p:attrNameLst>
-                                          <p:attrName>ppt_x</p:attrName>
-                                        </p:attrNameLst>
-                                      </p:cBhvr>
-                                      <p:tavLst>
-                                        <p:tav tm="0">
-                                          <p:val>
-                                            <p:strVal val="#ppt_x"/>
-                                          </p:val>
-                                        </p:tav>
-                                        <p:tav tm="100000">
-                                          <p:val>
-                                            <p:strVal val="#ppt_x"/>
-                                          </p:val>
-                                        </p:tav>
-                                      </p:tavLst>
-                                    </p:anim>
-                                    <p:anim calcmode="lin" valueType="num">
-                                      <p:cBhvr additive="base">
-                                        <p:cTn id="58" dur="500" fill="hold"/>
-                                        <p:tgtEl>
-                                          <p:spTgt spid="17"/>
-                                        </p:tgtEl>
-                                        <p:attrNameLst>
-                                          <p:attrName>ppt_y</p:attrName>
-                                        </p:attrNameLst>
-                                      </p:cBhvr>
-                                      <p:tavLst>
-                                        <p:tav tm="0">
-                                          <p:val>
-                                            <p:strVal val="1+#ppt_h/2"/>
-                                          </p:val>
-                                        </p:tav>
-                                        <p:tav tm="100000">
-                                          <p:val>
-                                            <p:strVal val="#ppt_y"/>
-                                          </p:val>
-                                        </p:tav>
-                                      </p:tavLst>
-                                    </p:anim>
-                                  </p:childTnLst>
-                                </p:cTn>
-                              </p:par>
-                            </p:childTnLst>
-                          </p:cTn>
-                        </p:par>
-                      </p:childTnLst>
-                    </p:cTn>
-                  </p:par>
-                  <p:par>
-                    <p:cTn id="59" fill="hold">
-                      <p:stCondLst>
-                        <p:cond delay="indefinite"/>
-                      </p:stCondLst>
-                      <p:childTnLst>
-                        <p:par>
-                          <p:cTn id="60" fill="hold">
-                            <p:stCondLst>
-                              <p:cond delay="0"/>
-                            </p:stCondLst>
-                            <p:childTnLst>
-                              <p:par>
-                                <p:cTn id="61" presetID="2" presetClass="exit" presetSubtype="1" fill="hold" grpId="2" nodeType="clickEffect">
-                                  <p:stCondLst>
-                                    <p:cond delay="0"/>
-                                  </p:stCondLst>
-                                  <p:childTnLst>
-                                    <p:anim calcmode="lin" valueType="num">
-                                      <p:cBhvr additive="base">
-                                        <p:cTn id="62" dur="500"/>
-                                        <p:tgtEl>
-                                          <p:spTgt spid="17"/>
-                                        </p:tgtEl>
-                                        <p:attrNameLst>
-                                          <p:attrName>ppt_x</p:attrName>
-                                        </p:attrNameLst>
-                                      </p:cBhvr>
-                                      <p:tavLst>
-                                        <p:tav tm="0">
-                                          <p:val>
-                                            <p:strVal val="ppt_x"/>
-                                          </p:val>
-                                        </p:tav>
-                                        <p:tav tm="100000">
-                                          <p:val>
-                                            <p:strVal val="ppt_x"/>
-                                          </p:val>
-                                        </p:tav>
-                                      </p:tavLst>
-                                    </p:anim>
-                                    <p:anim calcmode="lin" valueType="num">
-                                      <p:cBhvr additive="base">
-                                        <p:cTn id="63" dur="500"/>
-                                        <p:tgtEl>
-                                          <p:spTgt spid="17"/>
-                                        </p:tgtEl>
-                                        <p:attrNameLst>
-                                          <p:attrName>ppt_y</p:attrName>
-                                        </p:attrNameLst>
-                                      </p:cBhvr>
-                                      <p:tavLst>
-                                        <p:tav tm="0">
-                                          <p:val>
-                                            <p:strVal val="ppt_y"/>
-                                          </p:val>
-                                        </p:tav>
-                                        <p:tav tm="100000">
-                                          <p:val>
-                                            <p:strVal val="0-ppt_h/2"/>
-                                          </p:val>
-                                        </p:tav>
-                                      </p:tavLst>
-                                    </p:anim>
-                                    <p:set>
-                                      <p:cBhvr>
-                                        <p:cTn id="64" dur="1" fill="hold">
-                                          <p:stCondLst>
-                                            <p:cond delay="499"/>
-                                          </p:stCondLst>
-                                        </p:cTn>
-                                        <p:tgtEl>
-                                          <p:spTgt spid="17"/>
-                                        </p:tgtEl>
-                                        <p:attrNameLst>
-                                          <p:attrName>style.visibility</p:attrName>
-                                        </p:attrNameLst>
-                                      </p:cBhvr>
-                                      <p:to>
-                                        <p:strVal val="hidden"/>
-                                      </p:to>
-                                    </p:set>
-                                  </p:childTnLst>
-                                </p:cTn>
-                              </p:par>
-                              <p:par>
-                                <p:cTn id="65" presetID="2" presetClass="exit" presetSubtype="1" fill="hold" grpId="1" nodeType="withEffect">
-                                  <p:stCondLst>
-                                    <p:cond delay="0"/>
-                                  </p:stCondLst>
-                                  <p:childTnLst>
-                                    <p:anim calcmode="lin" valueType="num">
-                                      <p:cBhvr additive="base">
-                                        <p:cTn id="66" dur="500"/>
-                                        <p:tgtEl>
-                                          <p:spTgt spid="23"/>
-                                        </p:tgtEl>
-                                        <p:attrNameLst>
-                                          <p:attrName>ppt_x</p:attrName>
-                                        </p:attrNameLst>
-                                      </p:cBhvr>
-                                      <p:tavLst>
-                                        <p:tav tm="0">
-                                          <p:val>
-                                            <p:strVal val="ppt_x"/>
-                                          </p:val>
-                                        </p:tav>
-                                        <p:tav tm="100000">
-                                          <p:val>
-                                            <p:strVal val="ppt_x"/>
-                                          </p:val>
-                                        </p:tav>
-                                      </p:tavLst>
-                                    </p:anim>
-                                    <p:anim calcmode="lin" valueType="num">
-                                      <p:cBhvr additive="base">
-                                        <p:cTn id="67" dur="500"/>
-                                        <p:tgtEl>
-                                          <p:spTgt spid="23"/>
-                                        </p:tgtEl>
-                                        <p:attrNameLst>
-                                          <p:attrName>ppt_y</p:attrName>
-                                        </p:attrNameLst>
-                                      </p:cBhvr>
-                                      <p:tavLst>
-                                        <p:tav tm="0">
-                                          <p:val>
-                                            <p:strVal val="ppt_y"/>
-                                          </p:val>
-                                        </p:tav>
-                                        <p:tav tm="100000">
-                                          <p:val>
-                                            <p:strVal val="0-ppt_h/2"/>
-                                          </p:val>
-                                        </p:tav>
-                                      </p:tavLst>
-                                    </p:anim>
-                                    <p:set>
-                                      <p:cBhvr>
-                                        <p:cTn id="68" dur="1" fill="hold">
-                                          <p:stCondLst>
-                                            <p:cond delay="499"/>
-                                          </p:stCondLst>
-                                        </p:cTn>
-                                        <p:tgtEl>
-                                          <p:spTgt spid="23"/>
-                                        </p:tgtEl>
-                                        <p:attrNameLst>
-                                          <p:attrName>style.visibility</p:attrName>
-                                        </p:attrNameLst>
-                                      </p:cBhvr>
-                                      <p:to>
-                                        <p:strVal val="hidden"/>
-                                      </p:to>
-                                    </p:set>
-                                  </p:childTnLst>
-                                </p:cTn>
-                              </p:par>
-                            </p:childTnLst>
-                          </p:cTn>
-                        </p:par>
-                      </p:childTnLst>
-                    </p:cTn>
-                  </p:par>
-                  <p:par>
-                    <p:cTn id="69" fill="hold">
-                      <p:stCondLst>
-                        <p:cond delay="indefinite"/>
-                      </p:stCondLst>
-                      <p:childTnLst>
-                        <p:par>
-                          <p:cTn id="70" fill="hold">
-                            <p:stCondLst>
-                              <p:cond delay="0"/>
-                            </p:stCondLst>
-                            <p:childTnLst>
-                              <p:par>
-                                <p:cTn id="71" presetID="2" presetClass="entr" presetSubtype="4" fill="hold" grpId="0" nodeType="clickEffect">
-                                  <p:stCondLst>
-                                    <p:cond delay="0"/>
-                                  </p:stCondLst>
-                                  <p:childTnLst>
-                                    <p:set>
-                                      <p:cBhvr>
-                                        <p:cTn id="72" dur="1" fill="hold">
-                                          <p:stCondLst>
-                                            <p:cond delay="0"/>
-                                          </p:stCondLst>
-                                        </p:cTn>
-                                        <p:tgtEl>
-                                          <p:spTgt spid="25"/>
-                                        </p:tgtEl>
-                                        <p:attrNameLst>
-                                          <p:attrName>style.visibility</p:attrName>
-                                        </p:attrNameLst>
-                                      </p:cBhvr>
-                                      <p:to>
-                                        <p:strVal val="visible"/>
-                                      </p:to>
-                                    </p:set>
-                                    <p:anim calcmode="lin" valueType="num">
-                                      <p:cBhvr additive="base">
-                                        <p:cTn id="73" dur="500" fill="hold"/>
-                                        <p:tgtEl>
-                                          <p:spTgt spid="25"/>
-                                        </p:tgtEl>
-                                        <p:attrNameLst>
-                                          <p:attrName>ppt_x</p:attrName>
-                                        </p:attrNameLst>
-                                      </p:cBhvr>
-                                      <p:tavLst>
-                                        <p:tav tm="0">
-                                          <p:val>
-                                            <p:strVal val="#ppt_x"/>
-                                          </p:val>
-                                        </p:tav>
-                                        <p:tav tm="100000">
-                                          <p:val>
-                                            <p:strVal val="#ppt_x"/>
-                                          </p:val>
-                                        </p:tav>
-                                      </p:tavLst>
-                                    </p:anim>
-                                    <p:anim calcmode="lin" valueType="num">
-                                      <p:cBhvr additive="base">
-                                        <p:cTn id="74" dur="500" fill="hold"/>
-                                        <p:tgtEl>
-                                          <p:spTgt spid="25"/>
-                                        </p:tgtEl>
-                                        <p:attrNameLst>
-                                          <p:attrName>ppt_y</p:attrName>
-                                        </p:attrNameLst>
-                                      </p:cBhvr>
-                                      <p:tavLst>
-                                        <p:tav tm="0">
-                                          <p:val>
-                                            <p:strVal val="1+#ppt_h/2"/>
-                                          </p:val>
-                                        </p:tav>
-                                        <p:tav tm="100000">
-                                          <p:val>
-                                            <p:strVal val="#ppt_y"/>
-                                          </p:val>
-                                        </p:tav>
-                                      </p:tavLst>
-                                    </p:anim>
-                                  </p:childTnLst>
-                                </p:cTn>
-                              </p:par>
-                              <p:par>
-                                <p:cTn id="75" presetID="2" presetClass="entr" presetSubtype="4" fill="hold" grpId="0" nodeType="withEffect">
-                                  <p:stCondLst>
-                                    <p:cond delay="0"/>
-                                  </p:stCondLst>
-                                  <p:childTnLst>
-                                    <p:set>
-                                      <p:cBhvr>
-                                        <p:cTn id="76" dur="1" fill="hold">
-                                          <p:stCondLst>
-                                            <p:cond delay="0"/>
-                                          </p:stCondLst>
-                                        </p:cTn>
-                                        <p:tgtEl>
-                                          <p:spTgt spid="12"/>
-                                        </p:tgtEl>
-                                        <p:attrNameLst>
-                                          <p:attrName>style.visibility</p:attrName>
-                                        </p:attrNameLst>
-                                      </p:cBhvr>
-                                      <p:to>
-                                        <p:strVal val="visible"/>
-                                      </p:to>
-                                    </p:set>
-                                    <p:anim calcmode="lin" valueType="num">
-                                      <p:cBhvr additive="base">
-                                        <p:cTn id="77" dur="500" fill="hold"/>
-                                        <p:tgtEl>
-                                          <p:spTgt spid="12"/>
-                                        </p:tgtEl>
-                                        <p:attrNameLst>
-                                          <p:attrName>ppt_x</p:attrName>
-                                        </p:attrNameLst>
-                                      </p:cBhvr>
-                                      <p:tavLst>
-                                        <p:tav tm="0">
-                                          <p:val>
-                                            <p:strVal val="#ppt_x"/>
-                                          </p:val>
-                                        </p:tav>
-                                        <p:tav tm="100000">
-                                          <p:val>
-                                            <p:strVal val="#ppt_x"/>
-                                          </p:val>
-                                        </p:tav>
-                                      </p:tavLst>
-                                    </p:anim>
-                                    <p:anim calcmode="lin" valueType="num">
-                                      <p:cBhvr additive="base">
-                                        <p:cTn id="78" dur="500" fill="hold"/>
-                                        <p:tgtEl>
-                                          <p:spTgt spid="12"/>
-                                        </p:tgtEl>
-                                        <p:attrNameLst>
-                                          <p:attrName>ppt_y</p:attrName>
-                                        </p:attrNameLst>
-                                      </p:cBhvr>
-                                      <p:tavLst>
-                                        <p:tav tm="0">
-                                          <p:val>
-                                            <p:strVal val="1+#ppt_h/2"/>
-                                          </p:val>
-                                        </p:tav>
-                                        <p:tav tm="100000">
-                                          <p:val>
-                                            <p:strVal val="#ppt_y"/>
-                                          </p:val>
-                                        </p:tav>
-                                      </p:tavLst>
-                                    </p:anim>
-                                  </p:childTnLst>
-                                </p:cTn>
-                              </p:par>
-                              <p:par>
-                                <p:cTn id="79" presetID="2" presetClass="entr" presetSubtype="4" fill="hold" grpId="0" nodeType="withEffect">
-                                  <p:stCondLst>
-                                    <p:cond delay="0"/>
-                                  </p:stCondLst>
-                                  <p:childTnLst>
-                                    <p:set>
-                                      <p:cBhvr>
-                                        <p:cTn id="80" dur="1" fill="hold">
-                                          <p:stCondLst>
-                                            <p:cond delay="0"/>
-                                          </p:stCondLst>
-                                        </p:cTn>
-                                        <p:tgtEl>
-                                          <p:spTgt spid="14"/>
-                                        </p:tgtEl>
-                                        <p:attrNameLst>
-                                          <p:attrName>style.visibility</p:attrName>
-                                        </p:attrNameLst>
-                                      </p:cBhvr>
-                                      <p:to>
-                                        <p:strVal val="visible"/>
-                                      </p:to>
-                                    </p:set>
-                                    <p:anim calcmode="lin" valueType="num">
-                                      <p:cBhvr additive="base">
-                                        <p:cTn id="81" dur="500" fill="hold"/>
-                                        <p:tgtEl>
-                                          <p:spTgt spid="14"/>
-                                        </p:tgtEl>
-                                        <p:attrNameLst>
-                                          <p:attrName>ppt_x</p:attrName>
-                                        </p:attrNameLst>
-                                      </p:cBhvr>
-                                      <p:tavLst>
-                                        <p:tav tm="0">
-                                          <p:val>
-                                            <p:strVal val="#ppt_x"/>
-                                          </p:val>
-                                        </p:tav>
-                                        <p:tav tm="100000">
-                                          <p:val>
-                                            <p:strVal val="#ppt_x"/>
-                                          </p:val>
-                                        </p:tav>
-                                      </p:tavLst>
-                                    </p:anim>
-                                    <p:anim calcmode="lin" valueType="num">
-                                      <p:cBhvr additive="base">
-                                        <p:cTn id="82" dur="500" fill="hold"/>
-                                        <p:tgtEl>
-                                          <p:spTgt spid="14"/>
-                                        </p:tgtEl>
-                                        <p:attrNameLst>
-                                          <p:attrName>ppt_y</p:attrName>
-                                        </p:attrNameLst>
-                                      </p:cBhvr>
-                                      <p:tavLst>
-                                        <p:tav tm="0">
-                                          <p:val>
-                                            <p:strVal val="1+#ppt_h/2"/>
-                                          </p:val>
-                                        </p:tav>
-                                        <p:tav tm="100000">
-                                          <p:val>
-                                            <p:strVal val="#ppt_y"/>
-                                          </p:val>
-                                        </p:tav>
-                                      </p:tavLst>
-                                    </p:anim>
-                                  </p:childTnLst>
-                                </p:cTn>
-                              </p:par>
-                            </p:childTnLst>
-                          </p:cTn>
-                        </p:par>
-                      </p:childTnLst>
-                    </p:cTn>
-                  </p:par>
-                  <p:par>
-                    <p:cTn id="83" fill="hold">
-                      <p:stCondLst>
-                        <p:cond delay="indefinite"/>
-                      </p:stCondLst>
-                      <p:childTnLst>
-                        <p:par>
-                          <p:cTn id="84" fill="hold">
-                            <p:stCondLst>
-                              <p:cond delay="0"/>
-                            </p:stCondLst>
-                            <p:childTnLst>
-                              <p:par>
-                                <p:cTn id="85" presetID="2" presetClass="entr" presetSubtype="4" fill="hold" grpId="0" nodeType="clickEffect">
-                                  <p:stCondLst>
-                                    <p:cond delay="0"/>
-                                  </p:stCondLst>
-                                  <p:childTnLst>
-                                    <p:set>
-                                      <p:cBhvr>
-                                        <p:cTn id="86" dur="1" fill="hold">
-                                          <p:stCondLst>
-                                            <p:cond delay="0"/>
-                                          </p:stCondLst>
-                                        </p:cTn>
-                                        <p:tgtEl>
-                                          <p:spTgt spid="27"/>
-                                        </p:tgtEl>
-                                        <p:attrNameLst>
-                                          <p:attrName>style.visibility</p:attrName>
-                                        </p:attrNameLst>
-                                      </p:cBhvr>
-                                      <p:to>
-                                        <p:strVal val="visible"/>
-                                      </p:to>
-                                    </p:set>
-                                    <p:anim calcmode="lin" valueType="num">
-                                      <p:cBhvr additive="base">
-                                        <p:cTn id="87" dur="500" fill="hold"/>
-                                        <p:tgtEl>
-                                          <p:spTgt spid="27"/>
-                                        </p:tgtEl>
-                                        <p:attrNameLst>
-                                          <p:attrName>ppt_x</p:attrName>
-                                        </p:attrNameLst>
-                                      </p:cBhvr>
-                                      <p:tavLst>
-                                        <p:tav tm="0">
-                                          <p:val>
-                                            <p:strVal val="#ppt_x"/>
-                                          </p:val>
-                                        </p:tav>
-                                        <p:tav tm="100000">
-                                          <p:val>
-                                            <p:strVal val="#ppt_x"/>
-                                          </p:val>
-                                        </p:tav>
-                                      </p:tavLst>
-                                    </p:anim>
-                                    <p:anim calcmode="lin" valueType="num">
-                                      <p:cBhvr additive="base">
-                                        <p:cTn id="88" dur="500" fill="hold"/>
-                                        <p:tgtEl>
-                                          <p:spTgt spid="27"/>
-                                        </p:tgtEl>
-                                        <p:attrNameLst>
-                                          <p:attrName>ppt_y</p:attrName>
-                                        </p:attrNameLst>
-                                      </p:cBhvr>
-                                      <p:tavLst>
-                                        <p:tav tm="0">
-                                          <p:val>
-                                            <p:strVal val="1+#ppt_h/2"/>
-                                          </p:val>
-                                        </p:tav>
-                                        <p:tav tm="100000">
-                                          <p:val>
-                                            <p:strVal val="#ppt_y"/>
-                                          </p:val>
-                                        </p:tav>
-                                      </p:tavLst>
-                                    </p:anim>
-                                  </p:childTnLst>
-                                </p:cTn>
-                              </p:par>
-                            </p:childTnLst>
-                          </p:cTn>
-                        </p:par>
-                      </p:childTnLst>
-                    </p:cTn>
-                  </p:par>
-                  <p:par>
-                    <p:cTn id="89" fill="hold">
-                      <p:stCondLst>
-                        <p:cond delay="indefinite"/>
-                      </p:stCondLst>
-                      <p:childTnLst>
-                        <p:par>
-                          <p:cTn id="90" fill="hold">
-                            <p:stCondLst>
-                              <p:cond delay="0"/>
-                            </p:stCondLst>
-                            <p:childTnLst>
-                              <p:par>
-                                <p:cTn id="91" presetID="2" presetClass="exit" presetSubtype="1" fill="hold" grpId="1" nodeType="clickEffect">
-                                  <p:stCondLst>
-                                    <p:cond delay="0"/>
-                                  </p:stCondLst>
-                                  <p:childTnLst>
-                                    <p:anim calcmode="lin" valueType="num">
-                                      <p:cBhvr additive="base">
-                                        <p:cTn id="92" dur="500"/>
-                                        <p:tgtEl>
-                                          <p:spTgt spid="25"/>
-                                        </p:tgtEl>
-                                        <p:attrNameLst>
-                                          <p:attrName>ppt_x</p:attrName>
-                                        </p:attrNameLst>
-                                      </p:cBhvr>
-                                      <p:tavLst>
-                                        <p:tav tm="0">
-                                          <p:val>
-                                            <p:strVal val="ppt_x"/>
-                                          </p:val>
-                                        </p:tav>
-                                        <p:tav tm="100000">
-                                          <p:val>
-                                            <p:strVal val="ppt_x"/>
-                                          </p:val>
-                                        </p:tav>
-                                      </p:tavLst>
-                                    </p:anim>
-                                    <p:anim calcmode="lin" valueType="num">
-                                      <p:cBhvr additive="base">
-                                        <p:cTn id="93" dur="500"/>
-                                        <p:tgtEl>
-                                          <p:spTgt spid="25"/>
-                                        </p:tgtEl>
-                                        <p:attrNameLst>
-                                          <p:attrName>ppt_y</p:attrName>
-                                        </p:attrNameLst>
-                                      </p:cBhvr>
-                                      <p:tavLst>
-                                        <p:tav tm="0">
-                                          <p:val>
-                                            <p:strVal val="ppt_y"/>
-                                          </p:val>
-                                        </p:tav>
-                                        <p:tav tm="100000">
-                                          <p:val>
-                                            <p:strVal val="0-ppt_h/2"/>
-                                          </p:val>
-                                        </p:tav>
-                                      </p:tavLst>
-                                    </p:anim>
-                                    <p:set>
-                                      <p:cBhvr>
-                                        <p:cTn id="94" dur="1" fill="hold">
-                                          <p:stCondLst>
-                                            <p:cond delay="499"/>
-                                          </p:stCondLst>
-                                        </p:cTn>
-                                        <p:tgtEl>
-                                          <p:spTgt spid="25"/>
-                                        </p:tgtEl>
-                                        <p:attrNameLst>
-                                          <p:attrName>style.visibility</p:attrName>
-                                        </p:attrNameLst>
-                                      </p:cBhvr>
-                                      <p:to>
-                                        <p:strVal val="hidden"/>
-                                      </p:to>
-                                    </p:set>
-                                  </p:childTnLst>
-                                </p:cTn>
-                              </p:par>
-                              <p:par>
-                                <p:cTn id="95" presetID="2" presetClass="exit" presetSubtype="1" fill="hold" grpId="1" nodeType="withEffect">
-                                  <p:stCondLst>
-                                    <p:cond delay="0"/>
-                                  </p:stCondLst>
-                                  <p:childTnLst>
-                                    <p:anim calcmode="lin" valueType="num">
-                                      <p:cBhvr additive="base">
-                                        <p:cTn id="96" dur="500"/>
-                                        <p:tgtEl>
-                                          <p:spTgt spid="27"/>
-                                        </p:tgtEl>
-                                        <p:attrNameLst>
-                                          <p:attrName>ppt_x</p:attrName>
-                                        </p:attrNameLst>
-                                      </p:cBhvr>
-                                      <p:tavLst>
-                                        <p:tav tm="0">
-                                          <p:val>
-                                            <p:strVal val="ppt_x"/>
-                                          </p:val>
-                                        </p:tav>
-                                        <p:tav tm="100000">
-                                          <p:val>
-                                            <p:strVal val="ppt_x"/>
-                                          </p:val>
-                                        </p:tav>
-                                      </p:tavLst>
-                                    </p:anim>
-                                    <p:anim calcmode="lin" valueType="num">
-                                      <p:cBhvr additive="base">
-                                        <p:cTn id="97" dur="500"/>
-                                        <p:tgtEl>
-                                          <p:spTgt spid="27"/>
-                                        </p:tgtEl>
-                                        <p:attrNameLst>
-                                          <p:attrName>ppt_y</p:attrName>
-                                        </p:attrNameLst>
-                                      </p:cBhvr>
-                                      <p:tavLst>
-                                        <p:tav tm="0">
-                                          <p:val>
-                                            <p:strVal val="ppt_y"/>
-                                          </p:val>
-                                        </p:tav>
-                                        <p:tav tm="100000">
-                                          <p:val>
-                                            <p:strVal val="0-ppt_h/2"/>
-                                          </p:val>
-                                        </p:tav>
-                                      </p:tavLst>
-                                    </p:anim>
-                                    <p:set>
-                                      <p:cBhvr>
-                                        <p:cTn id="98" dur="1" fill="hold">
-                                          <p:stCondLst>
-                                            <p:cond delay="499"/>
-                                          </p:stCondLst>
-                                        </p:cTn>
-                                        <p:tgtEl>
-                                          <p:spTgt spid="27"/>
-                                        </p:tgtEl>
-                                        <p:attrNameLst>
-                                          <p:attrName>style.visibility</p:attrName>
-                                        </p:attrNameLst>
-                                      </p:cBhvr>
-                                      <p:to>
-                                        <p:strVal val="hidden"/>
-                                      </p:to>
-                                    </p:set>
-                                  </p:childTnLst>
-                                </p:cTn>
-                              </p:par>
-                            </p:childTnLst>
-                          </p:cTn>
-                        </p:par>
-                      </p:childTnLst>
-                    </p:cTn>
-                  </p:par>
-                  <p:par>
-                    <p:cTn id="99" fill="hold">
-                      <p:stCondLst>
-                        <p:cond delay="indefinite"/>
-                      </p:stCondLst>
-                      <p:childTnLst>
-                        <p:par>
-                          <p:cTn id="100" fill="hold">
-                            <p:stCondLst>
-                              <p:cond delay="0"/>
-                            </p:stCondLst>
-                            <p:childTnLst>
-                              <p:par>
-                                <p:cTn id="101" presetID="2" presetClass="entr" presetSubtype="4" fill="hold" grpId="0" nodeType="clickEffect">
-                                  <p:stCondLst>
-                                    <p:cond delay="0"/>
-                                  </p:stCondLst>
-                                  <p:childTnLst>
-                                    <p:set>
-                                      <p:cBhvr>
-                                        <p:cTn id="102" dur="1" fill="hold">
-                                          <p:stCondLst>
-                                            <p:cond delay="0"/>
-                                          </p:stCondLst>
-                                        </p:cTn>
-                                        <p:tgtEl>
-                                          <p:spTgt spid="29"/>
-                                        </p:tgtEl>
-                                        <p:attrNameLst>
-                                          <p:attrName>style.visibility</p:attrName>
-                                        </p:attrNameLst>
-                                      </p:cBhvr>
-                                      <p:to>
-                                        <p:strVal val="visible"/>
-                                      </p:to>
-                                    </p:set>
-                                    <p:anim calcmode="lin" valueType="num">
-                                      <p:cBhvr additive="base">
-                                        <p:cTn id="103" dur="500" fill="hold"/>
-                                        <p:tgtEl>
-                                          <p:spTgt spid="29"/>
-                                        </p:tgtEl>
-                                        <p:attrNameLst>
-                                          <p:attrName>ppt_x</p:attrName>
-                                        </p:attrNameLst>
-                                      </p:cBhvr>
-                                      <p:tavLst>
-                                        <p:tav tm="0">
-                                          <p:val>
-                                            <p:strVal val="#ppt_x"/>
-                                          </p:val>
-                                        </p:tav>
-                                        <p:tav tm="100000">
-                                          <p:val>
-                                            <p:strVal val="#ppt_x"/>
-                                          </p:val>
-                                        </p:tav>
-                                      </p:tavLst>
-                                    </p:anim>
-                                    <p:anim calcmode="lin" valueType="num">
-                                      <p:cBhvr additive="base">
-                                        <p:cTn id="104" dur="500" fill="hold"/>
-                                        <p:tgtEl>
-                                          <p:spTgt spid="29"/>
-                                        </p:tgtEl>
-                                        <p:attrNameLst>
-                                          <p:attrName>ppt_y</p:attrName>
-                                        </p:attrNameLst>
-                                      </p:cBhvr>
-                                      <p:tavLst>
-                                        <p:tav tm="0">
-                                          <p:val>
-                                            <p:strVal val="1+#ppt_h/2"/>
-                                          </p:val>
-                                        </p:tav>
-                                        <p:tav tm="100000">
-                                          <p:val>
-                                            <p:strVal val="#ppt_y"/>
-                                          </p:val>
-                                        </p:tav>
-                                      </p:tavLst>
-                                    </p:anim>
-                                  </p:childTnLst>
-                                </p:cTn>
-                              </p:par>
-                              <p:par>
-                                <p:cTn id="105" presetID="2" presetClass="entr" presetSubtype="4" fill="hold" grpId="0" nodeType="withEffect">
-                                  <p:stCondLst>
-                                    <p:cond delay="0"/>
-                                  </p:stCondLst>
-                                  <p:childTnLst>
-                                    <p:set>
-                                      <p:cBhvr>
-                                        <p:cTn id="106" dur="1" fill="hold">
-                                          <p:stCondLst>
-                                            <p:cond delay="0"/>
-                                          </p:stCondLst>
-                                        </p:cTn>
-                                        <p:tgtEl>
-                                          <p:spTgt spid="31"/>
-                                        </p:tgtEl>
-                                        <p:attrNameLst>
-                                          <p:attrName>style.visibility</p:attrName>
-                                        </p:attrNameLst>
-                                      </p:cBhvr>
-                                      <p:to>
-                                        <p:strVal val="visible"/>
-                                      </p:to>
-                                    </p:set>
-                                    <p:anim calcmode="lin" valueType="num">
-                                      <p:cBhvr additive="base">
-                                        <p:cTn id="107" dur="500" fill="hold"/>
-                                        <p:tgtEl>
-                                          <p:spTgt spid="31"/>
-                                        </p:tgtEl>
-                                        <p:attrNameLst>
-                                          <p:attrName>ppt_x</p:attrName>
-                                        </p:attrNameLst>
-                                      </p:cBhvr>
-                                      <p:tavLst>
-                                        <p:tav tm="0">
-                                          <p:val>
-                                            <p:strVal val="#ppt_x"/>
-                                          </p:val>
-                                        </p:tav>
-                                        <p:tav tm="100000">
-                                          <p:val>
-                                            <p:strVal val="#ppt_x"/>
-                                          </p:val>
-                                        </p:tav>
-                                      </p:tavLst>
-                                    </p:anim>
-                                    <p:anim calcmode="lin" valueType="num">
-                                      <p:cBhvr additive="base">
-                                        <p:cTn id="108" dur="500" fill="hold"/>
-                                        <p:tgtEl>
-                                          <p:spTgt spid="31"/>
-                                        </p:tgtEl>
-                                        <p:attrNameLst>
-                                          <p:attrName>ppt_y</p:attrName>
-                                        </p:attrNameLst>
-                                      </p:cBhvr>
-                                      <p:tavLst>
-                                        <p:tav tm="0">
-                                          <p:val>
-                                            <p:strVal val="1+#ppt_h/2"/>
-                                          </p:val>
-                                        </p:tav>
-                                        <p:tav tm="100000">
-                                          <p:val>
-                                            <p:strVal val="#ppt_y"/>
-                                          </p:val>
-                                        </p:tav>
-                                      </p:tavLst>
-                                    </p:anim>
-                                  </p:childTnLst>
-                                </p:cTn>
-                              </p:par>
-                            </p:childTnLst>
-                          </p:cTn>
-                        </p:par>
-                      </p:childTnLst>
-                    </p:cTn>
-                  </p:par>
-                  <p:par>
-                    <p:cTn id="109" fill="hold">
-                      <p:stCondLst>
-                        <p:cond delay="indefinite"/>
-                      </p:stCondLst>
-                      <p:childTnLst>
-                        <p:par>
-                          <p:cTn id="110" fill="hold">
-                            <p:stCondLst>
-                              <p:cond delay="0"/>
-                            </p:stCondLst>
-                            <p:childTnLst>
-                              <p:par>
-                                <p:cTn id="111" presetID="53" presetClass="entr" presetSubtype="16" fill="hold" grpId="0" nodeType="clickEffect">
-                                  <p:stCondLst>
-                                    <p:cond delay="0"/>
-                                  </p:stCondLst>
-                                  <p:childTnLst>
-                                    <p:set>
-                                      <p:cBhvr>
-                                        <p:cTn id="112" dur="1" fill="hold">
-                                          <p:stCondLst>
-                                            <p:cond delay="0"/>
-                                          </p:stCondLst>
-                                        </p:cTn>
-                                        <p:tgtEl>
-                                          <p:spTgt spid="32"/>
-                                        </p:tgtEl>
-                                        <p:attrNameLst>
-                                          <p:attrName>style.visibility</p:attrName>
-                                        </p:attrNameLst>
-                                      </p:cBhvr>
-                                      <p:to>
-                                        <p:strVal val="visible"/>
-                                      </p:to>
-                                    </p:set>
-                                    <p:anim calcmode="lin" valueType="num">
-                                      <p:cBhvr>
-                                        <p:cTn id="113" dur="500" fill="hold"/>
-                                        <p:tgtEl>
-                                          <p:spTgt spid="32"/>
-                                        </p:tgtEl>
-                                        <p:attrNameLst>
-                                          <p:attrName>ppt_w</p:attrName>
-                                        </p:attrNameLst>
-                                      </p:cBhvr>
-                                      <p:tavLst>
-                                        <p:tav tm="0">
-                                          <p:val>
-                                            <p:fltVal val="0"/>
-                                          </p:val>
-                                        </p:tav>
-                                        <p:tav tm="100000">
-                                          <p:val>
-                                            <p:strVal val="#ppt_w"/>
-                                          </p:val>
-                                        </p:tav>
-                                      </p:tavLst>
-                                    </p:anim>
-                                    <p:anim calcmode="lin" valueType="num">
-                                      <p:cBhvr>
-                                        <p:cTn id="114" dur="500" fill="hold"/>
-                                        <p:tgtEl>
-                                          <p:spTgt spid="32"/>
-                                        </p:tgtEl>
-                                        <p:attrNameLst>
-                                          <p:attrName>ppt_h</p:attrName>
-                                        </p:attrNameLst>
-                                      </p:cBhvr>
-                                      <p:tavLst>
-                                        <p:tav tm="0">
-                                          <p:val>
-                                            <p:fltVal val="0"/>
-                                          </p:val>
-                                        </p:tav>
-                                        <p:tav tm="100000">
-                                          <p:val>
-                                            <p:strVal val="#ppt_h"/>
-                                          </p:val>
-                                        </p:tav>
-                                      </p:tavLst>
-                                    </p:anim>
-                                    <p:animEffect transition="in" filter="fade">
-                                      <p:cBhvr>
-                                        <p:cTn id="115" dur="500"/>
-                                        <p:tgtEl>
-                                          <p:spTgt spid="32"/>
-                                        </p:tgtEl>
-                                      </p:cBhvr>
-                                    </p:animEffect>
-                                  </p:childTnLst>
-                                </p:cTn>
-                              </p:par>
-                            </p:childTnLst>
-                          </p:cTn>
-                        </p:par>
-                      </p:childTnLst>
-                    </p:cTn>
-                  </p:par>
-                </p:childTnLst>
-              </p:cTn>
-              <p:prevCondLst>
-                <p:cond evt="onPrev" delay="0">
-                  <p:tgtEl>
-                    <p:sldTgt/>
-                  </p:tgtEl>
-                </p:cond>
-              </p:prevCondLst>
-              <p:nextCondLst>
-                <p:cond evt="onNext" delay="0">
-                  <p:tgtEl>
-                    <p:sldTgt/>
-                  </p:tgtEl>
-                </p:cond>
-              </p:nextCondLst>
-            </p:seq>
-          </p:childTnLst>
-        </p:cTn>
-      </p:par>
-    </p:tnLst>
-    <p:bldLst>
-      <p:bldP spid="10" grpId="0"/>
-      <p:bldP spid="11" grpId="0"/>
-      <p:bldP spid="12" grpId="0"/>
-      <p:bldP spid="13" grpId="0"/>
-      <p:bldP spid="14" grpId="0"/>
-      <p:bldP spid="15" grpId="0"/>
-      <p:bldP spid="16" grpId="0"/>
-      <p:bldP spid="16" grpId="1"/>
-      <p:bldP spid="17" grpId="0"/>
-      <p:bldP spid="17" grpId="1"/>
-      <p:bldP spid="17" grpId="2"/>
-      <p:bldP spid="17" grpId="3"/>
-      <p:bldP spid="23" grpId="0"/>
-      <p:bldP spid="23" grpId="1"/>
-      <p:bldP spid="25" grpId="0"/>
-      <p:bldP spid="25" grpId="1"/>
-      <p:bldP spid="27" grpId="0"/>
-      <p:bldP spid="27" grpId="1"/>
-      <p:bldP spid="29" grpId="0"/>
-      <p:bldP spid="31" grpId="0"/>
-      <p:bldP spid="32" grpId="0" animBg="1"/>
-    </p:bldLst>
-  </p:timing>
-</p:sld>
+<file path=ppt/tags/tag1.xml><?xml version="1.0" encoding="utf-8"?>
+<p:tagLst xmlns:p="http://schemas.openxmlformats.org/presentationml/2006/main">
+  <p:tag name="KSO_WM_BEAUTIFY_FLAG" val=""/>
+</p:tagLst>
+</file>
+
+<file path=ppt/tags/tag2.xml><?xml version="1.0" encoding="utf-8"?>
+<p:tagLst xmlns:p="http://schemas.openxmlformats.org/presentationml/2006/main">
+  <p:tag name="KSO_WM_BEAUTIFY_FLAG" val=""/>
+</p:tagLst>
 </file>
 
 <file path=ppt/theme/theme1.xml><?xml version="1.0" encoding="utf-8"?>
